--- a/串讲.pptx
+++ b/串讲.pptx
@@ -2,36 +2,41 @@
 <file path=ppt/presentation.xml><?xml version="1.0" encoding="utf-8"?>
 <p:presentation xmlns:a="http://schemas.openxmlformats.org/drawingml/2006/main" xmlns:r="http://schemas.openxmlformats.org/officeDocument/2006/relationships" xmlns:p="http://schemas.openxmlformats.org/presentationml/2006/main" saveSubsetFonts="1">
   <p:sldMasterIdLst>
-    <p:sldMasterId id="2147483648" r:id="rId1"/>
+    <p:sldMasterId id="2147483660" r:id="rId1"/>
   </p:sldMasterIdLst>
   <p:notesMasterIdLst>
-    <p:notesMasterId r:id="rId15"/>
+    <p:notesMasterId r:id="rId20"/>
   </p:notesMasterIdLst>
   <p:sldIdLst>
     <p:sldId id="256" r:id="rId2"/>
     <p:sldId id="257" r:id="rId3"/>
     <p:sldId id="258" r:id="rId4"/>
     <p:sldId id="275" r:id="rId5"/>
-    <p:sldId id="277" r:id="rId6"/>
-    <p:sldId id="276" r:id="rId7"/>
-    <p:sldId id="259" r:id="rId8"/>
-    <p:sldId id="278" r:id="rId9"/>
-    <p:sldId id="279" r:id="rId10"/>
+    <p:sldId id="276" r:id="rId6"/>
+    <p:sldId id="277" r:id="rId7"/>
+    <p:sldId id="287" r:id="rId8"/>
+    <p:sldId id="259" r:id="rId9"/>
+    <p:sldId id="278" r:id="rId10"/>
     <p:sldId id="280" r:id="rId11"/>
-    <p:sldId id="260" r:id="rId12"/>
-    <p:sldId id="261" r:id="rId13"/>
-    <p:sldId id="274" r:id="rId14"/>
+    <p:sldId id="283" r:id="rId12"/>
+    <p:sldId id="281" r:id="rId13"/>
+    <p:sldId id="279" r:id="rId14"/>
+    <p:sldId id="282" r:id="rId15"/>
+    <p:sldId id="284" r:id="rId16"/>
+    <p:sldId id="285" r:id="rId17"/>
+    <p:sldId id="286" r:id="rId18"/>
+    <p:sldId id="274" r:id="rId19"/>
   </p:sldIdLst>
   <p:sldSz cx="12192000" cy="6858000"/>
   <p:notesSz cx="6858000" cy="9144000"/>
   <p:custDataLst>
-    <p:tags r:id="rId16"/>
+    <p:tags r:id="rId21"/>
   </p:custDataLst>
   <p:defaultTextStyle>
     <a:defPPr>
-      <a:defRPr lang="zh-CN"/>
+      <a:defRPr lang="en-US"/>
     </a:defPPr>
-    <a:lvl1pPr marL="0" algn="l" defTabSz="914400" rtl="0" eaLnBrk="1" latinLnBrk="0" hangingPunct="1">
+    <a:lvl1pPr marL="0" algn="l" defTabSz="457200" rtl="0" eaLnBrk="1" latinLnBrk="0" hangingPunct="1">
       <a:defRPr sz="1800" kern="1200">
         <a:solidFill>
           <a:schemeClr val="tx1"/>
@@ -41,7 +46,7 @@
         <a:cs typeface="+mn-cs"/>
       </a:defRPr>
     </a:lvl1pPr>
-    <a:lvl2pPr marL="457200" algn="l" defTabSz="914400" rtl="0" eaLnBrk="1" latinLnBrk="0" hangingPunct="1">
+    <a:lvl2pPr marL="457200" algn="l" defTabSz="457200" rtl="0" eaLnBrk="1" latinLnBrk="0" hangingPunct="1">
       <a:defRPr sz="1800" kern="1200">
         <a:solidFill>
           <a:schemeClr val="tx1"/>
@@ -51,7 +56,7 @@
         <a:cs typeface="+mn-cs"/>
       </a:defRPr>
     </a:lvl2pPr>
-    <a:lvl3pPr marL="914400" algn="l" defTabSz="914400" rtl="0" eaLnBrk="1" latinLnBrk="0" hangingPunct="1">
+    <a:lvl3pPr marL="914400" algn="l" defTabSz="457200" rtl="0" eaLnBrk="1" latinLnBrk="0" hangingPunct="1">
       <a:defRPr sz="1800" kern="1200">
         <a:solidFill>
           <a:schemeClr val="tx1"/>
@@ -61,7 +66,7 @@
         <a:cs typeface="+mn-cs"/>
       </a:defRPr>
     </a:lvl3pPr>
-    <a:lvl4pPr marL="1371600" algn="l" defTabSz="914400" rtl="0" eaLnBrk="1" latinLnBrk="0" hangingPunct="1">
+    <a:lvl4pPr marL="1371600" algn="l" defTabSz="457200" rtl="0" eaLnBrk="1" latinLnBrk="0" hangingPunct="1">
       <a:defRPr sz="1800" kern="1200">
         <a:solidFill>
           <a:schemeClr val="tx1"/>
@@ -71,7 +76,7 @@
         <a:cs typeface="+mn-cs"/>
       </a:defRPr>
     </a:lvl4pPr>
-    <a:lvl5pPr marL="1828800" algn="l" defTabSz="914400" rtl="0" eaLnBrk="1" latinLnBrk="0" hangingPunct="1">
+    <a:lvl5pPr marL="1828800" algn="l" defTabSz="457200" rtl="0" eaLnBrk="1" latinLnBrk="0" hangingPunct="1">
       <a:defRPr sz="1800" kern="1200">
         <a:solidFill>
           <a:schemeClr val="tx1"/>
@@ -81,7 +86,7 @@
         <a:cs typeface="+mn-cs"/>
       </a:defRPr>
     </a:lvl5pPr>
-    <a:lvl6pPr marL="2286000" algn="l" defTabSz="914400" rtl="0" eaLnBrk="1" latinLnBrk="0" hangingPunct="1">
+    <a:lvl6pPr marL="2286000" algn="l" defTabSz="457200" rtl="0" eaLnBrk="1" latinLnBrk="0" hangingPunct="1">
       <a:defRPr sz="1800" kern="1200">
         <a:solidFill>
           <a:schemeClr val="tx1"/>
@@ -91,7 +96,7 @@
         <a:cs typeface="+mn-cs"/>
       </a:defRPr>
     </a:lvl6pPr>
-    <a:lvl7pPr marL="2743200" algn="l" defTabSz="914400" rtl="0" eaLnBrk="1" latinLnBrk="0" hangingPunct="1">
+    <a:lvl7pPr marL="2743200" algn="l" defTabSz="457200" rtl="0" eaLnBrk="1" latinLnBrk="0" hangingPunct="1">
       <a:defRPr sz="1800" kern="1200">
         <a:solidFill>
           <a:schemeClr val="tx1"/>
@@ -101,7 +106,7 @@
         <a:cs typeface="+mn-cs"/>
       </a:defRPr>
     </a:lvl7pPr>
-    <a:lvl8pPr marL="3200400" algn="l" defTabSz="914400" rtl="0" eaLnBrk="1" latinLnBrk="0" hangingPunct="1">
+    <a:lvl8pPr marL="3200400" algn="l" defTabSz="457200" rtl="0" eaLnBrk="1" latinLnBrk="0" hangingPunct="1">
       <a:defRPr sz="1800" kern="1200">
         <a:solidFill>
           <a:schemeClr val="tx1"/>
@@ -111,7 +116,7 @@
         <a:cs typeface="+mn-cs"/>
       </a:defRPr>
     </a:lvl8pPr>
-    <a:lvl9pPr marL="3657600" algn="l" defTabSz="914400" rtl="0" eaLnBrk="1" latinLnBrk="0" hangingPunct="1">
+    <a:lvl9pPr marL="3657600" algn="l" defTabSz="457200" rtl="0" eaLnBrk="1" latinLnBrk="0" hangingPunct="1">
       <a:defRPr sz="1800" kern="1200">
         <a:solidFill>
           <a:schemeClr val="tx1"/>
@@ -223,7 +228,7 @@
           <a:p>
             <a:fld id="{558B725A-BFDD-44D0-A8D3-61766B07B7F1}" type="datetimeFigureOut">
               <a:rPr lang="zh-CN" altLang="en-US" smtClean="0"/>
-              <a:t>2023/2/6</a:t>
+              <a:t>2023/2/7</a:t>
             </a:fld>
             <a:endParaRPr lang="zh-CN" altLang="en-US"/>
           </a:p>
@@ -648,7 +653,7 @@
     </p:spTree>
     <p:extLst>
       <p:ext uri="{BB962C8B-B14F-4D97-AF65-F5344CB8AC3E}">
-        <p14:creationId xmlns:p14="http://schemas.microsoft.com/office/powerpoint/2010/main" val="1645964080"/>
+        <p14:creationId xmlns:p14="http://schemas.microsoft.com/office/powerpoint/2010/main" val="938239921"/>
       </p:ext>
     </p:extLst>
   </p:cSld>
@@ -732,7 +737,7 @@
     </p:spTree>
     <p:extLst>
       <p:ext uri="{BB962C8B-B14F-4D97-AF65-F5344CB8AC3E}">
-        <p14:creationId xmlns:p14="http://schemas.microsoft.com/office/powerpoint/2010/main" val="1076013792"/>
+        <p14:creationId xmlns:p14="http://schemas.microsoft.com/office/powerpoint/2010/main" val="2237976903"/>
       </p:ext>
     </p:extLst>
   </p:cSld>
@@ -816,7 +821,7 @@
     </p:spTree>
     <p:extLst>
       <p:ext uri="{BB962C8B-B14F-4D97-AF65-F5344CB8AC3E}">
-        <p14:creationId xmlns:p14="http://schemas.microsoft.com/office/powerpoint/2010/main" val="4103637875"/>
+        <p14:creationId xmlns:p14="http://schemas.microsoft.com/office/powerpoint/2010/main" val="1843613943"/>
       </p:ext>
     </p:extLst>
   </p:cSld>
@@ -892,6 +897,426 @@
             <a:fld id="{B9BCC932-0C1F-4C94-8B9A-3944ABBB4E30}" type="slidenum">
               <a:rPr lang="zh-CN" altLang="en-US" smtClean="0"/>
               <a:t>13</a:t>
+            </a:fld>
+            <a:endParaRPr lang="zh-CN" altLang="en-US"/>
+          </a:p>
+        </p:txBody>
+      </p:sp>
+    </p:spTree>
+    <p:extLst>
+      <p:ext uri="{BB962C8B-B14F-4D97-AF65-F5344CB8AC3E}">
+        <p14:creationId xmlns:p14="http://schemas.microsoft.com/office/powerpoint/2010/main" val="761671077"/>
+      </p:ext>
+    </p:extLst>
+  </p:cSld>
+  <p:clrMapOvr>
+    <a:masterClrMapping/>
+  </p:clrMapOvr>
+</p:notes>
+</file>
+
+<file path=ppt/notesSlides/notesSlide14.xml><?xml version="1.0" encoding="utf-8"?>
+<p:notes xmlns:a="http://schemas.openxmlformats.org/drawingml/2006/main" xmlns:r="http://schemas.openxmlformats.org/officeDocument/2006/relationships" xmlns:p="http://schemas.openxmlformats.org/presentationml/2006/main">
+  <p:cSld>
+    <p:spTree>
+      <p:nvGrpSpPr>
+        <p:cNvPr id="1" name=""/>
+        <p:cNvGrpSpPr/>
+        <p:nvPr/>
+      </p:nvGrpSpPr>
+      <p:grpSpPr>
+        <a:xfrm>
+          <a:off x="0" y="0"/>
+          <a:ext cx="0" cy="0"/>
+          <a:chOff x="0" y="0"/>
+          <a:chExt cx="0" cy="0"/>
+        </a:xfrm>
+      </p:grpSpPr>
+      <p:sp>
+        <p:nvSpPr>
+          <p:cNvPr id="2" name="幻灯片图像占位符 1"/>
+          <p:cNvSpPr>
+            <a:spLocks noGrp="1" noRot="1" noChangeAspect="1"/>
+          </p:cNvSpPr>
+          <p:nvPr>
+            <p:ph type="sldImg"/>
+          </p:nvPr>
+        </p:nvSpPr>
+        <p:spPr/>
+      </p:sp>
+      <p:sp>
+        <p:nvSpPr>
+          <p:cNvPr id="3" name="备注占位符 2"/>
+          <p:cNvSpPr>
+            <a:spLocks noGrp="1"/>
+          </p:cNvSpPr>
+          <p:nvPr>
+            <p:ph type="body" idx="1"/>
+          </p:nvPr>
+        </p:nvSpPr>
+        <p:spPr/>
+        <p:txBody>
+          <a:bodyPr/>
+          <a:lstStyle/>
+          <a:p>
+            <a:endParaRPr lang="zh-CN" altLang="en-US"/>
+          </a:p>
+        </p:txBody>
+      </p:sp>
+      <p:sp>
+        <p:nvSpPr>
+          <p:cNvPr id="4" name="灯片编号占位符 3"/>
+          <p:cNvSpPr>
+            <a:spLocks noGrp="1"/>
+          </p:cNvSpPr>
+          <p:nvPr>
+            <p:ph type="sldNum" sz="quarter" idx="10"/>
+          </p:nvPr>
+        </p:nvSpPr>
+        <p:spPr/>
+        <p:txBody>
+          <a:bodyPr/>
+          <a:lstStyle/>
+          <a:p>
+            <a:fld id="{B9BCC932-0C1F-4C94-8B9A-3944ABBB4E30}" type="slidenum">
+              <a:rPr lang="zh-CN" altLang="en-US" smtClean="0"/>
+              <a:t>14</a:t>
+            </a:fld>
+            <a:endParaRPr lang="zh-CN" altLang="en-US"/>
+          </a:p>
+        </p:txBody>
+      </p:sp>
+    </p:spTree>
+    <p:extLst>
+      <p:ext uri="{BB962C8B-B14F-4D97-AF65-F5344CB8AC3E}">
+        <p14:creationId xmlns:p14="http://schemas.microsoft.com/office/powerpoint/2010/main" val="1270974953"/>
+      </p:ext>
+    </p:extLst>
+  </p:cSld>
+  <p:clrMapOvr>
+    <a:masterClrMapping/>
+  </p:clrMapOvr>
+</p:notes>
+</file>
+
+<file path=ppt/notesSlides/notesSlide15.xml><?xml version="1.0" encoding="utf-8"?>
+<p:notes xmlns:a="http://schemas.openxmlformats.org/drawingml/2006/main" xmlns:r="http://schemas.openxmlformats.org/officeDocument/2006/relationships" xmlns:p="http://schemas.openxmlformats.org/presentationml/2006/main">
+  <p:cSld>
+    <p:spTree>
+      <p:nvGrpSpPr>
+        <p:cNvPr id="1" name=""/>
+        <p:cNvGrpSpPr/>
+        <p:nvPr/>
+      </p:nvGrpSpPr>
+      <p:grpSpPr>
+        <a:xfrm>
+          <a:off x="0" y="0"/>
+          <a:ext cx="0" cy="0"/>
+          <a:chOff x="0" y="0"/>
+          <a:chExt cx="0" cy="0"/>
+        </a:xfrm>
+      </p:grpSpPr>
+      <p:sp>
+        <p:nvSpPr>
+          <p:cNvPr id="2" name="幻灯片图像占位符 1"/>
+          <p:cNvSpPr>
+            <a:spLocks noGrp="1" noRot="1" noChangeAspect="1"/>
+          </p:cNvSpPr>
+          <p:nvPr>
+            <p:ph type="sldImg"/>
+          </p:nvPr>
+        </p:nvSpPr>
+        <p:spPr/>
+      </p:sp>
+      <p:sp>
+        <p:nvSpPr>
+          <p:cNvPr id="3" name="备注占位符 2"/>
+          <p:cNvSpPr>
+            <a:spLocks noGrp="1"/>
+          </p:cNvSpPr>
+          <p:nvPr>
+            <p:ph type="body" idx="1"/>
+          </p:nvPr>
+        </p:nvSpPr>
+        <p:spPr/>
+        <p:txBody>
+          <a:bodyPr/>
+          <a:lstStyle/>
+          <a:p>
+            <a:endParaRPr lang="zh-CN" altLang="en-US"/>
+          </a:p>
+        </p:txBody>
+      </p:sp>
+      <p:sp>
+        <p:nvSpPr>
+          <p:cNvPr id="4" name="灯片编号占位符 3"/>
+          <p:cNvSpPr>
+            <a:spLocks noGrp="1"/>
+          </p:cNvSpPr>
+          <p:nvPr>
+            <p:ph type="sldNum" sz="quarter" idx="10"/>
+          </p:nvPr>
+        </p:nvSpPr>
+        <p:spPr/>
+        <p:txBody>
+          <a:bodyPr/>
+          <a:lstStyle/>
+          <a:p>
+            <a:fld id="{B9BCC932-0C1F-4C94-8B9A-3944ABBB4E30}" type="slidenum">
+              <a:rPr lang="zh-CN" altLang="en-US" smtClean="0"/>
+              <a:t>15</a:t>
+            </a:fld>
+            <a:endParaRPr lang="zh-CN" altLang="en-US"/>
+          </a:p>
+        </p:txBody>
+      </p:sp>
+    </p:spTree>
+    <p:extLst>
+      <p:ext uri="{BB962C8B-B14F-4D97-AF65-F5344CB8AC3E}">
+        <p14:creationId xmlns:p14="http://schemas.microsoft.com/office/powerpoint/2010/main" val="38259470"/>
+      </p:ext>
+    </p:extLst>
+  </p:cSld>
+  <p:clrMapOvr>
+    <a:masterClrMapping/>
+  </p:clrMapOvr>
+</p:notes>
+</file>
+
+<file path=ppt/notesSlides/notesSlide16.xml><?xml version="1.0" encoding="utf-8"?>
+<p:notes xmlns:a="http://schemas.openxmlformats.org/drawingml/2006/main" xmlns:r="http://schemas.openxmlformats.org/officeDocument/2006/relationships" xmlns:p="http://schemas.openxmlformats.org/presentationml/2006/main">
+  <p:cSld>
+    <p:spTree>
+      <p:nvGrpSpPr>
+        <p:cNvPr id="1" name=""/>
+        <p:cNvGrpSpPr/>
+        <p:nvPr/>
+      </p:nvGrpSpPr>
+      <p:grpSpPr>
+        <a:xfrm>
+          <a:off x="0" y="0"/>
+          <a:ext cx="0" cy="0"/>
+          <a:chOff x="0" y="0"/>
+          <a:chExt cx="0" cy="0"/>
+        </a:xfrm>
+      </p:grpSpPr>
+      <p:sp>
+        <p:nvSpPr>
+          <p:cNvPr id="2" name="幻灯片图像占位符 1"/>
+          <p:cNvSpPr>
+            <a:spLocks noGrp="1" noRot="1" noChangeAspect="1"/>
+          </p:cNvSpPr>
+          <p:nvPr>
+            <p:ph type="sldImg"/>
+          </p:nvPr>
+        </p:nvSpPr>
+        <p:spPr/>
+      </p:sp>
+      <p:sp>
+        <p:nvSpPr>
+          <p:cNvPr id="3" name="备注占位符 2"/>
+          <p:cNvSpPr>
+            <a:spLocks noGrp="1"/>
+          </p:cNvSpPr>
+          <p:nvPr>
+            <p:ph type="body" idx="1"/>
+          </p:nvPr>
+        </p:nvSpPr>
+        <p:spPr/>
+        <p:txBody>
+          <a:bodyPr/>
+          <a:lstStyle/>
+          <a:p>
+            <a:endParaRPr lang="zh-CN" altLang="en-US"/>
+          </a:p>
+        </p:txBody>
+      </p:sp>
+      <p:sp>
+        <p:nvSpPr>
+          <p:cNvPr id="4" name="灯片编号占位符 3"/>
+          <p:cNvSpPr>
+            <a:spLocks noGrp="1"/>
+          </p:cNvSpPr>
+          <p:nvPr>
+            <p:ph type="sldNum" sz="quarter" idx="10"/>
+          </p:nvPr>
+        </p:nvSpPr>
+        <p:spPr/>
+        <p:txBody>
+          <a:bodyPr/>
+          <a:lstStyle/>
+          <a:p>
+            <a:fld id="{B9BCC932-0C1F-4C94-8B9A-3944ABBB4E30}" type="slidenum">
+              <a:rPr lang="zh-CN" altLang="en-US" smtClean="0"/>
+              <a:t>16</a:t>
+            </a:fld>
+            <a:endParaRPr lang="zh-CN" altLang="en-US"/>
+          </a:p>
+        </p:txBody>
+      </p:sp>
+    </p:spTree>
+    <p:extLst>
+      <p:ext uri="{BB962C8B-B14F-4D97-AF65-F5344CB8AC3E}">
+        <p14:creationId xmlns:p14="http://schemas.microsoft.com/office/powerpoint/2010/main" val="3722588687"/>
+      </p:ext>
+    </p:extLst>
+  </p:cSld>
+  <p:clrMapOvr>
+    <a:masterClrMapping/>
+  </p:clrMapOvr>
+</p:notes>
+</file>
+
+<file path=ppt/notesSlides/notesSlide17.xml><?xml version="1.0" encoding="utf-8"?>
+<p:notes xmlns:a="http://schemas.openxmlformats.org/drawingml/2006/main" xmlns:r="http://schemas.openxmlformats.org/officeDocument/2006/relationships" xmlns:p="http://schemas.openxmlformats.org/presentationml/2006/main">
+  <p:cSld>
+    <p:spTree>
+      <p:nvGrpSpPr>
+        <p:cNvPr id="1" name=""/>
+        <p:cNvGrpSpPr/>
+        <p:nvPr/>
+      </p:nvGrpSpPr>
+      <p:grpSpPr>
+        <a:xfrm>
+          <a:off x="0" y="0"/>
+          <a:ext cx="0" cy="0"/>
+          <a:chOff x="0" y="0"/>
+          <a:chExt cx="0" cy="0"/>
+        </a:xfrm>
+      </p:grpSpPr>
+      <p:sp>
+        <p:nvSpPr>
+          <p:cNvPr id="2" name="幻灯片图像占位符 1"/>
+          <p:cNvSpPr>
+            <a:spLocks noGrp="1" noRot="1" noChangeAspect="1"/>
+          </p:cNvSpPr>
+          <p:nvPr>
+            <p:ph type="sldImg"/>
+          </p:nvPr>
+        </p:nvSpPr>
+        <p:spPr/>
+      </p:sp>
+      <p:sp>
+        <p:nvSpPr>
+          <p:cNvPr id="3" name="备注占位符 2"/>
+          <p:cNvSpPr>
+            <a:spLocks noGrp="1"/>
+          </p:cNvSpPr>
+          <p:nvPr>
+            <p:ph type="body" idx="1"/>
+          </p:nvPr>
+        </p:nvSpPr>
+        <p:spPr/>
+        <p:txBody>
+          <a:bodyPr/>
+          <a:lstStyle/>
+          <a:p>
+            <a:endParaRPr lang="zh-CN" altLang="en-US"/>
+          </a:p>
+        </p:txBody>
+      </p:sp>
+      <p:sp>
+        <p:nvSpPr>
+          <p:cNvPr id="4" name="灯片编号占位符 3"/>
+          <p:cNvSpPr>
+            <a:spLocks noGrp="1"/>
+          </p:cNvSpPr>
+          <p:nvPr>
+            <p:ph type="sldNum" sz="quarter" idx="10"/>
+          </p:nvPr>
+        </p:nvSpPr>
+        <p:spPr/>
+        <p:txBody>
+          <a:bodyPr/>
+          <a:lstStyle/>
+          <a:p>
+            <a:fld id="{B9BCC932-0C1F-4C94-8B9A-3944ABBB4E30}" type="slidenum">
+              <a:rPr lang="zh-CN" altLang="en-US" smtClean="0"/>
+              <a:t>17</a:t>
+            </a:fld>
+            <a:endParaRPr lang="zh-CN" altLang="en-US"/>
+          </a:p>
+        </p:txBody>
+      </p:sp>
+    </p:spTree>
+    <p:extLst>
+      <p:ext uri="{BB962C8B-B14F-4D97-AF65-F5344CB8AC3E}">
+        <p14:creationId xmlns:p14="http://schemas.microsoft.com/office/powerpoint/2010/main" val="2089825264"/>
+      </p:ext>
+    </p:extLst>
+  </p:cSld>
+  <p:clrMapOvr>
+    <a:masterClrMapping/>
+  </p:clrMapOvr>
+</p:notes>
+</file>
+
+<file path=ppt/notesSlides/notesSlide18.xml><?xml version="1.0" encoding="utf-8"?>
+<p:notes xmlns:a="http://schemas.openxmlformats.org/drawingml/2006/main" xmlns:r="http://schemas.openxmlformats.org/officeDocument/2006/relationships" xmlns:p="http://schemas.openxmlformats.org/presentationml/2006/main">
+  <p:cSld>
+    <p:spTree>
+      <p:nvGrpSpPr>
+        <p:cNvPr id="1" name=""/>
+        <p:cNvGrpSpPr/>
+        <p:nvPr/>
+      </p:nvGrpSpPr>
+      <p:grpSpPr>
+        <a:xfrm>
+          <a:off x="0" y="0"/>
+          <a:ext cx="0" cy="0"/>
+          <a:chOff x="0" y="0"/>
+          <a:chExt cx="0" cy="0"/>
+        </a:xfrm>
+      </p:grpSpPr>
+      <p:sp>
+        <p:nvSpPr>
+          <p:cNvPr id="2" name="幻灯片图像占位符 1"/>
+          <p:cNvSpPr>
+            <a:spLocks noGrp="1" noRot="1" noChangeAspect="1"/>
+          </p:cNvSpPr>
+          <p:nvPr>
+            <p:ph type="sldImg"/>
+          </p:nvPr>
+        </p:nvSpPr>
+        <p:spPr/>
+      </p:sp>
+      <p:sp>
+        <p:nvSpPr>
+          <p:cNvPr id="3" name="备注占位符 2"/>
+          <p:cNvSpPr>
+            <a:spLocks noGrp="1"/>
+          </p:cNvSpPr>
+          <p:nvPr>
+            <p:ph type="body" idx="1"/>
+          </p:nvPr>
+        </p:nvSpPr>
+        <p:spPr/>
+        <p:txBody>
+          <a:bodyPr/>
+          <a:lstStyle/>
+          <a:p>
+            <a:endParaRPr lang="zh-CN" altLang="en-US"/>
+          </a:p>
+        </p:txBody>
+      </p:sp>
+      <p:sp>
+        <p:nvSpPr>
+          <p:cNvPr id="4" name="灯片编号占位符 3"/>
+          <p:cNvSpPr>
+            <a:spLocks noGrp="1"/>
+          </p:cNvSpPr>
+          <p:nvPr>
+            <p:ph type="sldNum" sz="quarter" idx="10"/>
+          </p:nvPr>
+        </p:nvSpPr>
+        <p:spPr/>
+        <p:txBody>
+          <a:bodyPr/>
+          <a:lstStyle/>
+          <a:p>
+            <a:fld id="{B9BCC932-0C1F-4C94-8B9A-3944ABBB4E30}" type="slidenum">
+              <a:rPr lang="zh-CN" altLang="en-US" smtClean="0"/>
+              <a:t>18</a:t>
             </a:fld>
             <a:endParaRPr lang="zh-CN" altLang="en-US"/>
           </a:p>
@@ -1236,7 +1661,7 @@
     </p:spTree>
     <p:extLst>
       <p:ext uri="{BB962C8B-B14F-4D97-AF65-F5344CB8AC3E}">
-        <p14:creationId xmlns:p14="http://schemas.microsoft.com/office/powerpoint/2010/main" val="962863469"/>
+        <p14:creationId xmlns:p14="http://schemas.microsoft.com/office/powerpoint/2010/main" val="1289563602"/>
       </p:ext>
     </p:extLst>
   </p:cSld>
@@ -1320,7 +1745,7 @@
     </p:spTree>
     <p:extLst>
       <p:ext uri="{BB962C8B-B14F-4D97-AF65-F5344CB8AC3E}">
-        <p14:creationId xmlns:p14="http://schemas.microsoft.com/office/powerpoint/2010/main" val="1289563602"/>
+        <p14:creationId xmlns:p14="http://schemas.microsoft.com/office/powerpoint/2010/main" val="962863469"/>
       </p:ext>
     </p:extLst>
   </p:cSld>
@@ -1404,7 +1829,7 @@
     </p:spTree>
     <p:extLst>
       <p:ext uri="{BB962C8B-B14F-4D97-AF65-F5344CB8AC3E}">
-        <p14:creationId xmlns:p14="http://schemas.microsoft.com/office/powerpoint/2010/main" val="3892987836"/>
+        <p14:creationId xmlns:p14="http://schemas.microsoft.com/office/powerpoint/2010/main" val="4100834055"/>
       </p:ext>
     </p:extLst>
   </p:cSld>
@@ -1488,7 +1913,7 @@
     </p:spTree>
     <p:extLst>
       <p:ext uri="{BB962C8B-B14F-4D97-AF65-F5344CB8AC3E}">
-        <p14:creationId xmlns:p14="http://schemas.microsoft.com/office/powerpoint/2010/main" val="4294780222"/>
+        <p14:creationId xmlns:p14="http://schemas.microsoft.com/office/powerpoint/2010/main" val="3892987836"/>
       </p:ext>
     </p:extLst>
   </p:cSld>
@@ -1572,7 +1997,7 @@
     </p:spTree>
     <p:extLst>
       <p:ext uri="{BB962C8B-B14F-4D97-AF65-F5344CB8AC3E}">
-        <p14:creationId xmlns:p14="http://schemas.microsoft.com/office/powerpoint/2010/main" val="761671077"/>
+        <p14:creationId xmlns:p14="http://schemas.microsoft.com/office/powerpoint/2010/main" val="4294780222"/>
       </p:ext>
     </p:extLst>
   </p:cSld>
@@ -1601,7 +2026,7 @@
       </p:grpSpPr>
       <p:sp>
         <p:nvSpPr>
-          <p:cNvPr id="2" name="标题 1"/>
+          <p:cNvPr id="2" name="Title 1"/>
           <p:cNvSpPr>
             <a:spLocks noGrp="1"/>
           </p:cNvSpPr>
@@ -1627,12 +2052,13 @@
               <a:rPr lang="zh-CN" altLang="en-US"/>
               <a:t>单击此处编辑母版标题样式</a:t>
             </a:r>
-          </a:p>
-        </p:txBody>
-      </p:sp>
-      <p:sp>
-        <p:nvSpPr>
-          <p:cNvPr id="3" name="副标题 2"/>
+            <a:endParaRPr lang="en-US" dirty="0"/>
+          </a:p>
+        </p:txBody>
+      </p:sp>
+      <p:sp>
+        <p:nvSpPr>
+          <p:cNvPr id="3" name="Subtitle 2"/>
           <p:cNvSpPr>
             <a:spLocks noGrp="1"/>
           </p:cNvSpPr>
@@ -1689,14 +2115,15 @@
           <a:p>
             <a:r>
               <a:rPr lang="zh-CN" altLang="en-US"/>
-              <a:t>单击以编辑母版副标题样式</a:t>
-            </a:r>
-          </a:p>
-        </p:txBody>
-      </p:sp>
-      <p:sp>
-        <p:nvSpPr>
-          <p:cNvPr id="4" name="日期占位符 3"/>
+              <a:t>单击此处编辑母版副标题样式</a:t>
+            </a:r>
+            <a:endParaRPr lang="en-US" dirty="0"/>
+          </a:p>
+        </p:txBody>
+      </p:sp>
+      <p:sp>
+        <p:nvSpPr>
+          <p:cNvPr id="4" name="Date Placeholder 3"/>
           <p:cNvSpPr>
             <a:spLocks noGrp="1"/>
           </p:cNvSpPr>
@@ -1711,7 +2138,7 @@
           <a:p>
             <a:fld id="{8AF6F278-ABF0-48CA-ADF0-1D43CCA8A181}" type="datetimeFigureOut">
               <a:rPr lang="zh-CN" altLang="en-US" smtClean="0"/>
-              <a:t>2023/2/6</a:t>
+              <a:t>2023/2/7</a:t>
             </a:fld>
             <a:endParaRPr lang="zh-CN" altLang="en-US"/>
           </a:p>
@@ -1719,7 +2146,7 @@
       </p:sp>
       <p:sp>
         <p:nvSpPr>
-          <p:cNvPr id="5" name="页脚占位符 4"/>
+          <p:cNvPr id="5" name="Footer Placeholder 4"/>
           <p:cNvSpPr>
             <a:spLocks noGrp="1"/>
           </p:cNvSpPr>
@@ -1738,7 +2165,7 @@
       </p:sp>
       <p:sp>
         <p:nvSpPr>
-          <p:cNvPr id="6" name="灯片编号占位符 5"/>
+          <p:cNvPr id="6" name="Slide Number Placeholder 5"/>
           <p:cNvSpPr>
             <a:spLocks noGrp="1"/>
           </p:cNvSpPr>
@@ -1762,21 +2189,13 @@
     </p:spTree>
     <p:extLst>
       <p:ext uri="{BB962C8B-B14F-4D97-AF65-F5344CB8AC3E}">
-        <p14:creationId xmlns:p14="http://schemas.microsoft.com/office/powerpoint/2010/main" val="2155440255"/>
+        <p14:creationId xmlns:p14="http://schemas.microsoft.com/office/powerpoint/2010/main" val="1490574390"/>
       </p:ext>
     </p:extLst>
   </p:cSld>
   <p:clrMapOvr>
     <a:masterClrMapping/>
   </p:clrMapOvr>
-  <mc:AlternateContent xmlns:mc="http://schemas.openxmlformats.org/markup-compatibility/2006" xmlns:p14="http://schemas.microsoft.com/office/powerpoint/2010/main">
-    <mc:Choice Requires="p14">
-      <p:transition p14:dur="0" advTm="3000"/>
-    </mc:Choice>
-    <mc:Fallback xmlns="">
-      <p:transition advTm="3000"/>
-    </mc:Fallback>
-  </mc:AlternateContent>
 </p:sldLayout>
 </file>
 
@@ -1799,7 +2218,7 @@
       </p:grpSpPr>
       <p:sp>
         <p:nvSpPr>
-          <p:cNvPr id="2" name="标题 1"/>
+          <p:cNvPr id="2" name="Title 1"/>
           <p:cNvSpPr>
             <a:spLocks noGrp="1"/>
           </p:cNvSpPr>
@@ -1816,12 +2235,13 @@
               <a:rPr lang="zh-CN" altLang="en-US"/>
               <a:t>单击此处编辑母版标题样式</a:t>
             </a:r>
-          </a:p>
-        </p:txBody>
-      </p:sp>
-      <p:sp>
-        <p:nvSpPr>
-          <p:cNvPr id="3" name="竖排文字占位符 2"/>
+            <a:endParaRPr lang="en-US" dirty="0"/>
+          </a:p>
+        </p:txBody>
+      </p:sp>
+      <p:sp>
+        <p:nvSpPr>
+          <p:cNvPr id="3" name="Vertical Text Placeholder 2"/>
           <p:cNvSpPr>
             <a:spLocks noGrp="1"/>
           </p:cNvSpPr>
@@ -1837,42 +2257,43 @@
             <a:pPr lvl="0"/>
             <a:r>
               <a:rPr lang="zh-CN" altLang="en-US"/>
-              <a:t>编辑母版文本样式</a:t>
+              <a:t>单击此处编辑母版文本样式</a:t>
             </a:r>
           </a:p>
           <a:p>
             <a:pPr lvl="1"/>
             <a:r>
               <a:rPr lang="zh-CN" altLang="en-US"/>
-              <a:t>第二级</a:t>
+              <a:t>二级</a:t>
             </a:r>
           </a:p>
           <a:p>
             <a:pPr lvl="2"/>
             <a:r>
               <a:rPr lang="zh-CN" altLang="en-US"/>
-              <a:t>第三级</a:t>
+              <a:t>三级</a:t>
             </a:r>
           </a:p>
           <a:p>
             <a:pPr lvl="3"/>
             <a:r>
               <a:rPr lang="zh-CN" altLang="en-US"/>
-              <a:t>第四级</a:t>
+              <a:t>四级</a:t>
             </a:r>
           </a:p>
           <a:p>
             <a:pPr lvl="4"/>
             <a:r>
               <a:rPr lang="zh-CN" altLang="en-US"/>
-              <a:t>第五级</a:t>
-            </a:r>
-          </a:p>
-        </p:txBody>
-      </p:sp>
-      <p:sp>
-        <p:nvSpPr>
-          <p:cNvPr id="4" name="日期占位符 3"/>
+              <a:t>五级</a:t>
+            </a:r>
+            <a:endParaRPr lang="en-US" dirty="0"/>
+          </a:p>
+        </p:txBody>
+      </p:sp>
+      <p:sp>
+        <p:nvSpPr>
+          <p:cNvPr id="4" name="Date Placeholder 3"/>
           <p:cNvSpPr>
             <a:spLocks noGrp="1"/>
           </p:cNvSpPr>
@@ -1887,7 +2308,7 @@
           <a:p>
             <a:fld id="{8AF6F278-ABF0-48CA-ADF0-1D43CCA8A181}" type="datetimeFigureOut">
               <a:rPr lang="zh-CN" altLang="en-US" smtClean="0"/>
-              <a:t>2023/2/6</a:t>
+              <a:t>2023/2/7</a:t>
             </a:fld>
             <a:endParaRPr lang="zh-CN" altLang="en-US"/>
           </a:p>
@@ -1895,7 +2316,7 @@
       </p:sp>
       <p:sp>
         <p:nvSpPr>
-          <p:cNvPr id="5" name="页脚占位符 4"/>
+          <p:cNvPr id="5" name="Footer Placeholder 4"/>
           <p:cNvSpPr>
             <a:spLocks noGrp="1"/>
           </p:cNvSpPr>
@@ -1914,7 +2335,7 @@
       </p:sp>
       <p:sp>
         <p:nvSpPr>
-          <p:cNvPr id="6" name="灯片编号占位符 5"/>
+          <p:cNvPr id="6" name="Slide Number Placeholder 5"/>
           <p:cNvSpPr>
             <a:spLocks noGrp="1"/>
           </p:cNvSpPr>
@@ -1938,21 +2359,13 @@
     </p:spTree>
     <p:extLst>
       <p:ext uri="{BB962C8B-B14F-4D97-AF65-F5344CB8AC3E}">
-        <p14:creationId xmlns:p14="http://schemas.microsoft.com/office/powerpoint/2010/main" val="3956612616"/>
+        <p14:creationId xmlns:p14="http://schemas.microsoft.com/office/powerpoint/2010/main" val="307034772"/>
       </p:ext>
     </p:extLst>
   </p:cSld>
   <p:clrMapOvr>
     <a:masterClrMapping/>
   </p:clrMapOvr>
-  <mc:AlternateContent xmlns:mc="http://schemas.openxmlformats.org/markup-compatibility/2006" xmlns:p14="http://schemas.microsoft.com/office/powerpoint/2010/main">
-    <mc:Choice Requires="p14">
-      <p:transition p14:dur="0" advTm="3000"/>
-    </mc:Choice>
-    <mc:Fallback xmlns="">
-      <p:transition advTm="3000"/>
-    </mc:Fallback>
-  </mc:AlternateContent>
 </p:sldLayout>
 </file>
 
@@ -1975,7 +2388,7 @@
       </p:grpSpPr>
       <p:sp>
         <p:nvSpPr>
-          <p:cNvPr id="2" name="竖排标题 1"/>
+          <p:cNvPr id="2" name="Vertical Title 1"/>
           <p:cNvSpPr>
             <a:spLocks noGrp="1"/>
           </p:cNvSpPr>
@@ -1997,12 +2410,13 @@
               <a:rPr lang="zh-CN" altLang="en-US"/>
               <a:t>单击此处编辑母版标题样式</a:t>
             </a:r>
-          </a:p>
-        </p:txBody>
-      </p:sp>
-      <p:sp>
-        <p:nvSpPr>
-          <p:cNvPr id="3" name="竖排文字占位符 2"/>
+            <a:endParaRPr lang="en-US" dirty="0"/>
+          </a:p>
+        </p:txBody>
+      </p:sp>
+      <p:sp>
+        <p:nvSpPr>
+          <p:cNvPr id="3" name="Vertical Text Placeholder 2"/>
           <p:cNvSpPr>
             <a:spLocks noGrp="1"/>
           </p:cNvSpPr>
@@ -2023,42 +2437,43 @@
             <a:pPr lvl="0"/>
             <a:r>
               <a:rPr lang="zh-CN" altLang="en-US"/>
-              <a:t>编辑母版文本样式</a:t>
+              <a:t>单击此处编辑母版文本样式</a:t>
             </a:r>
           </a:p>
           <a:p>
             <a:pPr lvl="1"/>
             <a:r>
               <a:rPr lang="zh-CN" altLang="en-US"/>
-              <a:t>第二级</a:t>
+              <a:t>二级</a:t>
             </a:r>
           </a:p>
           <a:p>
             <a:pPr lvl="2"/>
             <a:r>
               <a:rPr lang="zh-CN" altLang="en-US"/>
-              <a:t>第三级</a:t>
+              <a:t>三级</a:t>
             </a:r>
           </a:p>
           <a:p>
             <a:pPr lvl="3"/>
             <a:r>
               <a:rPr lang="zh-CN" altLang="en-US"/>
-              <a:t>第四级</a:t>
+              <a:t>四级</a:t>
             </a:r>
           </a:p>
           <a:p>
             <a:pPr lvl="4"/>
             <a:r>
               <a:rPr lang="zh-CN" altLang="en-US"/>
-              <a:t>第五级</a:t>
-            </a:r>
-          </a:p>
-        </p:txBody>
-      </p:sp>
-      <p:sp>
-        <p:nvSpPr>
-          <p:cNvPr id="4" name="日期占位符 3"/>
+              <a:t>五级</a:t>
+            </a:r>
+            <a:endParaRPr lang="en-US" dirty="0"/>
+          </a:p>
+        </p:txBody>
+      </p:sp>
+      <p:sp>
+        <p:nvSpPr>
+          <p:cNvPr id="4" name="Date Placeholder 3"/>
           <p:cNvSpPr>
             <a:spLocks noGrp="1"/>
           </p:cNvSpPr>
@@ -2073,7 +2488,7 @@
           <a:p>
             <a:fld id="{8AF6F278-ABF0-48CA-ADF0-1D43CCA8A181}" type="datetimeFigureOut">
               <a:rPr lang="zh-CN" altLang="en-US" smtClean="0"/>
-              <a:t>2023/2/6</a:t>
+              <a:t>2023/2/7</a:t>
             </a:fld>
             <a:endParaRPr lang="zh-CN" altLang="en-US"/>
           </a:p>
@@ -2081,7 +2496,7 @@
       </p:sp>
       <p:sp>
         <p:nvSpPr>
-          <p:cNvPr id="5" name="页脚占位符 4"/>
+          <p:cNvPr id="5" name="Footer Placeholder 4"/>
           <p:cNvSpPr>
             <a:spLocks noGrp="1"/>
           </p:cNvSpPr>
@@ -2100,7 +2515,7 @@
       </p:sp>
       <p:sp>
         <p:nvSpPr>
-          <p:cNvPr id="6" name="灯片编号占位符 5"/>
+          <p:cNvPr id="6" name="Slide Number Placeholder 5"/>
           <p:cNvSpPr>
             <a:spLocks noGrp="1"/>
           </p:cNvSpPr>
@@ -2124,21 +2539,13 @@
     </p:spTree>
     <p:extLst>
       <p:ext uri="{BB962C8B-B14F-4D97-AF65-F5344CB8AC3E}">
-        <p14:creationId xmlns:p14="http://schemas.microsoft.com/office/powerpoint/2010/main" val="1260705704"/>
+        <p14:creationId xmlns:p14="http://schemas.microsoft.com/office/powerpoint/2010/main" val="2126167879"/>
       </p:ext>
     </p:extLst>
   </p:cSld>
   <p:clrMapOvr>
     <a:masterClrMapping/>
   </p:clrMapOvr>
-  <mc:AlternateContent xmlns:mc="http://schemas.openxmlformats.org/markup-compatibility/2006" xmlns:p14="http://schemas.microsoft.com/office/powerpoint/2010/main">
-    <mc:Choice Requires="p14">
-      <p:transition p14:dur="0" advTm="3000"/>
-    </mc:Choice>
-    <mc:Fallback xmlns="">
-      <p:transition advTm="3000"/>
-    </mc:Fallback>
-  </mc:AlternateContent>
 </p:sldLayout>
 </file>
 
@@ -2161,7 +2568,7 @@
       </p:grpSpPr>
       <p:sp>
         <p:nvSpPr>
-          <p:cNvPr id="2" name="标题 1"/>
+          <p:cNvPr id="2" name="Title 1"/>
           <p:cNvSpPr>
             <a:spLocks noGrp="1"/>
           </p:cNvSpPr>
@@ -2178,12 +2585,13 @@
               <a:rPr lang="zh-CN" altLang="en-US"/>
               <a:t>单击此处编辑母版标题样式</a:t>
             </a:r>
-          </a:p>
-        </p:txBody>
-      </p:sp>
-      <p:sp>
-        <p:nvSpPr>
-          <p:cNvPr id="3" name="内容占位符 2"/>
+            <a:endParaRPr lang="en-US" dirty="0"/>
+          </a:p>
+        </p:txBody>
+      </p:sp>
+      <p:sp>
+        <p:nvSpPr>
+          <p:cNvPr id="3" name="Content Placeholder 2"/>
           <p:cNvSpPr>
             <a:spLocks noGrp="1"/>
           </p:cNvSpPr>
@@ -2199,42 +2607,43 @@
             <a:pPr lvl="0"/>
             <a:r>
               <a:rPr lang="zh-CN" altLang="en-US"/>
-              <a:t>编辑母版文本样式</a:t>
+              <a:t>单击此处编辑母版文本样式</a:t>
             </a:r>
           </a:p>
           <a:p>
             <a:pPr lvl="1"/>
             <a:r>
               <a:rPr lang="zh-CN" altLang="en-US"/>
-              <a:t>第二级</a:t>
+              <a:t>二级</a:t>
             </a:r>
           </a:p>
           <a:p>
             <a:pPr lvl="2"/>
             <a:r>
               <a:rPr lang="zh-CN" altLang="en-US"/>
-              <a:t>第三级</a:t>
+              <a:t>三级</a:t>
             </a:r>
           </a:p>
           <a:p>
             <a:pPr lvl="3"/>
             <a:r>
               <a:rPr lang="zh-CN" altLang="en-US"/>
-              <a:t>第四级</a:t>
+              <a:t>四级</a:t>
             </a:r>
           </a:p>
           <a:p>
             <a:pPr lvl="4"/>
             <a:r>
               <a:rPr lang="zh-CN" altLang="en-US"/>
-              <a:t>第五级</a:t>
-            </a:r>
-          </a:p>
-        </p:txBody>
-      </p:sp>
-      <p:sp>
-        <p:nvSpPr>
-          <p:cNvPr id="4" name="日期占位符 3"/>
+              <a:t>五级</a:t>
+            </a:r>
+            <a:endParaRPr lang="en-US" dirty="0"/>
+          </a:p>
+        </p:txBody>
+      </p:sp>
+      <p:sp>
+        <p:nvSpPr>
+          <p:cNvPr id="4" name="Date Placeholder 3"/>
           <p:cNvSpPr>
             <a:spLocks noGrp="1"/>
           </p:cNvSpPr>
@@ -2249,7 +2658,7 @@
           <a:p>
             <a:fld id="{8AF6F278-ABF0-48CA-ADF0-1D43CCA8A181}" type="datetimeFigureOut">
               <a:rPr lang="zh-CN" altLang="en-US" smtClean="0"/>
-              <a:t>2023/2/6</a:t>
+              <a:t>2023/2/7</a:t>
             </a:fld>
             <a:endParaRPr lang="zh-CN" altLang="en-US"/>
           </a:p>
@@ -2257,7 +2666,7 @@
       </p:sp>
       <p:sp>
         <p:nvSpPr>
-          <p:cNvPr id="5" name="页脚占位符 4"/>
+          <p:cNvPr id="5" name="Footer Placeholder 4"/>
           <p:cNvSpPr>
             <a:spLocks noGrp="1"/>
           </p:cNvSpPr>
@@ -2276,7 +2685,7 @@
       </p:sp>
       <p:sp>
         <p:nvSpPr>
-          <p:cNvPr id="6" name="灯片编号占位符 5"/>
+          <p:cNvPr id="6" name="Slide Number Placeholder 5"/>
           <p:cNvSpPr>
             <a:spLocks noGrp="1"/>
           </p:cNvSpPr>
@@ -2300,21 +2709,13 @@
     </p:spTree>
     <p:extLst>
       <p:ext uri="{BB962C8B-B14F-4D97-AF65-F5344CB8AC3E}">
-        <p14:creationId xmlns:p14="http://schemas.microsoft.com/office/powerpoint/2010/main" val="4251981102"/>
+        <p14:creationId xmlns:p14="http://schemas.microsoft.com/office/powerpoint/2010/main" val="387892480"/>
       </p:ext>
     </p:extLst>
   </p:cSld>
   <p:clrMapOvr>
     <a:masterClrMapping/>
   </p:clrMapOvr>
-  <mc:AlternateContent xmlns:mc="http://schemas.openxmlformats.org/markup-compatibility/2006" xmlns:p14="http://schemas.microsoft.com/office/powerpoint/2010/main">
-    <mc:Choice Requires="p14">
-      <p:transition p14:dur="0" advTm="3000"/>
-    </mc:Choice>
-    <mc:Fallback xmlns="">
-      <p:transition advTm="3000"/>
-    </mc:Fallback>
-  </mc:AlternateContent>
 </p:sldLayout>
 </file>
 
@@ -2337,7 +2738,7 @@
       </p:grpSpPr>
       <p:sp>
         <p:nvSpPr>
-          <p:cNvPr id="2" name="标题 1"/>
+          <p:cNvPr id="2" name="Title 1"/>
           <p:cNvSpPr>
             <a:spLocks noGrp="1"/>
           </p:cNvSpPr>
@@ -2363,12 +2764,13 @@
               <a:rPr lang="zh-CN" altLang="en-US"/>
               <a:t>单击此处编辑母版标题样式</a:t>
             </a:r>
-          </a:p>
-        </p:txBody>
-      </p:sp>
-      <p:sp>
-        <p:nvSpPr>
-          <p:cNvPr id="3" name="文本占位符 2"/>
+            <a:endParaRPr lang="en-US" dirty="0"/>
+          </a:p>
+        </p:txBody>
+      </p:sp>
+      <p:sp>
+        <p:nvSpPr>
+          <p:cNvPr id="3" name="Text Placeholder 2"/>
           <p:cNvSpPr>
             <a:spLocks noGrp="1"/>
           </p:cNvSpPr>
@@ -2480,14 +2882,14 @@
             <a:pPr lvl="0"/>
             <a:r>
               <a:rPr lang="zh-CN" altLang="en-US"/>
-              <a:t>编辑母版文本样式</a:t>
-            </a:r>
-          </a:p>
-        </p:txBody>
-      </p:sp>
-      <p:sp>
-        <p:nvSpPr>
-          <p:cNvPr id="4" name="日期占位符 3"/>
+              <a:t>单击此处编辑母版文本样式</a:t>
+            </a:r>
+          </a:p>
+        </p:txBody>
+      </p:sp>
+      <p:sp>
+        <p:nvSpPr>
+          <p:cNvPr id="4" name="Date Placeholder 3"/>
           <p:cNvSpPr>
             <a:spLocks noGrp="1"/>
           </p:cNvSpPr>
@@ -2502,7 +2904,7 @@
           <a:p>
             <a:fld id="{8AF6F278-ABF0-48CA-ADF0-1D43CCA8A181}" type="datetimeFigureOut">
               <a:rPr lang="zh-CN" altLang="en-US" smtClean="0"/>
-              <a:t>2023/2/6</a:t>
+              <a:t>2023/2/7</a:t>
             </a:fld>
             <a:endParaRPr lang="zh-CN" altLang="en-US"/>
           </a:p>
@@ -2510,7 +2912,7 @@
       </p:sp>
       <p:sp>
         <p:nvSpPr>
-          <p:cNvPr id="5" name="页脚占位符 4"/>
+          <p:cNvPr id="5" name="Footer Placeholder 4"/>
           <p:cNvSpPr>
             <a:spLocks noGrp="1"/>
           </p:cNvSpPr>
@@ -2529,7 +2931,7 @@
       </p:sp>
       <p:sp>
         <p:nvSpPr>
-          <p:cNvPr id="6" name="灯片编号占位符 5"/>
+          <p:cNvPr id="6" name="Slide Number Placeholder 5"/>
           <p:cNvSpPr>
             <a:spLocks noGrp="1"/>
           </p:cNvSpPr>
@@ -2553,21 +2955,13 @@
     </p:spTree>
     <p:extLst>
       <p:ext uri="{BB962C8B-B14F-4D97-AF65-F5344CB8AC3E}">
-        <p14:creationId xmlns:p14="http://schemas.microsoft.com/office/powerpoint/2010/main" val="2496556029"/>
+        <p14:creationId xmlns:p14="http://schemas.microsoft.com/office/powerpoint/2010/main" val="4272422439"/>
       </p:ext>
     </p:extLst>
   </p:cSld>
   <p:clrMapOvr>
     <a:masterClrMapping/>
   </p:clrMapOvr>
-  <mc:AlternateContent xmlns:mc="http://schemas.openxmlformats.org/markup-compatibility/2006" xmlns:p14="http://schemas.microsoft.com/office/powerpoint/2010/main">
-    <mc:Choice Requires="p14">
-      <p:transition p14:dur="0" advTm="3000"/>
-    </mc:Choice>
-    <mc:Fallback xmlns="">
-      <p:transition advTm="3000"/>
-    </mc:Fallback>
-  </mc:AlternateContent>
 </p:sldLayout>
 </file>
 
@@ -2590,7 +2984,7 @@
       </p:grpSpPr>
       <p:sp>
         <p:nvSpPr>
-          <p:cNvPr id="2" name="标题 1"/>
+          <p:cNvPr id="2" name="Title 1"/>
           <p:cNvSpPr>
             <a:spLocks noGrp="1"/>
           </p:cNvSpPr>
@@ -2607,12 +3001,13 @@
               <a:rPr lang="zh-CN" altLang="en-US"/>
               <a:t>单击此处编辑母版标题样式</a:t>
             </a:r>
-          </a:p>
-        </p:txBody>
-      </p:sp>
-      <p:sp>
-        <p:nvSpPr>
-          <p:cNvPr id="3" name="内容占位符 2"/>
+            <a:endParaRPr lang="en-US" dirty="0"/>
+          </a:p>
+        </p:txBody>
+      </p:sp>
+      <p:sp>
+        <p:nvSpPr>
+          <p:cNvPr id="3" name="Content Placeholder 2"/>
           <p:cNvSpPr>
             <a:spLocks noGrp="1"/>
           </p:cNvSpPr>
@@ -2633,42 +3028,43 @@
             <a:pPr lvl="0"/>
             <a:r>
               <a:rPr lang="zh-CN" altLang="en-US"/>
-              <a:t>编辑母版文本样式</a:t>
+              <a:t>单击此处编辑母版文本样式</a:t>
             </a:r>
           </a:p>
           <a:p>
             <a:pPr lvl="1"/>
             <a:r>
               <a:rPr lang="zh-CN" altLang="en-US"/>
-              <a:t>第二级</a:t>
+              <a:t>二级</a:t>
             </a:r>
           </a:p>
           <a:p>
             <a:pPr lvl="2"/>
             <a:r>
               <a:rPr lang="zh-CN" altLang="en-US"/>
-              <a:t>第三级</a:t>
+              <a:t>三级</a:t>
             </a:r>
           </a:p>
           <a:p>
             <a:pPr lvl="3"/>
             <a:r>
               <a:rPr lang="zh-CN" altLang="en-US"/>
-              <a:t>第四级</a:t>
+              <a:t>四级</a:t>
             </a:r>
           </a:p>
           <a:p>
             <a:pPr lvl="4"/>
             <a:r>
               <a:rPr lang="zh-CN" altLang="en-US"/>
-              <a:t>第五级</a:t>
-            </a:r>
-          </a:p>
-        </p:txBody>
-      </p:sp>
-      <p:sp>
-        <p:nvSpPr>
-          <p:cNvPr id="4" name="内容占位符 3"/>
+              <a:t>五级</a:t>
+            </a:r>
+            <a:endParaRPr lang="en-US" dirty="0"/>
+          </a:p>
+        </p:txBody>
+      </p:sp>
+      <p:sp>
+        <p:nvSpPr>
+          <p:cNvPr id="4" name="Content Placeholder 3"/>
           <p:cNvSpPr>
             <a:spLocks noGrp="1"/>
           </p:cNvSpPr>
@@ -2689,42 +3085,43 @@
             <a:pPr lvl="0"/>
             <a:r>
               <a:rPr lang="zh-CN" altLang="en-US"/>
-              <a:t>编辑母版文本样式</a:t>
+              <a:t>单击此处编辑母版文本样式</a:t>
             </a:r>
           </a:p>
           <a:p>
             <a:pPr lvl="1"/>
             <a:r>
               <a:rPr lang="zh-CN" altLang="en-US"/>
-              <a:t>第二级</a:t>
+              <a:t>二级</a:t>
             </a:r>
           </a:p>
           <a:p>
             <a:pPr lvl="2"/>
             <a:r>
               <a:rPr lang="zh-CN" altLang="en-US"/>
-              <a:t>第三级</a:t>
+              <a:t>三级</a:t>
             </a:r>
           </a:p>
           <a:p>
             <a:pPr lvl="3"/>
             <a:r>
               <a:rPr lang="zh-CN" altLang="en-US"/>
-              <a:t>第四级</a:t>
+              <a:t>四级</a:t>
             </a:r>
           </a:p>
           <a:p>
             <a:pPr lvl="4"/>
             <a:r>
               <a:rPr lang="zh-CN" altLang="en-US"/>
-              <a:t>第五级</a:t>
-            </a:r>
-          </a:p>
-        </p:txBody>
-      </p:sp>
-      <p:sp>
-        <p:nvSpPr>
-          <p:cNvPr id="5" name="日期占位符 4"/>
+              <a:t>五级</a:t>
+            </a:r>
+            <a:endParaRPr lang="en-US" dirty="0"/>
+          </a:p>
+        </p:txBody>
+      </p:sp>
+      <p:sp>
+        <p:nvSpPr>
+          <p:cNvPr id="5" name="Date Placeholder 4"/>
           <p:cNvSpPr>
             <a:spLocks noGrp="1"/>
           </p:cNvSpPr>
@@ -2739,7 +3136,7 @@
           <a:p>
             <a:fld id="{8AF6F278-ABF0-48CA-ADF0-1D43CCA8A181}" type="datetimeFigureOut">
               <a:rPr lang="zh-CN" altLang="en-US" smtClean="0"/>
-              <a:t>2023/2/6</a:t>
+              <a:t>2023/2/7</a:t>
             </a:fld>
             <a:endParaRPr lang="zh-CN" altLang="en-US"/>
           </a:p>
@@ -2747,7 +3144,7 @@
       </p:sp>
       <p:sp>
         <p:nvSpPr>
-          <p:cNvPr id="6" name="页脚占位符 5"/>
+          <p:cNvPr id="6" name="Footer Placeholder 5"/>
           <p:cNvSpPr>
             <a:spLocks noGrp="1"/>
           </p:cNvSpPr>
@@ -2766,7 +3163,7 @@
       </p:sp>
       <p:sp>
         <p:nvSpPr>
-          <p:cNvPr id="7" name="灯片编号占位符 6"/>
+          <p:cNvPr id="7" name="Slide Number Placeholder 6"/>
           <p:cNvSpPr>
             <a:spLocks noGrp="1"/>
           </p:cNvSpPr>
@@ -2790,21 +3187,13 @@
     </p:spTree>
     <p:extLst>
       <p:ext uri="{BB962C8B-B14F-4D97-AF65-F5344CB8AC3E}">
-        <p14:creationId xmlns:p14="http://schemas.microsoft.com/office/powerpoint/2010/main" val="300992857"/>
+        <p14:creationId xmlns:p14="http://schemas.microsoft.com/office/powerpoint/2010/main" val="3294321644"/>
       </p:ext>
     </p:extLst>
   </p:cSld>
   <p:clrMapOvr>
     <a:masterClrMapping/>
   </p:clrMapOvr>
-  <mc:AlternateContent xmlns:mc="http://schemas.openxmlformats.org/markup-compatibility/2006" xmlns:p14="http://schemas.microsoft.com/office/powerpoint/2010/main">
-    <mc:Choice Requires="p14">
-      <p:transition p14:dur="0" advTm="3000"/>
-    </mc:Choice>
-    <mc:Fallback xmlns="">
-      <p:transition advTm="3000"/>
-    </mc:Fallback>
-  </mc:AlternateContent>
 </p:sldLayout>
 </file>
 
@@ -2827,7 +3216,7 @@
       </p:grpSpPr>
       <p:sp>
         <p:nvSpPr>
-          <p:cNvPr id="2" name="标题 1"/>
+          <p:cNvPr id="2" name="Title 1"/>
           <p:cNvSpPr>
             <a:spLocks noGrp="1"/>
           </p:cNvSpPr>
@@ -2849,12 +3238,13 @@
               <a:rPr lang="zh-CN" altLang="en-US"/>
               <a:t>单击此处编辑母版标题样式</a:t>
             </a:r>
-          </a:p>
-        </p:txBody>
-      </p:sp>
-      <p:sp>
-        <p:nvSpPr>
-          <p:cNvPr id="3" name="文本占位符 2"/>
+            <a:endParaRPr lang="en-US" dirty="0"/>
+          </a:p>
+        </p:txBody>
+      </p:sp>
+      <p:sp>
+        <p:nvSpPr>
+          <p:cNvPr id="3" name="Text Placeholder 2"/>
           <p:cNvSpPr>
             <a:spLocks noGrp="1"/>
           </p:cNvSpPr>
@@ -2912,14 +3302,14 @@
             <a:pPr lvl="0"/>
             <a:r>
               <a:rPr lang="zh-CN" altLang="en-US"/>
-              <a:t>编辑母版文本样式</a:t>
-            </a:r>
-          </a:p>
-        </p:txBody>
-      </p:sp>
-      <p:sp>
-        <p:nvSpPr>
-          <p:cNvPr id="4" name="内容占位符 3"/>
+              <a:t>单击此处编辑母版文本样式</a:t>
+            </a:r>
+          </a:p>
+        </p:txBody>
+      </p:sp>
+      <p:sp>
+        <p:nvSpPr>
+          <p:cNvPr id="4" name="Content Placeholder 3"/>
           <p:cNvSpPr>
             <a:spLocks noGrp="1"/>
           </p:cNvSpPr>
@@ -2940,42 +3330,43 @@
             <a:pPr lvl="0"/>
             <a:r>
               <a:rPr lang="zh-CN" altLang="en-US"/>
-              <a:t>编辑母版文本样式</a:t>
+              <a:t>单击此处编辑母版文本样式</a:t>
             </a:r>
           </a:p>
           <a:p>
             <a:pPr lvl="1"/>
             <a:r>
               <a:rPr lang="zh-CN" altLang="en-US"/>
-              <a:t>第二级</a:t>
+              <a:t>二级</a:t>
             </a:r>
           </a:p>
           <a:p>
             <a:pPr lvl="2"/>
             <a:r>
               <a:rPr lang="zh-CN" altLang="en-US"/>
-              <a:t>第三级</a:t>
+              <a:t>三级</a:t>
             </a:r>
           </a:p>
           <a:p>
             <a:pPr lvl="3"/>
             <a:r>
               <a:rPr lang="zh-CN" altLang="en-US"/>
-              <a:t>第四级</a:t>
+              <a:t>四级</a:t>
             </a:r>
           </a:p>
           <a:p>
             <a:pPr lvl="4"/>
             <a:r>
               <a:rPr lang="zh-CN" altLang="en-US"/>
-              <a:t>第五级</a:t>
-            </a:r>
-          </a:p>
-        </p:txBody>
-      </p:sp>
-      <p:sp>
-        <p:nvSpPr>
-          <p:cNvPr id="5" name="文本占位符 4"/>
+              <a:t>五级</a:t>
+            </a:r>
+            <a:endParaRPr lang="en-US" dirty="0"/>
+          </a:p>
+        </p:txBody>
+      </p:sp>
+      <p:sp>
+        <p:nvSpPr>
+          <p:cNvPr id="5" name="Text Placeholder 4"/>
           <p:cNvSpPr>
             <a:spLocks noGrp="1"/>
           </p:cNvSpPr>
@@ -3033,14 +3424,14 @@
             <a:pPr lvl="0"/>
             <a:r>
               <a:rPr lang="zh-CN" altLang="en-US"/>
-              <a:t>编辑母版文本样式</a:t>
-            </a:r>
-          </a:p>
-        </p:txBody>
-      </p:sp>
-      <p:sp>
-        <p:nvSpPr>
-          <p:cNvPr id="6" name="内容占位符 5"/>
+              <a:t>单击此处编辑母版文本样式</a:t>
+            </a:r>
+          </a:p>
+        </p:txBody>
+      </p:sp>
+      <p:sp>
+        <p:nvSpPr>
+          <p:cNvPr id="6" name="Content Placeholder 5"/>
           <p:cNvSpPr>
             <a:spLocks noGrp="1"/>
           </p:cNvSpPr>
@@ -3061,42 +3452,43 @@
             <a:pPr lvl="0"/>
             <a:r>
               <a:rPr lang="zh-CN" altLang="en-US"/>
-              <a:t>编辑母版文本样式</a:t>
+              <a:t>单击此处编辑母版文本样式</a:t>
             </a:r>
           </a:p>
           <a:p>
             <a:pPr lvl="1"/>
             <a:r>
               <a:rPr lang="zh-CN" altLang="en-US"/>
-              <a:t>第二级</a:t>
+              <a:t>二级</a:t>
             </a:r>
           </a:p>
           <a:p>
             <a:pPr lvl="2"/>
             <a:r>
               <a:rPr lang="zh-CN" altLang="en-US"/>
-              <a:t>第三级</a:t>
+              <a:t>三级</a:t>
             </a:r>
           </a:p>
           <a:p>
             <a:pPr lvl="3"/>
             <a:r>
               <a:rPr lang="zh-CN" altLang="en-US"/>
-              <a:t>第四级</a:t>
+              <a:t>四级</a:t>
             </a:r>
           </a:p>
           <a:p>
             <a:pPr lvl="4"/>
             <a:r>
               <a:rPr lang="zh-CN" altLang="en-US"/>
-              <a:t>第五级</a:t>
-            </a:r>
-          </a:p>
-        </p:txBody>
-      </p:sp>
-      <p:sp>
-        <p:nvSpPr>
-          <p:cNvPr id="7" name="日期占位符 6"/>
+              <a:t>五级</a:t>
+            </a:r>
+            <a:endParaRPr lang="en-US" dirty="0"/>
+          </a:p>
+        </p:txBody>
+      </p:sp>
+      <p:sp>
+        <p:nvSpPr>
+          <p:cNvPr id="7" name="Date Placeholder 6"/>
           <p:cNvSpPr>
             <a:spLocks noGrp="1"/>
           </p:cNvSpPr>
@@ -3111,7 +3503,7 @@
           <a:p>
             <a:fld id="{8AF6F278-ABF0-48CA-ADF0-1D43CCA8A181}" type="datetimeFigureOut">
               <a:rPr lang="zh-CN" altLang="en-US" smtClean="0"/>
-              <a:t>2023/2/6</a:t>
+              <a:t>2023/2/7</a:t>
             </a:fld>
             <a:endParaRPr lang="zh-CN" altLang="en-US"/>
           </a:p>
@@ -3119,7 +3511,7 @@
       </p:sp>
       <p:sp>
         <p:nvSpPr>
-          <p:cNvPr id="8" name="页脚占位符 7"/>
+          <p:cNvPr id="8" name="Footer Placeholder 7"/>
           <p:cNvSpPr>
             <a:spLocks noGrp="1"/>
           </p:cNvSpPr>
@@ -3138,7 +3530,7 @@
       </p:sp>
       <p:sp>
         <p:nvSpPr>
-          <p:cNvPr id="9" name="灯片编号占位符 8"/>
+          <p:cNvPr id="9" name="Slide Number Placeholder 8"/>
           <p:cNvSpPr>
             <a:spLocks noGrp="1"/>
           </p:cNvSpPr>
@@ -3162,21 +3554,13 @@
     </p:spTree>
     <p:extLst>
       <p:ext uri="{BB962C8B-B14F-4D97-AF65-F5344CB8AC3E}">
-        <p14:creationId xmlns:p14="http://schemas.microsoft.com/office/powerpoint/2010/main" val="3696548795"/>
+        <p14:creationId xmlns:p14="http://schemas.microsoft.com/office/powerpoint/2010/main" val="939440934"/>
       </p:ext>
     </p:extLst>
   </p:cSld>
   <p:clrMapOvr>
     <a:masterClrMapping/>
   </p:clrMapOvr>
-  <mc:AlternateContent xmlns:mc="http://schemas.openxmlformats.org/markup-compatibility/2006" xmlns:p14="http://schemas.microsoft.com/office/powerpoint/2010/main">
-    <mc:Choice Requires="p14">
-      <p:transition p14:dur="0" advTm="3000"/>
-    </mc:Choice>
-    <mc:Fallback xmlns="">
-      <p:transition advTm="3000"/>
-    </mc:Fallback>
-  </mc:AlternateContent>
 </p:sldLayout>
 </file>
 
@@ -3199,7 +3583,7 @@
       </p:grpSpPr>
       <p:sp>
         <p:nvSpPr>
-          <p:cNvPr id="2" name="标题 1"/>
+          <p:cNvPr id="2" name="Title 1"/>
           <p:cNvSpPr>
             <a:spLocks noGrp="1"/>
           </p:cNvSpPr>
@@ -3216,12 +3600,13 @@
               <a:rPr lang="zh-CN" altLang="en-US"/>
               <a:t>单击此处编辑母版标题样式</a:t>
             </a:r>
-          </a:p>
-        </p:txBody>
-      </p:sp>
-      <p:sp>
-        <p:nvSpPr>
-          <p:cNvPr id="3" name="日期占位符 2"/>
+            <a:endParaRPr lang="en-US" dirty="0"/>
+          </a:p>
+        </p:txBody>
+      </p:sp>
+      <p:sp>
+        <p:nvSpPr>
+          <p:cNvPr id="3" name="Date Placeholder 2"/>
           <p:cNvSpPr>
             <a:spLocks noGrp="1"/>
           </p:cNvSpPr>
@@ -3236,7 +3621,7 @@
           <a:p>
             <a:fld id="{8AF6F278-ABF0-48CA-ADF0-1D43CCA8A181}" type="datetimeFigureOut">
               <a:rPr lang="zh-CN" altLang="en-US" smtClean="0"/>
-              <a:t>2023/2/6</a:t>
+              <a:t>2023/2/7</a:t>
             </a:fld>
             <a:endParaRPr lang="zh-CN" altLang="en-US"/>
           </a:p>
@@ -3244,7 +3629,7 @@
       </p:sp>
       <p:sp>
         <p:nvSpPr>
-          <p:cNvPr id="4" name="页脚占位符 3"/>
+          <p:cNvPr id="4" name="Footer Placeholder 3"/>
           <p:cNvSpPr>
             <a:spLocks noGrp="1"/>
           </p:cNvSpPr>
@@ -3263,7 +3648,7 @@
       </p:sp>
       <p:sp>
         <p:nvSpPr>
-          <p:cNvPr id="5" name="灯片编号占位符 4"/>
+          <p:cNvPr id="5" name="Slide Number Placeholder 4"/>
           <p:cNvSpPr>
             <a:spLocks noGrp="1"/>
           </p:cNvSpPr>
@@ -3287,21 +3672,13 @@
     </p:spTree>
     <p:extLst>
       <p:ext uri="{BB962C8B-B14F-4D97-AF65-F5344CB8AC3E}">
-        <p14:creationId xmlns:p14="http://schemas.microsoft.com/office/powerpoint/2010/main" val="3987785369"/>
+        <p14:creationId xmlns:p14="http://schemas.microsoft.com/office/powerpoint/2010/main" val="3912376664"/>
       </p:ext>
     </p:extLst>
   </p:cSld>
   <p:clrMapOvr>
     <a:masterClrMapping/>
   </p:clrMapOvr>
-  <mc:AlternateContent xmlns:mc="http://schemas.openxmlformats.org/markup-compatibility/2006" xmlns:p14="http://schemas.microsoft.com/office/powerpoint/2010/main">
-    <mc:Choice Requires="p14">
-      <p:transition p14:dur="0" advTm="3000"/>
-    </mc:Choice>
-    <mc:Fallback xmlns="">
-      <p:transition advTm="3000"/>
-    </mc:Fallback>
-  </mc:AlternateContent>
 </p:sldLayout>
 </file>
 
@@ -3324,7 +3701,7 @@
       </p:grpSpPr>
       <p:sp>
         <p:nvSpPr>
-          <p:cNvPr id="2" name="日期占位符 1"/>
+          <p:cNvPr id="2" name="Date Placeholder 1"/>
           <p:cNvSpPr>
             <a:spLocks noGrp="1"/>
           </p:cNvSpPr>
@@ -3339,7 +3716,7 @@
           <a:p>
             <a:fld id="{8AF6F278-ABF0-48CA-ADF0-1D43CCA8A181}" type="datetimeFigureOut">
               <a:rPr lang="zh-CN" altLang="en-US" smtClean="0"/>
-              <a:t>2023/2/6</a:t>
+              <a:t>2023/2/7</a:t>
             </a:fld>
             <a:endParaRPr lang="zh-CN" altLang="en-US"/>
           </a:p>
@@ -3347,7 +3724,7 @@
       </p:sp>
       <p:sp>
         <p:nvSpPr>
-          <p:cNvPr id="3" name="页脚占位符 2"/>
+          <p:cNvPr id="3" name="Footer Placeholder 2"/>
           <p:cNvSpPr>
             <a:spLocks noGrp="1"/>
           </p:cNvSpPr>
@@ -3366,7 +3743,7 @@
       </p:sp>
       <p:sp>
         <p:nvSpPr>
-          <p:cNvPr id="4" name="灯片编号占位符 3"/>
+          <p:cNvPr id="4" name="Slide Number Placeholder 3"/>
           <p:cNvSpPr>
             <a:spLocks noGrp="1"/>
           </p:cNvSpPr>
@@ -3390,21 +3767,13 @@
     </p:spTree>
     <p:extLst>
       <p:ext uri="{BB962C8B-B14F-4D97-AF65-F5344CB8AC3E}">
-        <p14:creationId xmlns:p14="http://schemas.microsoft.com/office/powerpoint/2010/main" val="1380765298"/>
+        <p14:creationId xmlns:p14="http://schemas.microsoft.com/office/powerpoint/2010/main" val="3231219741"/>
       </p:ext>
     </p:extLst>
   </p:cSld>
   <p:clrMapOvr>
     <a:masterClrMapping/>
   </p:clrMapOvr>
-  <mc:AlternateContent xmlns:mc="http://schemas.openxmlformats.org/markup-compatibility/2006" xmlns:p14="http://schemas.microsoft.com/office/powerpoint/2010/main">
-    <mc:Choice Requires="p14">
-      <p:transition p14:dur="0" advTm="3000"/>
-    </mc:Choice>
-    <mc:Fallback xmlns="">
-      <p:transition advTm="3000"/>
-    </mc:Fallback>
-  </mc:AlternateContent>
 </p:sldLayout>
 </file>
 
@@ -3427,7 +3796,7 @@
       </p:grpSpPr>
       <p:sp>
         <p:nvSpPr>
-          <p:cNvPr id="2" name="标题 1"/>
+          <p:cNvPr id="2" name="Title 1"/>
           <p:cNvSpPr>
             <a:spLocks noGrp="1"/>
           </p:cNvSpPr>
@@ -3453,12 +3822,13 @@
               <a:rPr lang="zh-CN" altLang="en-US"/>
               <a:t>单击此处编辑母版标题样式</a:t>
             </a:r>
-          </a:p>
-        </p:txBody>
-      </p:sp>
-      <p:sp>
-        <p:nvSpPr>
-          <p:cNvPr id="3" name="内容占位符 2"/>
+            <a:endParaRPr lang="en-US" dirty="0"/>
+          </a:p>
+        </p:txBody>
+      </p:sp>
+      <p:sp>
+        <p:nvSpPr>
+          <p:cNvPr id="3" name="Content Placeholder 2"/>
           <p:cNvSpPr>
             <a:spLocks noGrp="1"/>
           </p:cNvSpPr>
@@ -3507,42 +3877,43 @@
             <a:pPr lvl="0"/>
             <a:r>
               <a:rPr lang="zh-CN" altLang="en-US"/>
-              <a:t>编辑母版文本样式</a:t>
+              <a:t>单击此处编辑母版文本样式</a:t>
             </a:r>
           </a:p>
           <a:p>
             <a:pPr lvl="1"/>
             <a:r>
               <a:rPr lang="zh-CN" altLang="en-US"/>
-              <a:t>第二级</a:t>
+              <a:t>二级</a:t>
             </a:r>
           </a:p>
           <a:p>
             <a:pPr lvl="2"/>
             <a:r>
               <a:rPr lang="zh-CN" altLang="en-US"/>
-              <a:t>第三级</a:t>
+              <a:t>三级</a:t>
             </a:r>
           </a:p>
           <a:p>
             <a:pPr lvl="3"/>
             <a:r>
               <a:rPr lang="zh-CN" altLang="en-US"/>
-              <a:t>第四级</a:t>
+              <a:t>四级</a:t>
             </a:r>
           </a:p>
           <a:p>
             <a:pPr lvl="4"/>
             <a:r>
               <a:rPr lang="zh-CN" altLang="en-US"/>
-              <a:t>第五级</a:t>
-            </a:r>
-          </a:p>
-        </p:txBody>
-      </p:sp>
-      <p:sp>
-        <p:nvSpPr>
-          <p:cNvPr id="4" name="文本占位符 3"/>
+              <a:t>五级</a:t>
+            </a:r>
+            <a:endParaRPr lang="en-US" dirty="0"/>
+          </a:p>
+        </p:txBody>
+      </p:sp>
+      <p:sp>
+        <p:nvSpPr>
+          <p:cNvPr id="4" name="Text Placeholder 3"/>
           <p:cNvSpPr>
             <a:spLocks noGrp="1"/>
           </p:cNvSpPr>
@@ -3600,14 +3971,14 @@
             <a:pPr lvl="0"/>
             <a:r>
               <a:rPr lang="zh-CN" altLang="en-US"/>
-              <a:t>编辑母版文本样式</a:t>
-            </a:r>
-          </a:p>
-        </p:txBody>
-      </p:sp>
-      <p:sp>
-        <p:nvSpPr>
-          <p:cNvPr id="5" name="日期占位符 4"/>
+              <a:t>单击此处编辑母版文本样式</a:t>
+            </a:r>
+          </a:p>
+        </p:txBody>
+      </p:sp>
+      <p:sp>
+        <p:nvSpPr>
+          <p:cNvPr id="5" name="Date Placeholder 4"/>
           <p:cNvSpPr>
             <a:spLocks noGrp="1"/>
           </p:cNvSpPr>
@@ -3622,7 +3993,7 @@
           <a:p>
             <a:fld id="{8AF6F278-ABF0-48CA-ADF0-1D43CCA8A181}" type="datetimeFigureOut">
               <a:rPr lang="zh-CN" altLang="en-US" smtClean="0"/>
-              <a:t>2023/2/6</a:t>
+              <a:t>2023/2/7</a:t>
             </a:fld>
             <a:endParaRPr lang="zh-CN" altLang="en-US"/>
           </a:p>
@@ -3630,7 +4001,7 @@
       </p:sp>
       <p:sp>
         <p:nvSpPr>
-          <p:cNvPr id="6" name="页脚占位符 5"/>
+          <p:cNvPr id="6" name="Footer Placeholder 5"/>
           <p:cNvSpPr>
             <a:spLocks noGrp="1"/>
           </p:cNvSpPr>
@@ -3649,7 +4020,7 @@
       </p:sp>
       <p:sp>
         <p:nvSpPr>
-          <p:cNvPr id="7" name="灯片编号占位符 6"/>
+          <p:cNvPr id="7" name="Slide Number Placeholder 6"/>
           <p:cNvSpPr>
             <a:spLocks noGrp="1"/>
           </p:cNvSpPr>
@@ -3673,21 +4044,13 @@
     </p:spTree>
     <p:extLst>
       <p:ext uri="{BB962C8B-B14F-4D97-AF65-F5344CB8AC3E}">
-        <p14:creationId xmlns:p14="http://schemas.microsoft.com/office/powerpoint/2010/main" val="1008421190"/>
+        <p14:creationId xmlns:p14="http://schemas.microsoft.com/office/powerpoint/2010/main" val="998386802"/>
       </p:ext>
     </p:extLst>
   </p:cSld>
   <p:clrMapOvr>
     <a:masterClrMapping/>
   </p:clrMapOvr>
-  <mc:AlternateContent xmlns:mc="http://schemas.openxmlformats.org/markup-compatibility/2006" xmlns:p14="http://schemas.microsoft.com/office/powerpoint/2010/main">
-    <mc:Choice Requires="p14">
-      <p:transition p14:dur="0" advTm="3000"/>
-    </mc:Choice>
-    <mc:Fallback xmlns="">
-      <p:transition advTm="3000"/>
-    </mc:Fallback>
-  </mc:AlternateContent>
 </p:sldLayout>
 </file>
 
@@ -3710,7 +4073,7 @@
       </p:grpSpPr>
       <p:sp>
         <p:nvSpPr>
-          <p:cNvPr id="2" name="标题 1"/>
+          <p:cNvPr id="2" name="Title 1"/>
           <p:cNvSpPr>
             <a:spLocks noGrp="1"/>
           </p:cNvSpPr>
@@ -3736,14 +4099,15 @@
               <a:rPr lang="zh-CN" altLang="en-US"/>
               <a:t>单击此处编辑母版标题样式</a:t>
             </a:r>
-          </a:p>
-        </p:txBody>
-      </p:sp>
-      <p:sp>
-        <p:nvSpPr>
-          <p:cNvPr id="3" name="图片占位符 2"/>
-          <p:cNvSpPr>
-            <a:spLocks noGrp="1"/>
+            <a:endParaRPr lang="en-US" dirty="0"/>
+          </a:p>
+        </p:txBody>
+      </p:sp>
+      <p:sp>
+        <p:nvSpPr>
+          <p:cNvPr id="3" name="Picture Placeholder 2"/>
+          <p:cNvSpPr>
+            <a:spLocks noGrp="1" noChangeAspect="1"/>
           </p:cNvSpPr>
           <p:nvPr>
             <p:ph type="pic" idx="1"/>
@@ -3756,7 +4120,7 @@
           </a:xfrm>
         </p:spPr>
         <p:txBody>
-          <a:bodyPr/>
+          <a:bodyPr anchor="t"/>
           <a:lstStyle>
             <a:lvl1pPr marL="0" indent="0">
               <a:buNone/>
@@ -3796,13 +4160,17 @@
             </a:lvl9pPr>
           </a:lstStyle>
           <a:p>
-            <a:endParaRPr lang="zh-CN" altLang="en-US"/>
-          </a:p>
-        </p:txBody>
-      </p:sp>
-      <p:sp>
-        <p:nvSpPr>
-          <p:cNvPr id="4" name="文本占位符 3"/>
+            <a:r>
+              <a:rPr lang="zh-CN" altLang="en-US"/>
+              <a:t>单击图标添加图片</a:t>
+            </a:r>
+            <a:endParaRPr lang="en-US" dirty="0"/>
+          </a:p>
+        </p:txBody>
+      </p:sp>
+      <p:sp>
+        <p:nvSpPr>
+          <p:cNvPr id="4" name="Text Placeholder 3"/>
           <p:cNvSpPr>
             <a:spLocks noGrp="1"/>
           </p:cNvSpPr>
@@ -3860,14 +4228,14 @@
             <a:pPr lvl="0"/>
             <a:r>
               <a:rPr lang="zh-CN" altLang="en-US"/>
-              <a:t>编辑母版文本样式</a:t>
-            </a:r>
-          </a:p>
-        </p:txBody>
-      </p:sp>
-      <p:sp>
-        <p:nvSpPr>
-          <p:cNvPr id="5" name="日期占位符 4"/>
+              <a:t>单击此处编辑母版文本样式</a:t>
+            </a:r>
+          </a:p>
+        </p:txBody>
+      </p:sp>
+      <p:sp>
+        <p:nvSpPr>
+          <p:cNvPr id="5" name="Date Placeholder 4"/>
           <p:cNvSpPr>
             <a:spLocks noGrp="1"/>
           </p:cNvSpPr>
@@ -3882,7 +4250,7 @@
           <a:p>
             <a:fld id="{8AF6F278-ABF0-48CA-ADF0-1D43CCA8A181}" type="datetimeFigureOut">
               <a:rPr lang="zh-CN" altLang="en-US" smtClean="0"/>
-              <a:t>2023/2/6</a:t>
+              <a:t>2023/2/7</a:t>
             </a:fld>
             <a:endParaRPr lang="zh-CN" altLang="en-US"/>
           </a:p>
@@ -3890,7 +4258,7 @@
       </p:sp>
       <p:sp>
         <p:nvSpPr>
-          <p:cNvPr id="6" name="页脚占位符 5"/>
+          <p:cNvPr id="6" name="Footer Placeholder 5"/>
           <p:cNvSpPr>
             <a:spLocks noGrp="1"/>
           </p:cNvSpPr>
@@ -3909,7 +4277,7 @@
       </p:sp>
       <p:sp>
         <p:nvSpPr>
-          <p:cNvPr id="7" name="灯片编号占位符 6"/>
+          <p:cNvPr id="7" name="Slide Number Placeholder 6"/>
           <p:cNvSpPr>
             <a:spLocks noGrp="1"/>
           </p:cNvSpPr>
@@ -3933,21 +4301,13 @@
     </p:spTree>
     <p:extLst>
       <p:ext uri="{BB962C8B-B14F-4D97-AF65-F5344CB8AC3E}">
-        <p14:creationId xmlns:p14="http://schemas.microsoft.com/office/powerpoint/2010/main" val="649586407"/>
+        <p14:creationId xmlns:p14="http://schemas.microsoft.com/office/powerpoint/2010/main" val="1696297589"/>
       </p:ext>
     </p:extLst>
   </p:cSld>
   <p:clrMapOvr>
     <a:masterClrMapping/>
   </p:clrMapOvr>
-  <mc:AlternateContent xmlns:mc="http://schemas.openxmlformats.org/markup-compatibility/2006" xmlns:p14="http://schemas.microsoft.com/office/powerpoint/2010/main">
-    <mc:Choice Requires="p14">
-      <p:transition p14:dur="0" advTm="3000"/>
-    </mc:Choice>
-    <mc:Fallback xmlns="">
-      <p:transition advTm="3000"/>
-    </mc:Fallback>
-  </mc:AlternateContent>
 </p:sldLayout>
 </file>
 
@@ -3975,7 +4335,7 @@
       </p:grpSpPr>
       <p:sp>
         <p:nvSpPr>
-          <p:cNvPr id="2" name="标题占位符 1"/>
+          <p:cNvPr id="2" name="Title Placeholder 1"/>
           <p:cNvSpPr>
             <a:spLocks noGrp="1"/>
           </p:cNvSpPr>
@@ -4002,12 +4362,13 @@
               <a:rPr lang="zh-CN" altLang="en-US"/>
               <a:t>单击此处编辑母版标题样式</a:t>
             </a:r>
-          </a:p>
-        </p:txBody>
-      </p:sp>
-      <p:sp>
-        <p:nvSpPr>
-          <p:cNvPr id="3" name="文本占位符 2"/>
+            <a:endParaRPr lang="en-US" dirty="0"/>
+          </a:p>
+        </p:txBody>
+      </p:sp>
+      <p:sp>
+        <p:nvSpPr>
+          <p:cNvPr id="3" name="Text Placeholder 2"/>
           <p:cNvSpPr>
             <a:spLocks noGrp="1"/>
           </p:cNvSpPr>
@@ -4033,42 +4394,43 @@
             <a:pPr lvl="0"/>
             <a:r>
               <a:rPr lang="zh-CN" altLang="en-US"/>
-              <a:t>编辑母版文本样式</a:t>
+              <a:t>单击此处编辑母版文本样式</a:t>
             </a:r>
           </a:p>
           <a:p>
             <a:pPr lvl="1"/>
             <a:r>
               <a:rPr lang="zh-CN" altLang="en-US"/>
-              <a:t>第二级</a:t>
+              <a:t>二级</a:t>
             </a:r>
           </a:p>
           <a:p>
             <a:pPr lvl="2"/>
             <a:r>
               <a:rPr lang="zh-CN" altLang="en-US"/>
-              <a:t>第三级</a:t>
+              <a:t>三级</a:t>
             </a:r>
           </a:p>
           <a:p>
             <a:pPr lvl="3"/>
             <a:r>
               <a:rPr lang="zh-CN" altLang="en-US"/>
-              <a:t>第四级</a:t>
+              <a:t>四级</a:t>
             </a:r>
           </a:p>
           <a:p>
             <a:pPr lvl="4"/>
             <a:r>
               <a:rPr lang="zh-CN" altLang="en-US"/>
-              <a:t>第五级</a:t>
-            </a:r>
-          </a:p>
-        </p:txBody>
-      </p:sp>
-      <p:sp>
-        <p:nvSpPr>
-          <p:cNvPr id="4" name="日期占位符 3"/>
+              <a:t>五级</a:t>
+            </a:r>
+            <a:endParaRPr lang="en-US" dirty="0"/>
+          </a:p>
+        </p:txBody>
+      </p:sp>
+      <p:sp>
+        <p:nvSpPr>
+          <p:cNvPr id="4" name="Date Placeholder 3"/>
           <p:cNvSpPr>
             <a:spLocks noGrp="1"/>
           </p:cNvSpPr>
@@ -4101,7 +4463,7 @@
           <a:p>
             <a:fld id="{8AF6F278-ABF0-48CA-ADF0-1D43CCA8A181}" type="datetimeFigureOut">
               <a:rPr lang="zh-CN" altLang="en-US" smtClean="0"/>
-              <a:t>2023/2/6</a:t>
+              <a:t>2023/2/7</a:t>
             </a:fld>
             <a:endParaRPr lang="zh-CN" altLang="en-US"/>
           </a:p>
@@ -4109,7 +4471,7 @@
       </p:sp>
       <p:sp>
         <p:nvSpPr>
-          <p:cNvPr id="5" name="页脚占位符 4"/>
+          <p:cNvPr id="5" name="Footer Placeholder 4"/>
           <p:cNvSpPr>
             <a:spLocks noGrp="1"/>
           </p:cNvSpPr>
@@ -4146,7 +4508,7 @@
       </p:sp>
       <p:sp>
         <p:nvSpPr>
-          <p:cNvPr id="6" name="灯片编号占位符 5"/>
+          <p:cNvPr id="6" name="Slide Number Placeholder 5"/>
           <p:cNvSpPr>
             <a:spLocks noGrp="1"/>
           </p:cNvSpPr>
@@ -4188,32 +4550,24 @@
     </p:spTree>
     <p:extLst>
       <p:ext uri="{BB962C8B-B14F-4D97-AF65-F5344CB8AC3E}">
-        <p14:creationId xmlns:p14="http://schemas.microsoft.com/office/powerpoint/2010/main" val="2636820131"/>
+        <p14:creationId xmlns:p14="http://schemas.microsoft.com/office/powerpoint/2010/main" val="4038962361"/>
       </p:ext>
     </p:extLst>
   </p:cSld>
   <p:clrMap bg1="lt1" tx1="dk1" bg2="lt2" tx2="dk2" accent1="accent1" accent2="accent2" accent3="accent3" accent4="accent4" accent5="accent5" accent6="accent6" hlink="hlink" folHlink="folHlink"/>
   <p:sldLayoutIdLst>
-    <p:sldLayoutId id="2147483649" r:id="rId1"/>
-    <p:sldLayoutId id="2147483650" r:id="rId2"/>
-    <p:sldLayoutId id="2147483651" r:id="rId3"/>
-    <p:sldLayoutId id="2147483652" r:id="rId4"/>
-    <p:sldLayoutId id="2147483653" r:id="rId5"/>
-    <p:sldLayoutId id="2147483654" r:id="rId6"/>
-    <p:sldLayoutId id="2147483655" r:id="rId7"/>
-    <p:sldLayoutId id="2147483656" r:id="rId8"/>
-    <p:sldLayoutId id="2147483657" r:id="rId9"/>
-    <p:sldLayoutId id="2147483658" r:id="rId10"/>
-    <p:sldLayoutId id="2147483659" r:id="rId11"/>
+    <p:sldLayoutId id="2147483661" r:id="rId1"/>
+    <p:sldLayoutId id="2147483662" r:id="rId2"/>
+    <p:sldLayoutId id="2147483663" r:id="rId3"/>
+    <p:sldLayoutId id="2147483664" r:id="rId4"/>
+    <p:sldLayoutId id="2147483665" r:id="rId5"/>
+    <p:sldLayoutId id="2147483666" r:id="rId6"/>
+    <p:sldLayoutId id="2147483667" r:id="rId7"/>
+    <p:sldLayoutId id="2147483668" r:id="rId8"/>
+    <p:sldLayoutId id="2147483669" r:id="rId9"/>
+    <p:sldLayoutId id="2147483670" r:id="rId10"/>
+    <p:sldLayoutId id="2147483671" r:id="rId11"/>
   </p:sldLayoutIdLst>
-  <mc:AlternateContent xmlns:mc="http://schemas.openxmlformats.org/markup-compatibility/2006" xmlns:p14="http://schemas.microsoft.com/office/powerpoint/2010/main">
-    <mc:Choice Requires="p14">
-      <p:transition p14:dur="0" advTm="3000"/>
-    </mc:Choice>
-    <mc:Fallback xmlns="">
-      <p:transition advTm="3000"/>
-    </mc:Fallback>
-  </mc:AlternateContent>
   <p:txStyles>
     <p:titleStyle>
       <a:lvl1pPr algn="l" defTabSz="914400" rtl="0" eaLnBrk="1" latinLnBrk="0" hangingPunct="1">
@@ -4400,7 +4754,7 @@
     </p:bodyStyle>
     <p:otherStyle>
       <a:defPPr>
-        <a:defRPr lang="zh-CN"/>
+        <a:defRPr lang="en-US"/>
       </a:defPPr>
       <a:lvl1pPr marL="0" algn="l" defTabSz="914400" rtl="0" eaLnBrk="1" latinLnBrk="0" hangingPunct="1">
         <a:defRPr sz="1800" kern="1200">
@@ -4827,11 +5181,82 @@
             </a:r>
             <a:r>
               <a:rPr lang="zh-CN" altLang="en-US" dirty="0"/>
-              <a:t>检索新人串讲</a:t>
+              <a:t>检索系统新人串讲</a:t>
             </a:r>
             <a:endParaRPr lang="en" altLang="zh-CN" sz="1800" dirty="0">
               <a:effectLst/>
             </a:endParaRPr>
+          </a:p>
+        </p:txBody>
+      </p:sp>
+      <p:sp>
+        <p:nvSpPr>
+          <p:cNvPr id="3" name="文本框 2">
+            <a:extLst>
+              <a:ext uri="{FF2B5EF4-FFF2-40B4-BE49-F238E27FC236}">
+                <a16:creationId xmlns:a16="http://schemas.microsoft.com/office/drawing/2014/main" id="{E10303EC-C4BE-0215-824A-027FB281DFB1}"/>
+              </a:ext>
+            </a:extLst>
+          </p:cNvPr>
+          <p:cNvSpPr txBox="1"/>
+          <p:nvPr/>
+        </p:nvSpPr>
+        <p:spPr>
+          <a:xfrm>
+            <a:off x="6790403" y="4196862"/>
+            <a:ext cx="1368859" cy="369332"/>
+          </a:xfrm>
+          <a:prstGeom prst="rect">
+            <a:avLst/>
+          </a:prstGeom>
+          <a:noFill/>
+        </p:spPr>
+        <p:txBody>
+          <a:bodyPr wrap="square" rtlCol="0">
+            <a:spAutoFit/>
+          </a:bodyPr>
+          <a:lstStyle/>
+          <a:p>
+            <a:r>
+              <a:rPr kumimoji="1" lang="zh-CN" altLang="en-US" dirty="0"/>
+              <a:t>隋春雨   </a:t>
+            </a:r>
+          </a:p>
+        </p:txBody>
+      </p:sp>
+      <p:sp>
+        <p:nvSpPr>
+          <p:cNvPr id="9" name="文本框 8">
+            <a:extLst>
+              <a:ext uri="{FF2B5EF4-FFF2-40B4-BE49-F238E27FC236}">
+                <a16:creationId xmlns:a16="http://schemas.microsoft.com/office/drawing/2014/main" id="{FF70A49E-F8D3-05F9-3B85-CA39E5F50609}"/>
+              </a:ext>
+            </a:extLst>
+          </p:cNvPr>
+          <p:cNvSpPr txBox="1"/>
+          <p:nvPr/>
+        </p:nvSpPr>
+        <p:spPr>
+          <a:xfrm>
+            <a:off x="8628185" y="4196862"/>
+            <a:ext cx="1723292" cy="369332"/>
+          </a:xfrm>
+          <a:prstGeom prst="rect">
+            <a:avLst/>
+          </a:prstGeom>
+          <a:noFill/>
+        </p:spPr>
+        <p:txBody>
+          <a:bodyPr wrap="square" rtlCol="0">
+            <a:spAutoFit/>
+          </a:bodyPr>
+          <a:lstStyle/>
+          <a:p>
+            <a:r>
+              <a:rPr kumimoji="1" lang="en-US" altLang="zh-CN" dirty="0"/>
+              <a:t>2023.02.07</a:t>
+            </a:r>
+            <a:endParaRPr kumimoji="1" lang="zh-CN" altLang="en-US" dirty="0"/>
           </a:p>
         </p:txBody>
       </p:sp>
@@ -4973,7 +5398,7 @@
         </p:nvSpPr>
         <p:spPr>
           <a:xfrm>
-            <a:off x="245805" y="449824"/>
+            <a:off x="152020" y="294968"/>
             <a:ext cx="11385755" cy="5958349"/>
           </a:xfrm>
           <a:prstGeom prst="roundRect">
@@ -5121,7 +5546,7 @@
     </p:spTree>
     <p:extLst>
       <p:ext uri="{BB962C8B-B14F-4D97-AF65-F5344CB8AC3E}">
-        <p14:creationId xmlns:p14="http://schemas.microsoft.com/office/powerpoint/2010/main" val="1801405168"/>
+        <p14:creationId xmlns:p14="http://schemas.microsoft.com/office/powerpoint/2010/main" val="2244814782"/>
       </p:ext>
     </p:extLst>
   </p:cSld>
@@ -5385,17 +5810,16 @@
           </a:bodyPr>
           <a:lstStyle/>
           <a:p>
-            <a:pPr algn="dist"/>
-            <a:r>
-              <a:rPr lang="zh-CN" altLang="en-US" sz="4400" dirty="0">
-                <a:solidFill>
-                  <a:srgbClr val="1C4885"/>
-                </a:solidFill>
-                <a:latin typeface="FZZhengHeiS-DB-GB" panose="02000000000000000000" pitchFamily="2" charset="0"/>
-                <a:ea typeface="FZZhengHeiS-DB-GB" panose="02000000000000000000" pitchFamily="2" charset="0"/>
+            <a:pPr algn="just"/>
+            <a:r>
+              <a:rPr lang="en-US" altLang="zh-CN" sz="4400" b="1" dirty="0">
+                <a:effectLst/>
               </a:rPr>
-              <a:t>研究内容及假设</a:t>
-            </a:r>
+              <a:t>vs</a:t>
+            </a:r>
+            <a:endParaRPr lang="en" altLang="zh-CN" sz="4400" dirty="0">
+              <a:effectLst/>
+            </a:endParaRPr>
           </a:p>
         </p:txBody>
       </p:sp>
@@ -5436,55 +5860,6 @@
           </a:fontRef>
         </p:style>
       </p:cxnSp>
-      <p:sp>
-        <p:nvSpPr>
-          <p:cNvPr id="10" name="文本框 9"/>
-          <p:cNvSpPr txBox="1"/>
-          <p:nvPr/>
-        </p:nvSpPr>
-        <p:spPr>
-          <a:xfrm>
-            <a:off x="4347067" y="3674436"/>
-            <a:ext cx="6301758" cy="338554"/>
-          </a:xfrm>
-          <a:prstGeom prst="rect">
-            <a:avLst/>
-          </a:prstGeom>
-          <a:noFill/>
-        </p:spPr>
-        <p:txBody>
-          <a:bodyPr wrap="square" rtlCol="0">
-            <a:spAutoFit/>
-          </a:bodyPr>
-          <a:lstStyle/>
-          <a:p>
-            <a:pPr algn="ctr"/>
-            <a:r>
-              <a:rPr lang="en-US" altLang="zh-CN" sz="1600" dirty="0">
-                <a:solidFill>
-                  <a:schemeClr val="tx1">
-                    <a:lumMod val="85000"/>
-                    <a:lumOff val="15000"/>
-                  </a:schemeClr>
-                </a:solidFill>
-                <a:latin typeface="FuturaBookC" pitchFamily="2" charset="-52"/>
-                <a:ea typeface="锐字逼格青春粗黑体简2.0" panose="02010604000000000000" pitchFamily="2" charset="-122"/>
-              </a:rPr>
-              <a:t>Life was like a box of chocolates, you never know what you’re go to get.</a:t>
-            </a:r>
-            <a:endParaRPr lang="zh-CN" altLang="en-US" sz="1600" dirty="0">
-              <a:solidFill>
-                <a:schemeClr val="tx1">
-                  <a:lumMod val="85000"/>
-                  <a:lumOff val="15000"/>
-                </a:schemeClr>
-              </a:solidFill>
-              <a:latin typeface="FuturaBookC" pitchFamily="2" charset="-52"/>
-              <a:ea typeface="锐字逼格青春粗黑体简2.0" panose="02010604000000000000" pitchFamily="2" charset="-122"/>
-            </a:endParaRPr>
-          </a:p>
-        </p:txBody>
-      </p:sp>
       <p:pic>
         <p:nvPicPr>
           <p:cNvPr id="12" name="图片 11"/>
@@ -5518,7 +5893,7 @@
     </p:spTree>
     <p:extLst>
       <p:ext uri="{BB962C8B-B14F-4D97-AF65-F5344CB8AC3E}">
-        <p14:creationId xmlns:p14="http://schemas.microsoft.com/office/powerpoint/2010/main" val="2577315452"/>
+        <p14:creationId xmlns:p14="http://schemas.microsoft.com/office/powerpoint/2010/main" val="794653273"/>
       </p:ext>
     </p:extLst>
   </p:cSld>
@@ -5782,17 +6157,14 @@
           </a:bodyPr>
           <a:lstStyle/>
           <a:p>
-            <a:pPr algn="dist"/>
-            <a:r>
-              <a:rPr lang="zh-CN" altLang="en-US" sz="4400" dirty="0">
-                <a:solidFill>
-                  <a:srgbClr val="1C4885"/>
-                </a:solidFill>
-                <a:latin typeface="FZZhengHeiS-DB-GB" panose="02000000000000000000" pitchFamily="2" charset="0"/>
-                <a:ea typeface="FZZhengHeiS-DB-GB" panose="02000000000000000000" pitchFamily="2" charset="0"/>
-              </a:rPr>
-              <a:t>时间安排规划</a:t>
-            </a:r>
+            <a:pPr algn="just"/>
+            <a:r>
+              <a:rPr lang="en-US" altLang="zh-CN" sz="4400" b="1" dirty="0"/>
+              <a:t>as</a:t>
+            </a:r>
+            <a:endParaRPr lang="en" altLang="zh-CN" sz="4400" dirty="0">
+              <a:effectLst/>
+            </a:endParaRPr>
           </a:p>
         </p:txBody>
       </p:sp>
@@ -5833,55 +6205,6 @@
           </a:fontRef>
         </p:style>
       </p:cxnSp>
-      <p:sp>
-        <p:nvSpPr>
-          <p:cNvPr id="10" name="文本框 9"/>
-          <p:cNvSpPr txBox="1"/>
-          <p:nvPr/>
-        </p:nvSpPr>
-        <p:spPr>
-          <a:xfrm>
-            <a:off x="4347067" y="3674436"/>
-            <a:ext cx="6301758" cy="338554"/>
-          </a:xfrm>
-          <a:prstGeom prst="rect">
-            <a:avLst/>
-          </a:prstGeom>
-          <a:noFill/>
-        </p:spPr>
-        <p:txBody>
-          <a:bodyPr wrap="square" rtlCol="0">
-            <a:spAutoFit/>
-          </a:bodyPr>
-          <a:lstStyle/>
-          <a:p>
-            <a:pPr algn="ctr"/>
-            <a:r>
-              <a:rPr lang="en-US" altLang="zh-CN" sz="1600" dirty="0">
-                <a:solidFill>
-                  <a:schemeClr val="tx1">
-                    <a:lumMod val="85000"/>
-                    <a:lumOff val="15000"/>
-                  </a:schemeClr>
-                </a:solidFill>
-                <a:latin typeface="FuturaBookC" pitchFamily="2" charset="-52"/>
-                <a:ea typeface="锐字逼格青春粗黑体简2.0" panose="02010604000000000000" pitchFamily="2" charset="-122"/>
-              </a:rPr>
-              <a:t>Life was like a box of chocolates, you never know what you’re go to get.</a:t>
-            </a:r>
-            <a:endParaRPr lang="zh-CN" altLang="en-US" sz="1600" dirty="0">
-              <a:solidFill>
-                <a:schemeClr val="tx1">
-                  <a:lumMod val="85000"/>
-                  <a:lumOff val="15000"/>
-                </a:schemeClr>
-              </a:solidFill>
-              <a:latin typeface="FuturaBookC" pitchFamily="2" charset="-52"/>
-              <a:ea typeface="锐字逼格青春粗黑体简2.0" panose="02010604000000000000" pitchFamily="2" charset="-122"/>
-            </a:endParaRPr>
-          </a:p>
-        </p:txBody>
-      </p:sp>
       <p:pic>
         <p:nvPicPr>
           <p:cNvPr id="12" name="图片 11"/>
@@ -5915,7 +6238,7 @@
     </p:spTree>
     <p:extLst>
       <p:ext uri="{BB962C8B-B14F-4D97-AF65-F5344CB8AC3E}">
-        <p14:creationId xmlns:p14="http://schemas.microsoft.com/office/powerpoint/2010/main" val="2881436233"/>
+        <p14:creationId xmlns:p14="http://schemas.microsoft.com/office/powerpoint/2010/main" val="811270111"/>
       </p:ext>
     </p:extLst>
   </p:cSld>
@@ -5958,7 +6281,7 @@
         </p:nvSpPr>
         <p:spPr>
           <a:xfrm>
-            <a:off x="9984658" y="4866967"/>
+            <a:off x="245805" y="294968"/>
             <a:ext cx="1961536" cy="1696064"/>
           </a:xfrm>
           <a:prstGeom prst="rect">
@@ -6004,7 +6327,7 @@
         </p:nvSpPr>
         <p:spPr>
           <a:xfrm>
-            <a:off x="245805" y="294968"/>
+            <a:off x="9984658" y="4866967"/>
             <a:ext cx="1961536" cy="1696064"/>
           </a:xfrm>
           <a:prstGeom prst="rect">
@@ -6044,105 +6367,13 @@
       </p:sp>
       <p:sp>
         <p:nvSpPr>
-          <p:cNvPr id="6" name="矩形 5"/>
+          <p:cNvPr id="6" name="圆角矩形 5"/>
           <p:cNvSpPr/>
           <p:nvPr/>
         </p:nvSpPr>
         <p:spPr>
           <a:xfrm>
-            <a:off x="245805" y="4866967"/>
-            <a:ext cx="1961536" cy="1696064"/>
-          </a:xfrm>
-          <a:prstGeom prst="rect">
-            <a:avLst/>
-          </a:prstGeom>
-          <a:solidFill>
-            <a:srgbClr val="1C4885"/>
-          </a:solidFill>
-          <a:ln>
-            <a:noFill/>
-          </a:ln>
-        </p:spPr>
-        <p:style>
-          <a:lnRef idx="2">
-            <a:schemeClr val="accent1">
-              <a:shade val="50000"/>
-            </a:schemeClr>
-          </a:lnRef>
-          <a:fillRef idx="1">
-            <a:schemeClr val="accent1"/>
-          </a:fillRef>
-          <a:effectRef idx="0">
-            <a:schemeClr val="accent1"/>
-          </a:effectRef>
-          <a:fontRef idx="minor">
-            <a:schemeClr val="lt1"/>
-          </a:fontRef>
-        </p:style>
-        <p:txBody>
-          <a:bodyPr rtlCol="0" anchor="ctr"/>
-          <a:lstStyle/>
-          <a:p>
-            <a:pPr algn="ctr"/>
-            <a:endParaRPr lang="zh-CN" altLang="en-US"/>
-          </a:p>
-        </p:txBody>
-      </p:sp>
-      <p:sp>
-        <p:nvSpPr>
-          <p:cNvPr id="7" name="矩形 6"/>
-          <p:cNvSpPr/>
-          <p:nvPr/>
-        </p:nvSpPr>
-        <p:spPr>
-          <a:xfrm>
-            <a:off x="9984658" y="294968"/>
-            <a:ext cx="1961536" cy="1696064"/>
-          </a:xfrm>
-          <a:prstGeom prst="rect">
-            <a:avLst/>
-          </a:prstGeom>
-          <a:solidFill>
-            <a:srgbClr val="1C4885"/>
-          </a:solidFill>
-          <a:ln>
-            <a:noFill/>
-          </a:ln>
-        </p:spPr>
-        <p:style>
-          <a:lnRef idx="2">
-            <a:schemeClr val="accent1">
-              <a:shade val="50000"/>
-            </a:schemeClr>
-          </a:lnRef>
-          <a:fillRef idx="1">
-            <a:schemeClr val="accent1"/>
-          </a:fillRef>
-          <a:effectRef idx="0">
-            <a:schemeClr val="accent1"/>
-          </a:effectRef>
-          <a:fontRef idx="minor">
-            <a:schemeClr val="lt1"/>
-          </a:fontRef>
-        </p:style>
-        <p:txBody>
-          <a:bodyPr rtlCol="0" anchor="ctr"/>
-          <a:lstStyle/>
-          <a:p>
-            <a:pPr algn="ctr"/>
-            <a:endParaRPr lang="zh-CN" altLang="en-US"/>
-          </a:p>
-        </p:txBody>
-      </p:sp>
-      <p:sp>
-        <p:nvSpPr>
-          <p:cNvPr id="8" name="圆角矩形 7"/>
-          <p:cNvSpPr/>
-          <p:nvPr/>
-        </p:nvSpPr>
-        <p:spPr>
-          <a:xfrm>
-            <a:off x="403122" y="405580"/>
+            <a:off x="245805" y="449824"/>
             <a:ext cx="11385755" cy="5958349"/>
           </a:xfrm>
           <a:prstGeom prst="roundRect">
@@ -6158,9 +6389,9 @@
           </a:ln>
           <a:effectLst>
             <a:glow rad="228600">
-              <a:schemeClr val="tx1">
+              <a:srgbClr val="02615A">
                 <a:alpha val="30000"/>
-              </a:schemeClr>
+              </a:srgbClr>
             </a:glow>
           </a:effectLst>
         </p:spPr>
@@ -6185,20 +6416,26 @@
           <a:lstStyle/>
           <a:p>
             <a:pPr algn="ctr"/>
-            <a:endParaRPr lang="zh-CN" altLang="en-US"/>
-          </a:p>
-        </p:txBody>
-      </p:sp>
-      <p:sp>
-        <p:nvSpPr>
-          <p:cNvPr id="9" name="文本框 8"/>
+            <a:endParaRPr lang="zh-CN" altLang="en-US" dirty="0"/>
+          </a:p>
+        </p:txBody>
+      </p:sp>
+      <p:sp>
+        <p:nvSpPr>
+          <p:cNvPr id="3" name="文本框 2">
+            <a:extLst>
+              <a:ext uri="{FF2B5EF4-FFF2-40B4-BE49-F238E27FC236}">
+                <a16:creationId xmlns:a16="http://schemas.microsoft.com/office/drawing/2014/main" id="{08604199-1046-760F-AD7D-B6851DB53CB1}"/>
+              </a:ext>
+            </a:extLst>
+          </p:cNvPr>
           <p:cNvSpPr txBox="1"/>
           <p:nvPr/>
         </p:nvSpPr>
         <p:spPr>
           <a:xfrm>
-            <a:off x="2718927" y="2080651"/>
-            <a:ext cx="6754146" cy="830997"/>
+            <a:off x="834390" y="1428750"/>
+            <a:ext cx="2823210" cy="369332"/>
           </a:xfrm>
           <a:prstGeom prst="rect">
             <a:avLst/>
@@ -6211,30 +6448,851 @@
           </a:bodyPr>
           <a:lstStyle/>
           <a:p>
-            <a:pPr algn="dist"/>
-            <a:r>
-              <a:rPr lang="zh-CN" altLang="en-US" sz="4800" dirty="0">
+            <a:r>
+              <a:rPr kumimoji="1" lang="zh-CN" altLang="en-US" dirty="0"/>
+              <a:t>流程：</a:t>
+            </a:r>
+          </a:p>
+        </p:txBody>
+      </p:sp>
+      <p:pic>
+        <p:nvPicPr>
+          <p:cNvPr id="2" name="图片 1">
+            <a:extLst>
+              <a:ext uri="{FF2B5EF4-FFF2-40B4-BE49-F238E27FC236}">
+                <a16:creationId xmlns:a16="http://schemas.microsoft.com/office/drawing/2014/main" id="{BC0C22CC-4A9F-61A7-0069-5F6840ED42DC}"/>
+              </a:ext>
+            </a:extLst>
+          </p:cNvPr>
+          <p:cNvPicPr>
+            <a:picLocks noChangeAspect="1"/>
+          </p:cNvPicPr>
+          <p:nvPr/>
+        </p:nvPicPr>
+        <p:blipFill>
+          <a:blip r:embed="rId3"/>
+          <a:stretch>
+            <a:fillRect/>
+          </a:stretch>
+        </p:blipFill>
+        <p:spPr>
+          <a:xfrm>
+            <a:off x="2768600" y="520700"/>
+            <a:ext cx="6654800" cy="5816600"/>
+          </a:xfrm>
+          <a:prstGeom prst="rect">
+            <a:avLst/>
+          </a:prstGeom>
+        </p:spPr>
+      </p:pic>
+    </p:spTree>
+    <p:extLst>
+      <p:ext uri="{BB962C8B-B14F-4D97-AF65-F5344CB8AC3E}">
+        <p14:creationId xmlns:p14="http://schemas.microsoft.com/office/powerpoint/2010/main" val="1461477084"/>
+      </p:ext>
+    </p:extLst>
+  </p:cSld>
+  <p:clrMapOvr>
+    <a:masterClrMapping/>
+  </p:clrMapOvr>
+  <mc:AlternateContent xmlns:mc="http://schemas.openxmlformats.org/markup-compatibility/2006" xmlns:p14="http://schemas.microsoft.com/office/powerpoint/2010/main">
+    <mc:Choice Requires="p14">
+      <p:transition p14:dur="10"/>
+    </mc:Choice>
+    <mc:Fallback xmlns="">
+      <p:transition/>
+    </mc:Fallback>
+  </mc:AlternateContent>
+</p:sld>
+</file>
+
+<file path=ppt/slides/slide14.xml><?xml version="1.0" encoding="utf-8"?>
+<p:sld xmlns:a="http://schemas.openxmlformats.org/drawingml/2006/main" xmlns:r="http://schemas.openxmlformats.org/officeDocument/2006/relationships" xmlns:p="http://schemas.openxmlformats.org/presentationml/2006/main">
+  <p:cSld>
+    <p:spTree>
+      <p:nvGrpSpPr>
+        <p:cNvPr id="1" name=""/>
+        <p:cNvGrpSpPr/>
+        <p:nvPr/>
+      </p:nvGrpSpPr>
+      <p:grpSpPr>
+        <a:xfrm>
+          <a:off x="0" y="0"/>
+          <a:ext cx="0" cy="0"/>
+          <a:chOff x="0" y="0"/>
+          <a:chExt cx="0" cy="0"/>
+        </a:xfrm>
+      </p:grpSpPr>
+      <p:sp>
+        <p:nvSpPr>
+          <p:cNvPr id="5" name="矩形 4"/>
+          <p:cNvSpPr/>
+          <p:nvPr/>
+        </p:nvSpPr>
+        <p:spPr>
+          <a:xfrm>
+            <a:off x="9984658" y="4866967"/>
+            <a:ext cx="1961536" cy="1696064"/>
+          </a:xfrm>
+          <a:prstGeom prst="rect">
+            <a:avLst/>
+          </a:prstGeom>
+          <a:solidFill>
+            <a:srgbClr val="1C4885"/>
+          </a:solidFill>
+          <a:ln>
+            <a:noFill/>
+          </a:ln>
+        </p:spPr>
+        <p:style>
+          <a:lnRef idx="2">
+            <a:schemeClr val="accent1">
+              <a:shade val="50000"/>
+            </a:schemeClr>
+          </a:lnRef>
+          <a:fillRef idx="1">
+            <a:schemeClr val="accent1"/>
+          </a:fillRef>
+          <a:effectRef idx="0">
+            <a:schemeClr val="accent1"/>
+          </a:effectRef>
+          <a:fontRef idx="minor">
+            <a:schemeClr val="lt1"/>
+          </a:fontRef>
+        </p:style>
+        <p:txBody>
+          <a:bodyPr rtlCol="0" anchor="ctr"/>
+          <a:lstStyle/>
+          <a:p>
+            <a:pPr algn="ctr"/>
+            <a:endParaRPr lang="zh-CN" altLang="en-US"/>
+          </a:p>
+        </p:txBody>
+      </p:sp>
+      <p:sp>
+        <p:nvSpPr>
+          <p:cNvPr id="3" name="文本框 2">
+            <a:extLst>
+              <a:ext uri="{FF2B5EF4-FFF2-40B4-BE49-F238E27FC236}">
+                <a16:creationId xmlns:a16="http://schemas.microsoft.com/office/drawing/2014/main" id="{08604199-1046-760F-AD7D-B6851DB53CB1}"/>
+              </a:ext>
+            </a:extLst>
+          </p:cNvPr>
+          <p:cNvSpPr txBox="1"/>
+          <p:nvPr/>
+        </p:nvSpPr>
+        <p:spPr>
+          <a:xfrm>
+            <a:off x="454931" y="294969"/>
+            <a:ext cx="6234625" cy="369332"/>
+          </a:xfrm>
+          <a:prstGeom prst="rect">
+            <a:avLst/>
+          </a:prstGeom>
+          <a:noFill/>
+        </p:spPr>
+        <p:txBody>
+          <a:bodyPr wrap="square" rtlCol="0">
+            <a:spAutoFit/>
+          </a:bodyPr>
+          <a:lstStyle/>
+          <a:p>
+            <a:r>
+              <a:rPr lang="en" altLang="zh-CN" b="1" i="0" u="none" strike="noStrike" dirty="0" err="1">
                 <a:solidFill>
-                  <a:srgbClr val="1C4885"/>
+                  <a:srgbClr val="333333"/>
                 </a:solidFill>
-                <a:latin typeface="FZZhengHeiS-DB-GB" panose="02000000000000000000" pitchFamily="2" charset="0"/>
-                <a:ea typeface="FZZhengHeiS-DB-GB" panose="02000000000000000000" pitchFamily="2" charset="0"/>
+                <a:effectLst/>
+                <a:latin typeface="Open Sans" panose="020F0502020204030204" pitchFamily="34" charset="0"/>
               </a:rPr>
-              <a:t>感谢评委的指导</a:t>
-            </a:r>
+              <a:t>MultiIndexManager</a:t>
+            </a:r>
+            <a:r>
+              <a:rPr lang="en" altLang="zh-CN" b="1" i="0" u="none" strike="noStrike" dirty="0">
+                <a:solidFill>
+                  <a:srgbClr val="333333"/>
+                </a:solidFill>
+                <a:effectLst/>
+                <a:latin typeface="Open Sans" panose="020F0502020204030204" pitchFamily="34" charset="0"/>
+              </a:rPr>
+              <a:t>::</a:t>
+            </a:r>
+            <a:r>
+              <a:rPr lang="en" altLang="zh-CN" b="1" i="0" u="none" strike="noStrike" dirty="0" err="1">
+                <a:solidFill>
+                  <a:srgbClr val="333333"/>
+                </a:solidFill>
+                <a:effectLst/>
+                <a:latin typeface="Open Sans" panose="020F0502020204030204" pitchFamily="34" charset="0"/>
+              </a:rPr>
+              <a:t>batch_search_async</a:t>
+            </a:r>
+            <a:r>
+              <a:rPr kumimoji="1" lang="zh-CN" altLang="en-US" dirty="0"/>
+              <a:t>流程：</a:t>
+            </a:r>
+          </a:p>
+        </p:txBody>
+      </p:sp>
+      <p:sp>
+        <p:nvSpPr>
+          <p:cNvPr id="10" name="矩形 9">
+            <a:extLst>
+              <a:ext uri="{FF2B5EF4-FFF2-40B4-BE49-F238E27FC236}">
+                <a16:creationId xmlns:a16="http://schemas.microsoft.com/office/drawing/2014/main" id="{2C76E364-D80C-7F59-59D2-358BBA703CBF}"/>
+              </a:ext>
+            </a:extLst>
+          </p:cNvPr>
+          <p:cNvSpPr/>
+          <p:nvPr/>
+        </p:nvSpPr>
+        <p:spPr>
+          <a:xfrm>
+            <a:off x="1049311" y="1079292"/>
+            <a:ext cx="3582650" cy="5778708"/>
+          </a:xfrm>
+          <a:prstGeom prst="rect">
+            <a:avLst/>
+          </a:prstGeom>
+          <a:noFill/>
+          <a:ln w="38100">
+            <a:solidFill>
+              <a:srgbClr val="FF0000"/>
+            </a:solidFill>
+          </a:ln>
+        </p:spPr>
+        <p:style>
+          <a:lnRef idx="2">
+            <a:schemeClr val="accent1">
+              <a:shade val="50000"/>
+            </a:schemeClr>
+          </a:lnRef>
+          <a:fillRef idx="1">
+            <a:schemeClr val="accent1"/>
+          </a:fillRef>
+          <a:effectRef idx="0">
+            <a:schemeClr val="accent1"/>
+          </a:effectRef>
+          <a:fontRef idx="minor">
+            <a:schemeClr val="lt1"/>
+          </a:fontRef>
+        </p:style>
+        <p:txBody>
+          <a:bodyPr rtlCol="0" anchor="ctr"/>
+          <a:lstStyle/>
+          <a:p>
+            <a:pPr algn="ctr"/>
+            <a:endParaRPr kumimoji="1" lang="zh-CN" altLang="en-US"/>
+          </a:p>
+        </p:txBody>
+      </p:sp>
+      <p:pic>
+        <p:nvPicPr>
+          <p:cNvPr id="12" name="图片 11">
+            <a:extLst>
+              <a:ext uri="{FF2B5EF4-FFF2-40B4-BE49-F238E27FC236}">
+                <a16:creationId xmlns:a16="http://schemas.microsoft.com/office/drawing/2014/main" id="{CFAEC4DF-4237-5233-E1FE-3B4044FD78D4}"/>
+              </a:ext>
+            </a:extLst>
+          </p:cNvPr>
+          <p:cNvPicPr>
+            <a:picLocks noChangeAspect="1"/>
+          </p:cNvPicPr>
+          <p:nvPr/>
+        </p:nvPicPr>
+        <p:blipFill>
+          <a:blip r:embed="rId3">
+            <a:extLst>
+              <a:ext uri="{28A0092B-C50C-407E-A947-70E740481C1C}">
+                <a14:useLocalDpi xmlns:a14="http://schemas.microsoft.com/office/drawing/2010/main" val="0"/>
+              </a:ext>
+            </a:extLst>
+          </a:blip>
+          <a:stretch>
+            <a:fillRect/>
+          </a:stretch>
+        </p:blipFill>
+        <p:spPr>
+          <a:xfrm>
+            <a:off x="1049311" y="479635"/>
+            <a:ext cx="10896883" cy="6581274"/>
+          </a:xfrm>
+          <a:prstGeom prst="rect">
+            <a:avLst/>
+          </a:prstGeom>
+        </p:spPr>
+      </p:pic>
+      <p:sp>
+        <p:nvSpPr>
+          <p:cNvPr id="13" name="文本框 12">
+            <a:extLst>
+              <a:ext uri="{FF2B5EF4-FFF2-40B4-BE49-F238E27FC236}">
+                <a16:creationId xmlns:a16="http://schemas.microsoft.com/office/drawing/2014/main" id="{C9C5E23B-8A0F-229B-8DE2-8AE9CC86425C}"/>
+              </a:ext>
+            </a:extLst>
+          </p:cNvPr>
+          <p:cNvSpPr txBox="1"/>
+          <p:nvPr/>
+        </p:nvSpPr>
+        <p:spPr>
+          <a:xfrm>
+            <a:off x="4783015" y="5263662"/>
+            <a:ext cx="2953062" cy="369332"/>
+          </a:xfrm>
+          <a:prstGeom prst="rect">
+            <a:avLst/>
+          </a:prstGeom>
+          <a:noFill/>
+        </p:spPr>
+        <p:txBody>
+          <a:bodyPr wrap="square" rtlCol="0">
+            <a:spAutoFit/>
+          </a:bodyPr>
+          <a:lstStyle/>
+          <a:p>
+            <a:r>
+              <a:rPr kumimoji="1" lang="en-US" altLang="zh-CN" dirty="0" err="1"/>
+              <a:t>search_show_video</a:t>
+            </a:r>
+            <a:endParaRPr kumimoji="1" lang="zh-CN" altLang="en-US" dirty="0"/>
+          </a:p>
+        </p:txBody>
+      </p:sp>
+      <p:sp>
+        <p:nvSpPr>
+          <p:cNvPr id="15" name="矩形 14">
+            <a:extLst>
+              <a:ext uri="{FF2B5EF4-FFF2-40B4-BE49-F238E27FC236}">
+                <a16:creationId xmlns:a16="http://schemas.microsoft.com/office/drawing/2014/main" id="{015DDC07-BA1C-924F-1BEC-826584333AD6}"/>
+              </a:ext>
+            </a:extLst>
+          </p:cNvPr>
+          <p:cNvSpPr/>
+          <p:nvPr/>
+        </p:nvSpPr>
+        <p:spPr>
+          <a:xfrm>
+            <a:off x="4783015" y="1594338"/>
+            <a:ext cx="6799385" cy="1418493"/>
+          </a:xfrm>
+          <a:prstGeom prst="rect">
+            <a:avLst/>
+          </a:prstGeom>
+          <a:noFill/>
+          <a:ln w="38100">
+            <a:solidFill>
+              <a:srgbClr val="7030A0"/>
+            </a:solidFill>
+          </a:ln>
+        </p:spPr>
+        <p:style>
+          <a:lnRef idx="2">
+            <a:schemeClr val="accent1">
+              <a:shade val="50000"/>
+            </a:schemeClr>
+          </a:lnRef>
+          <a:fillRef idx="1">
+            <a:schemeClr val="accent1"/>
+          </a:fillRef>
+          <a:effectRef idx="0">
+            <a:schemeClr val="accent1"/>
+          </a:effectRef>
+          <a:fontRef idx="minor">
+            <a:schemeClr val="lt1"/>
+          </a:fontRef>
+        </p:style>
+        <p:txBody>
+          <a:bodyPr rtlCol="0" anchor="ctr"/>
+          <a:lstStyle/>
+          <a:p>
+            <a:pPr algn="ctr"/>
+            <a:endParaRPr kumimoji="1" lang="zh-CN" altLang="en-US"/>
+          </a:p>
+        </p:txBody>
+      </p:sp>
+      <p:sp>
+        <p:nvSpPr>
+          <p:cNvPr id="16" name="文本框 15">
+            <a:extLst>
+              <a:ext uri="{FF2B5EF4-FFF2-40B4-BE49-F238E27FC236}">
+                <a16:creationId xmlns:a16="http://schemas.microsoft.com/office/drawing/2014/main" id="{9AEDA665-6D5F-335E-60F4-240C829036EC}"/>
+              </a:ext>
+            </a:extLst>
+          </p:cNvPr>
+          <p:cNvSpPr txBox="1"/>
+          <p:nvPr/>
+        </p:nvSpPr>
+        <p:spPr>
+          <a:xfrm>
+            <a:off x="8844196" y="1094282"/>
+            <a:ext cx="2563318" cy="369332"/>
+          </a:xfrm>
+          <a:prstGeom prst="rect">
+            <a:avLst/>
+          </a:prstGeom>
+          <a:noFill/>
+        </p:spPr>
+        <p:txBody>
+          <a:bodyPr wrap="square" rtlCol="0">
+            <a:spAutoFit/>
+          </a:bodyPr>
+          <a:lstStyle/>
+          <a:p>
+            <a:r>
+              <a:rPr kumimoji="1" lang="zh-CN" altLang="en-US" dirty="0"/>
+              <a:t>如果需要访问</a:t>
+            </a:r>
+            <a:r>
+              <a:rPr kumimoji="1" lang="en-US" altLang="zh-CN" dirty="0" err="1"/>
+              <a:t>urs</a:t>
+            </a:r>
+            <a:endParaRPr kumimoji="1" lang="zh-CN" altLang="en-US" dirty="0"/>
+          </a:p>
+        </p:txBody>
+      </p:sp>
+    </p:spTree>
+    <p:extLst>
+      <p:ext uri="{BB962C8B-B14F-4D97-AF65-F5344CB8AC3E}">
+        <p14:creationId xmlns:p14="http://schemas.microsoft.com/office/powerpoint/2010/main" val="3577868744"/>
+      </p:ext>
+    </p:extLst>
+  </p:cSld>
+  <p:clrMapOvr>
+    <a:masterClrMapping/>
+  </p:clrMapOvr>
+  <mc:AlternateContent xmlns:mc="http://schemas.openxmlformats.org/markup-compatibility/2006" xmlns:p14="http://schemas.microsoft.com/office/powerpoint/2010/main">
+    <mc:Choice Requires="p14">
+      <p:transition p14:dur="10"/>
+    </mc:Choice>
+    <mc:Fallback xmlns="">
+      <p:transition/>
+    </mc:Fallback>
+  </mc:AlternateContent>
+</p:sld>
+</file>
+
+<file path=ppt/slides/slide15.xml><?xml version="1.0" encoding="utf-8"?>
+<p:sld xmlns:a="http://schemas.openxmlformats.org/drawingml/2006/main" xmlns:r="http://schemas.openxmlformats.org/officeDocument/2006/relationships" xmlns:p="http://schemas.openxmlformats.org/presentationml/2006/main">
+  <p:cSld>
+    <p:spTree>
+      <p:nvGrpSpPr>
+        <p:cNvPr id="1" name=""/>
+        <p:cNvGrpSpPr/>
+        <p:nvPr/>
+      </p:nvGrpSpPr>
+      <p:grpSpPr>
+        <a:xfrm>
+          <a:off x="0" y="0"/>
+          <a:ext cx="0" cy="0"/>
+          <a:chOff x="0" y="0"/>
+          <a:chExt cx="0" cy="0"/>
+        </a:xfrm>
+      </p:grpSpPr>
+      <p:sp>
+        <p:nvSpPr>
+          <p:cNvPr id="4" name="矩形 3"/>
+          <p:cNvSpPr/>
+          <p:nvPr/>
+        </p:nvSpPr>
+        <p:spPr>
+          <a:xfrm>
+            <a:off x="10004402" y="5031860"/>
+            <a:ext cx="1961536" cy="1696064"/>
+          </a:xfrm>
+          <a:prstGeom prst="rect">
+            <a:avLst/>
+          </a:prstGeom>
+          <a:solidFill>
+            <a:srgbClr val="1C4885"/>
+          </a:solidFill>
+          <a:ln>
+            <a:noFill/>
+          </a:ln>
+        </p:spPr>
+        <p:style>
+          <a:lnRef idx="2">
+            <a:schemeClr val="accent1">
+              <a:shade val="50000"/>
+            </a:schemeClr>
+          </a:lnRef>
+          <a:fillRef idx="1">
+            <a:schemeClr val="accent1"/>
+          </a:fillRef>
+          <a:effectRef idx="0">
+            <a:schemeClr val="accent1"/>
+          </a:effectRef>
+          <a:fontRef idx="minor">
+            <a:schemeClr val="lt1"/>
+          </a:fontRef>
+        </p:style>
+        <p:txBody>
+          <a:bodyPr rtlCol="0" anchor="ctr"/>
+          <a:lstStyle/>
+          <a:p>
+            <a:pPr algn="ctr"/>
+            <a:endParaRPr lang="zh-CN" altLang="en-US"/>
+          </a:p>
+        </p:txBody>
+      </p:sp>
+      <p:sp>
+        <p:nvSpPr>
+          <p:cNvPr id="3" name="文本框 2">
+            <a:extLst>
+              <a:ext uri="{FF2B5EF4-FFF2-40B4-BE49-F238E27FC236}">
+                <a16:creationId xmlns:a16="http://schemas.microsoft.com/office/drawing/2014/main" id="{D7D7297B-773A-E841-B179-879FA0CEF0A4}"/>
+              </a:ext>
+            </a:extLst>
+          </p:cNvPr>
+          <p:cNvSpPr txBox="1"/>
+          <p:nvPr/>
+        </p:nvSpPr>
+        <p:spPr>
+          <a:xfrm>
+            <a:off x="172387" y="175096"/>
+            <a:ext cx="6378314" cy="461665"/>
+          </a:xfrm>
+          <a:prstGeom prst="rect">
+            <a:avLst/>
+          </a:prstGeom>
+          <a:noFill/>
+        </p:spPr>
+        <p:txBody>
+          <a:bodyPr wrap="square">
+            <a:spAutoFit/>
+          </a:bodyPr>
+          <a:lstStyle/>
+          <a:p>
+            <a:pPr algn="l"/>
+            <a:r>
+              <a:rPr lang="en" altLang="zh-CN" sz="2400" b="1" i="0" u="none" strike="noStrike" dirty="0" err="1">
+                <a:solidFill>
+                  <a:srgbClr val="333333"/>
+                </a:solidFill>
+                <a:effectLst/>
+                <a:latin typeface="Open Sans" panose="020B0606030504020204" pitchFamily="34" charset="0"/>
+              </a:rPr>
+              <a:t>ParallelManager</a:t>
+            </a:r>
+            <a:r>
+              <a:rPr lang="en" altLang="zh-CN" sz="2400" b="1" i="0" u="none" strike="noStrike" dirty="0">
+                <a:solidFill>
+                  <a:srgbClr val="333333"/>
+                </a:solidFill>
+                <a:effectLst/>
+                <a:latin typeface="Open Sans" panose="020B0606030504020204" pitchFamily="34" charset="0"/>
+              </a:rPr>
+              <a:t>::</a:t>
+            </a:r>
+            <a:r>
+              <a:rPr lang="en" altLang="zh-CN" sz="2400" b="1" i="0" u="none" strike="noStrike" dirty="0" err="1">
+                <a:solidFill>
+                  <a:srgbClr val="333333"/>
+                </a:solidFill>
+                <a:effectLst/>
+                <a:latin typeface="Open Sans" panose="020B0606030504020204" pitchFamily="34" charset="0"/>
+              </a:rPr>
+              <a:t>batch_search_async</a:t>
+            </a:r>
+            <a:endParaRPr lang="en" altLang="zh-CN" sz="2400" b="1" i="0" u="none" strike="noStrike" dirty="0">
+              <a:solidFill>
+                <a:srgbClr val="333333"/>
+              </a:solidFill>
+              <a:effectLst/>
+              <a:latin typeface="Open Sans" panose="020B0606030504020204" pitchFamily="34" charset="0"/>
+            </a:endParaRPr>
+          </a:p>
+        </p:txBody>
+      </p:sp>
+    </p:spTree>
+    <p:extLst>
+      <p:ext uri="{BB962C8B-B14F-4D97-AF65-F5344CB8AC3E}">
+        <p14:creationId xmlns:p14="http://schemas.microsoft.com/office/powerpoint/2010/main" val="3390179024"/>
+      </p:ext>
+    </p:extLst>
+  </p:cSld>
+  <p:clrMapOvr>
+    <a:masterClrMapping/>
+  </p:clrMapOvr>
+  <mc:AlternateContent xmlns:mc="http://schemas.openxmlformats.org/markup-compatibility/2006" xmlns:p14="http://schemas.microsoft.com/office/powerpoint/2010/main">
+    <mc:Choice Requires="p14">
+      <p:transition p14:dur="10"/>
+    </mc:Choice>
+    <mc:Fallback xmlns="">
+      <p:transition/>
+    </mc:Fallback>
+  </mc:AlternateContent>
+</p:sld>
+</file>
+
+<file path=ppt/slides/slide16.xml><?xml version="1.0" encoding="utf-8"?>
+<p:sld xmlns:a="http://schemas.openxmlformats.org/drawingml/2006/main" xmlns:r="http://schemas.openxmlformats.org/officeDocument/2006/relationships" xmlns:p="http://schemas.openxmlformats.org/presentationml/2006/main">
+  <p:cSld>
+    <p:spTree>
+      <p:nvGrpSpPr>
+        <p:cNvPr id="1" name=""/>
+        <p:cNvGrpSpPr/>
+        <p:nvPr/>
+      </p:nvGrpSpPr>
+      <p:grpSpPr>
+        <a:xfrm>
+          <a:off x="0" y="0"/>
+          <a:ext cx="0" cy="0"/>
+          <a:chOff x="0" y="0"/>
+          <a:chExt cx="0" cy="0"/>
+        </a:xfrm>
+      </p:grpSpPr>
+      <p:sp>
+        <p:nvSpPr>
+          <p:cNvPr id="4" name="矩形 3"/>
+          <p:cNvSpPr/>
+          <p:nvPr/>
+        </p:nvSpPr>
+        <p:spPr>
+          <a:xfrm>
+            <a:off x="245805" y="294968"/>
+            <a:ext cx="1961536" cy="1696064"/>
+          </a:xfrm>
+          <a:prstGeom prst="rect">
+            <a:avLst/>
+          </a:prstGeom>
+          <a:solidFill>
+            <a:srgbClr val="1C4885"/>
+          </a:solidFill>
+          <a:ln>
+            <a:noFill/>
+          </a:ln>
+        </p:spPr>
+        <p:style>
+          <a:lnRef idx="2">
+            <a:schemeClr val="accent1">
+              <a:shade val="50000"/>
+            </a:schemeClr>
+          </a:lnRef>
+          <a:fillRef idx="1">
+            <a:schemeClr val="accent1"/>
+          </a:fillRef>
+          <a:effectRef idx="0">
+            <a:schemeClr val="accent1"/>
+          </a:effectRef>
+          <a:fontRef idx="minor">
+            <a:schemeClr val="lt1"/>
+          </a:fontRef>
+        </p:style>
+        <p:txBody>
+          <a:bodyPr rtlCol="0" anchor="ctr"/>
+          <a:lstStyle/>
+          <a:p>
+            <a:pPr algn="ctr"/>
+            <a:endParaRPr lang="zh-CN" altLang="en-US"/>
+          </a:p>
+        </p:txBody>
+      </p:sp>
+      <p:sp>
+        <p:nvSpPr>
+          <p:cNvPr id="5" name="矩形 4"/>
+          <p:cNvSpPr/>
+          <p:nvPr/>
+        </p:nvSpPr>
+        <p:spPr>
+          <a:xfrm>
+            <a:off x="9984658" y="4866967"/>
+            <a:ext cx="1961536" cy="1696064"/>
+          </a:xfrm>
+          <a:prstGeom prst="rect">
+            <a:avLst/>
+          </a:prstGeom>
+          <a:solidFill>
+            <a:srgbClr val="1C4885"/>
+          </a:solidFill>
+          <a:ln>
+            <a:noFill/>
+          </a:ln>
+        </p:spPr>
+        <p:style>
+          <a:lnRef idx="2">
+            <a:schemeClr val="accent1">
+              <a:shade val="50000"/>
+            </a:schemeClr>
+          </a:lnRef>
+          <a:fillRef idx="1">
+            <a:schemeClr val="accent1"/>
+          </a:fillRef>
+          <a:effectRef idx="0">
+            <a:schemeClr val="accent1"/>
+          </a:effectRef>
+          <a:fontRef idx="minor">
+            <a:schemeClr val="lt1"/>
+          </a:fontRef>
+        </p:style>
+        <p:txBody>
+          <a:bodyPr rtlCol="0" anchor="ctr"/>
+          <a:lstStyle/>
+          <a:p>
+            <a:pPr algn="ctr"/>
+            <a:endParaRPr lang="zh-CN" altLang="en-US"/>
+          </a:p>
+        </p:txBody>
+      </p:sp>
+      <p:sp>
+        <p:nvSpPr>
+          <p:cNvPr id="6" name="圆角矩形 5"/>
+          <p:cNvSpPr/>
+          <p:nvPr/>
+        </p:nvSpPr>
+        <p:spPr>
+          <a:xfrm>
+            <a:off x="403122" y="449825"/>
+            <a:ext cx="11385755" cy="5958349"/>
+          </a:xfrm>
+          <a:prstGeom prst="roundRect">
+            <a:avLst>
+              <a:gd name="adj" fmla="val 1568"/>
+            </a:avLst>
+          </a:prstGeom>
+          <a:solidFill>
+            <a:schemeClr val="bg1"/>
+          </a:solidFill>
+          <a:ln>
+            <a:noFill/>
+          </a:ln>
+          <a:effectLst>
+            <a:glow rad="228600">
+              <a:srgbClr val="02615A">
+                <a:alpha val="30000"/>
+              </a:srgbClr>
+            </a:glow>
+          </a:effectLst>
+        </p:spPr>
+        <p:style>
+          <a:lnRef idx="2">
+            <a:schemeClr val="accent1">
+              <a:shade val="50000"/>
+            </a:schemeClr>
+          </a:lnRef>
+          <a:fillRef idx="1">
+            <a:schemeClr val="accent1"/>
+          </a:fillRef>
+          <a:effectRef idx="0">
+            <a:schemeClr val="accent1"/>
+          </a:effectRef>
+          <a:fontRef idx="minor">
+            <a:schemeClr val="lt1"/>
+          </a:fontRef>
+        </p:style>
+        <p:txBody>
+          <a:bodyPr rtlCol="0" anchor="ctr"/>
+          <a:lstStyle/>
+          <a:p>
+            <a:pPr algn="ctr"/>
+            <a:endParaRPr lang="zh-CN" altLang="en-US"/>
+          </a:p>
+        </p:txBody>
+      </p:sp>
+      <p:sp>
+        <p:nvSpPr>
+          <p:cNvPr id="7" name="椭圆 6"/>
+          <p:cNvSpPr/>
+          <p:nvPr/>
+        </p:nvSpPr>
+        <p:spPr>
+          <a:xfrm>
+            <a:off x="1887301" y="2420811"/>
+            <a:ext cx="1592179" cy="1592179"/>
+          </a:xfrm>
+          <a:prstGeom prst="ellipse">
+            <a:avLst/>
+          </a:prstGeom>
+          <a:solidFill>
+            <a:srgbClr val="1C4885"/>
+          </a:solidFill>
+          <a:ln>
+            <a:noFill/>
+          </a:ln>
+        </p:spPr>
+        <p:style>
+          <a:lnRef idx="2">
+            <a:schemeClr val="accent1">
+              <a:shade val="50000"/>
+            </a:schemeClr>
+          </a:lnRef>
+          <a:fillRef idx="1">
+            <a:schemeClr val="accent1"/>
+          </a:fillRef>
+          <a:effectRef idx="0">
+            <a:schemeClr val="accent1"/>
+          </a:effectRef>
+          <a:fontRef idx="minor">
+            <a:schemeClr val="lt1"/>
+          </a:fontRef>
+        </p:style>
+        <p:txBody>
+          <a:bodyPr rtlCol="0" anchor="ctr"/>
+          <a:lstStyle/>
+          <a:p>
+            <a:pPr algn="ctr"/>
+            <a:r>
+              <a:rPr lang="en-US" altLang="zh-CN" sz="13800" b="1" dirty="0">
+                <a:solidFill>
+                  <a:schemeClr val="bg1"/>
+                </a:solidFill>
+                <a:latin typeface="FuturaBookC" pitchFamily="2" charset="-52"/>
+              </a:rPr>
+              <a:t>4</a:t>
+            </a:r>
+            <a:endParaRPr lang="zh-CN" altLang="en-US" sz="13800" b="1" dirty="0">
+              <a:solidFill>
+                <a:schemeClr val="bg1"/>
+              </a:solidFill>
+              <a:latin typeface="FuturaBookC" pitchFamily="2" charset="-52"/>
+            </a:endParaRPr>
+          </a:p>
+        </p:txBody>
+      </p:sp>
+      <p:sp>
+        <p:nvSpPr>
+          <p:cNvPr id="8" name="文本框 7"/>
+          <p:cNvSpPr txBox="1"/>
+          <p:nvPr/>
+        </p:nvSpPr>
+        <p:spPr>
+          <a:xfrm>
+            <a:off x="4476985" y="2420811"/>
+            <a:ext cx="5760360" cy="769441"/>
+          </a:xfrm>
+          <a:prstGeom prst="rect">
+            <a:avLst/>
+          </a:prstGeom>
+          <a:noFill/>
+        </p:spPr>
+        <p:txBody>
+          <a:bodyPr wrap="square" rtlCol="0">
+            <a:spAutoFit/>
+          </a:bodyPr>
+          <a:lstStyle/>
+          <a:p>
+            <a:pPr algn="just"/>
+            <a:r>
+              <a:rPr lang="en-US" altLang="zh-CN" sz="4400" b="1" dirty="0">
+                <a:effectLst/>
+              </a:rPr>
+              <a:t>bs</a:t>
+            </a:r>
+            <a:endParaRPr lang="en" altLang="zh-CN" sz="4400" dirty="0">
+              <a:effectLst/>
+            </a:endParaRPr>
           </a:p>
         </p:txBody>
       </p:sp>
       <p:cxnSp>
         <p:nvCxnSpPr>
-          <p:cNvPr id="11" name="直接连接符 10"/>
+          <p:cNvPr id="9" name="直接连接符 8"/>
           <p:cNvCxnSpPr/>
           <p:nvPr/>
         </p:nvCxnSpPr>
         <p:spPr>
           <a:xfrm>
-            <a:off x="5401597" y="3738717"/>
-            <a:ext cx="1388806" cy="0"/>
+            <a:off x="4663554" y="3428999"/>
+            <a:ext cx="1112406" cy="0"/>
           </a:xfrm>
           <a:prstGeom prst="line">
             <a:avLst/>
@@ -6292,16 +7350,106 @@
           </a:prstGeom>
         </p:spPr>
       </p:pic>
-      <p:sp>
-        <p:nvSpPr>
-          <p:cNvPr id="13" name="文本框 12"/>
+    </p:spTree>
+    <p:extLst>
+      <p:ext uri="{BB962C8B-B14F-4D97-AF65-F5344CB8AC3E}">
+        <p14:creationId xmlns:p14="http://schemas.microsoft.com/office/powerpoint/2010/main" val="252043003"/>
+      </p:ext>
+    </p:extLst>
+  </p:cSld>
+  <p:clrMapOvr>
+    <a:masterClrMapping/>
+  </p:clrMapOvr>
+  <mc:AlternateContent xmlns:mc="http://schemas.openxmlformats.org/markup-compatibility/2006" xmlns:p14="http://schemas.microsoft.com/office/powerpoint/2010/main">
+    <mc:Choice Requires="p14">
+      <p:transition p14:dur="10"/>
+    </mc:Choice>
+    <mc:Fallback xmlns="">
+      <p:transition/>
+    </mc:Fallback>
+  </mc:AlternateContent>
+</p:sld>
+</file>
+
+<file path=ppt/slides/slide17.xml><?xml version="1.0" encoding="utf-8"?>
+<p:sld xmlns:a="http://schemas.openxmlformats.org/drawingml/2006/main" xmlns:r="http://schemas.openxmlformats.org/officeDocument/2006/relationships" xmlns:p="http://schemas.openxmlformats.org/presentationml/2006/main">
+  <p:cSld>
+    <p:spTree>
+      <p:nvGrpSpPr>
+        <p:cNvPr id="1" name=""/>
+        <p:cNvGrpSpPr/>
+        <p:nvPr/>
+      </p:nvGrpSpPr>
+      <p:grpSpPr>
+        <a:xfrm>
+          <a:off x="0" y="0"/>
+          <a:ext cx="0" cy="0"/>
+          <a:chOff x="0" y="0"/>
+          <a:chExt cx="0" cy="0"/>
+        </a:xfrm>
+      </p:grpSpPr>
+      <p:sp>
+        <p:nvSpPr>
+          <p:cNvPr id="4" name="矩形 3"/>
+          <p:cNvSpPr/>
+          <p:nvPr/>
+        </p:nvSpPr>
+        <p:spPr>
+          <a:xfrm>
+            <a:off x="10004402" y="5031860"/>
+            <a:ext cx="1961536" cy="1696064"/>
+          </a:xfrm>
+          <a:prstGeom prst="rect">
+            <a:avLst/>
+          </a:prstGeom>
+          <a:solidFill>
+            <a:srgbClr val="1C4885"/>
+          </a:solidFill>
+          <a:ln>
+            <a:noFill/>
+          </a:ln>
+        </p:spPr>
+        <p:style>
+          <a:lnRef idx="2">
+            <a:schemeClr val="accent1">
+              <a:shade val="50000"/>
+            </a:schemeClr>
+          </a:lnRef>
+          <a:fillRef idx="1">
+            <a:schemeClr val="accent1"/>
+          </a:fillRef>
+          <a:effectRef idx="0">
+            <a:schemeClr val="accent1"/>
+          </a:effectRef>
+          <a:fontRef idx="minor">
+            <a:schemeClr val="lt1"/>
+          </a:fontRef>
+        </p:style>
+        <p:txBody>
+          <a:bodyPr rtlCol="0" anchor="ctr"/>
+          <a:lstStyle/>
+          <a:p>
+            <a:pPr algn="ctr"/>
+            <a:endParaRPr lang="zh-CN" altLang="en-US"/>
+          </a:p>
+        </p:txBody>
+      </p:sp>
+      <p:sp>
+        <p:nvSpPr>
+          <p:cNvPr id="3" name="文本框 2">
+            <a:extLst>
+              <a:ext uri="{FF2B5EF4-FFF2-40B4-BE49-F238E27FC236}">
+                <a16:creationId xmlns:a16="http://schemas.microsoft.com/office/drawing/2014/main" id="{D7D7297B-773A-E841-B179-879FA0CEF0A4}"/>
+              </a:ext>
+            </a:extLst>
+          </p:cNvPr>
           <p:cNvSpPr txBox="1"/>
           <p:nvPr/>
         </p:nvSpPr>
         <p:spPr>
           <a:xfrm>
-            <a:off x="2718928" y="2827444"/>
-            <a:ext cx="6754145" cy="369332"/>
+            <a:off x="172387" y="175096"/>
+            <a:ext cx="6378314" cy="338554"/>
           </a:xfrm>
           <a:prstGeom prst="rect">
             <a:avLst/>
@@ -6309,29 +7457,631 @@
           <a:noFill/>
         </p:spPr>
         <p:txBody>
+          <a:bodyPr wrap="square">
+            <a:spAutoFit/>
+          </a:bodyPr>
+          <a:lstStyle/>
+          <a:p>
+            <a:pPr algn="l"/>
+            <a:r>
+              <a:rPr lang="en" altLang="zh-CN" sz="1600" b="1" i="0" u="none" strike="noStrike" dirty="0" err="1">
+                <a:solidFill>
+                  <a:srgbClr val="333333"/>
+                </a:solidFill>
+                <a:effectLst/>
+                <a:latin typeface="Open Sans" panose="020B0606030504020204" pitchFamily="34" charset="0"/>
+              </a:rPr>
+              <a:t>SimiBsServiceImpl</a:t>
+            </a:r>
+            <a:r>
+              <a:rPr lang="en" altLang="zh-CN" sz="1600" b="1" i="0" u="none" strike="noStrike" dirty="0">
+                <a:solidFill>
+                  <a:srgbClr val="333333"/>
+                </a:solidFill>
+                <a:effectLst/>
+                <a:latin typeface="Open Sans" panose="020B0606030504020204" pitchFamily="34" charset="0"/>
+              </a:rPr>
+              <a:t>::search</a:t>
+            </a:r>
+          </a:p>
+        </p:txBody>
+      </p:sp>
+      <p:pic>
+        <p:nvPicPr>
+          <p:cNvPr id="5" name="图片 4">
+            <a:extLst>
+              <a:ext uri="{FF2B5EF4-FFF2-40B4-BE49-F238E27FC236}">
+                <a16:creationId xmlns:a16="http://schemas.microsoft.com/office/drawing/2014/main" id="{17122398-CD63-38C7-AEFD-879BBB979B74}"/>
+              </a:ext>
+            </a:extLst>
+          </p:cNvPr>
+          <p:cNvPicPr>
+            <a:picLocks noChangeAspect="1"/>
+          </p:cNvPicPr>
+          <p:nvPr/>
+        </p:nvPicPr>
+        <p:blipFill>
+          <a:blip r:embed="rId3">
+            <a:extLst>
+              <a:ext uri="{28A0092B-C50C-407E-A947-70E740481C1C}">
+                <a14:useLocalDpi xmlns:a14="http://schemas.microsoft.com/office/drawing/2010/main" val="0"/>
+              </a:ext>
+            </a:extLst>
+          </a:blip>
+          <a:stretch>
+            <a:fillRect/>
+          </a:stretch>
+        </p:blipFill>
+        <p:spPr>
+          <a:xfrm>
+            <a:off x="3434862" y="0"/>
+            <a:ext cx="5453673" cy="6477000"/>
+          </a:xfrm>
+          <a:prstGeom prst="rect">
+            <a:avLst/>
+          </a:prstGeom>
+        </p:spPr>
+      </p:pic>
+      <p:sp>
+        <p:nvSpPr>
+          <p:cNvPr id="6" name="矩形 5">
+            <a:extLst>
+              <a:ext uri="{FF2B5EF4-FFF2-40B4-BE49-F238E27FC236}">
+                <a16:creationId xmlns:a16="http://schemas.microsoft.com/office/drawing/2014/main" id="{E361B2E6-FBAF-F3E9-C4B1-A50594387776}"/>
+              </a:ext>
+            </a:extLst>
+          </p:cNvPr>
+          <p:cNvSpPr/>
+          <p:nvPr/>
+        </p:nvSpPr>
+        <p:spPr>
+          <a:xfrm>
+            <a:off x="6986954" y="513650"/>
+            <a:ext cx="2485292" cy="2311612"/>
+          </a:xfrm>
+          <a:prstGeom prst="rect">
+            <a:avLst/>
+          </a:prstGeom>
+          <a:noFill/>
+          <a:ln w="38100">
+            <a:solidFill>
+              <a:srgbClr val="FF0000"/>
+            </a:solidFill>
+          </a:ln>
+        </p:spPr>
+        <p:style>
+          <a:lnRef idx="2">
+            <a:schemeClr val="accent1">
+              <a:shade val="50000"/>
+            </a:schemeClr>
+          </a:lnRef>
+          <a:fillRef idx="1">
+            <a:schemeClr val="accent1"/>
+          </a:fillRef>
+          <a:effectRef idx="0">
+            <a:schemeClr val="accent1"/>
+          </a:effectRef>
+          <a:fontRef idx="minor">
+            <a:schemeClr val="lt1"/>
+          </a:fontRef>
+        </p:style>
+        <p:txBody>
+          <a:bodyPr rtlCol="0" anchor="ctr"/>
+          <a:lstStyle/>
+          <a:p>
+            <a:pPr algn="ctr"/>
+            <a:endParaRPr kumimoji="1" lang="zh-CN" altLang="en-US" dirty="0"/>
+          </a:p>
+        </p:txBody>
+      </p:sp>
+      <p:sp>
+        <p:nvSpPr>
+          <p:cNvPr id="8" name="文本框 7">
+            <a:extLst>
+              <a:ext uri="{FF2B5EF4-FFF2-40B4-BE49-F238E27FC236}">
+                <a16:creationId xmlns:a16="http://schemas.microsoft.com/office/drawing/2014/main" id="{EFD59375-73AC-D359-EDA2-4214600C4CC5}"/>
+              </a:ext>
+            </a:extLst>
+          </p:cNvPr>
+          <p:cNvSpPr txBox="1"/>
+          <p:nvPr/>
+        </p:nvSpPr>
+        <p:spPr>
+          <a:xfrm>
+            <a:off x="9800493" y="1456808"/>
+            <a:ext cx="1812740" cy="369332"/>
+          </a:xfrm>
+          <a:prstGeom prst="rect">
+            <a:avLst/>
+          </a:prstGeom>
+          <a:noFill/>
+        </p:spPr>
+        <p:txBody>
+          <a:bodyPr wrap="none" rtlCol="0">
+            <a:spAutoFit/>
+          </a:bodyPr>
+          <a:lstStyle/>
+          <a:p>
+            <a:r>
+              <a:rPr kumimoji="1" lang="en-US" altLang="zh-CN" dirty="0" err="1"/>
+              <a:t>get_loc_by_id</a:t>
+            </a:r>
+            <a:endParaRPr kumimoji="1" lang="zh-CN" altLang="en-US" dirty="0"/>
+          </a:p>
+        </p:txBody>
+      </p:sp>
+      <p:sp>
+        <p:nvSpPr>
+          <p:cNvPr id="9" name="矩形 8">
+            <a:extLst>
+              <a:ext uri="{FF2B5EF4-FFF2-40B4-BE49-F238E27FC236}">
+                <a16:creationId xmlns:a16="http://schemas.microsoft.com/office/drawing/2014/main" id="{F237B3CB-588E-C0F5-1B83-D8FA764D803F}"/>
+              </a:ext>
+            </a:extLst>
+          </p:cNvPr>
+          <p:cNvSpPr/>
+          <p:nvPr/>
+        </p:nvSpPr>
+        <p:spPr>
+          <a:xfrm>
+            <a:off x="7233138" y="3238500"/>
+            <a:ext cx="2110154" cy="2927838"/>
+          </a:xfrm>
+          <a:prstGeom prst="rect">
+            <a:avLst/>
+          </a:prstGeom>
+          <a:noFill/>
+          <a:ln w="38100">
+            <a:solidFill>
+              <a:schemeClr val="accent4"/>
+            </a:solidFill>
+          </a:ln>
+        </p:spPr>
+        <p:style>
+          <a:lnRef idx="2">
+            <a:schemeClr val="accent1">
+              <a:shade val="50000"/>
+            </a:schemeClr>
+          </a:lnRef>
+          <a:fillRef idx="1">
+            <a:schemeClr val="accent1"/>
+          </a:fillRef>
+          <a:effectRef idx="0">
+            <a:schemeClr val="accent1"/>
+          </a:effectRef>
+          <a:fontRef idx="minor">
+            <a:schemeClr val="lt1"/>
+          </a:fontRef>
+        </p:style>
+        <p:txBody>
+          <a:bodyPr rtlCol="0" anchor="ctr"/>
+          <a:lstStyle/>
+          <a:p>
+            <a:pPr algn="ctr"/>
+            <a:endParaRPr kumimoji="1" lang="zh-CN" altLang="en-US"/>
+          </a:p>
+        </p:txBody>
+      </p:sp>
+      <p:sp>
+        <p:nvSpPr>
+          <p:cNvPr id="10" name="文本框 9">
+            <a:extLst>
+              <a:ext uri="{FF2B5EF4-FFF2-40B4-BE49-F238E27FC236}">
+                <a16:creationId xmlns:a16="http://schemas.microsoft.com/office/drawing/2014/main" id="{BEA7AB01-CBA9-4267-FDFE-B33620E36F43}"/>
+              </a:ext>
+            </a:extLst>
+          </p:cNvPr>
+          <p:cNvSpPr txBox="1"/>
+          <p:nvPr/>
+        </p:nvSpPr>
+        <p:spPr>
+          <a:xfrm>
+            <a:off x="9548734" y="3747541"/>
+            <a:ext cx="2475934" cy="369332"/>
+          </a:xfrm>
+          <a:prstGeom prst="rect">
+            <a:avLst/>
+          </a:prstGeom>
+          <a:noFill/>
+        </p:spPr>
+        <p:txBody>
+          <a:bodyPr wrap="none" rtlCol="0">
+            <a:spAutoFit/>
+          </a:bodyPr>
+          <a:lstStyle/>
+          <a:p>
+            <a:r>
+              <a:rPr kumimoji="1" lang="en-US" altLang="zh-CN" dirty="0" err="1"/>
+              <a:t>KvDB</a:t>
+            </a:r>
+            <a:r>
+              <a:rPr kumimoji="1" lang="en-US" altLang="zh-CN" dirty="0"/>
+              <a:t>::</a:t>
+            </a:r>
+            <a:r>
+              <a:rPr kumimoji="1" lang="en-US" altLang="zh-CN" dirty="0" err="1"/>
+              <a:t>batch_select</a:t>
+            </a:r>
+            <a:endParaRPr kumimoji="1" lang="zh-CN" altLang="en-US" dirty="0"/>
+          </a:p>
+        </p:txBody>
+      </p:sp>
+    </p:spTree>
+    <p:extLst>
+      <p:ext uri="{BB962C8B-B14F-4D97-AF65-F5344CB8AC3E}">
+        <p14:creationId xmlns:p14="http://schemas.microsoft.com/office/powerpoint/2010/main" val="3210403683"/>
+      </p:ext>
+    </p:extLst>
+  </p:cSld>
+  <p:clrMapOvr>
+    <a:masterClrMapping/>
+  </p:clrMapOvr>
+  <mc:AlternateContent xmlns:mc="http://schemas.openxmlformats.org/markup-compatibility/2006" xmlns:p14="http://schemas.microsoft.com/office/powerpoint/2010/main">
+    <mc:Choice Requires="p14">
+      <p:transition p14:dur="10"/>
+    </mc:Choice>
+    <mc:Fallback xmlns="">
+      <p:transition/>
+    </mc:Fallback>
+  </mc:AlternateContent>
+</p:sld>
+</file>
+
+<file path=ppt/slides/slide18.xml><?xml version="1.0" encoding="utf-8"?>
+<p:sld xmlns:a="http://schemas.openxmlformats.org/drawingml/2006/main" xmlns:r="http://schemas.openxmlformats.org/officeDocument/2006/relationships" xmlns:p="http://schemas.openxmlformats.org/presentationml/2006/main">
+  <p:cSld>
+    <p:spTree>
+      <p:nvGrpSpPr>
+        <p:cNvPr id="1" name=""/>
+        <p:cNvGrpSpPr/>
+        <p:nvPr/>
+      </p:nvGrpSpPr>
+      <p:grpSpPr>
+        <a:xfrm>
+          <a:off x="0" y="0"/>
+          <a:ext cx="0" cy="0"/>
+          <a:chOff x="0" y="0"/>
+          <a:chExt cx="0" cy="0"/>
+        </a:xfrm>
+      </p:grpSpPr>
+      <p:sp>
+        <p:nvSpPr>
+          <p:cNvPr id="4" name="矩形 3"/>
+          <p:cNvSpPr/>
+          <p:nvPr/>
+        </p:nvSpPr>
+        <p:spPr>
+          <a:xfrm>
+            <a:off x="9984658" y="4866967"/>
+            <a:ext cx="1961536" cy="1696064"/>
+          </a:xfrm>
+          <a:prstGeom prst="rect">
+            <a:avLst/>
+          </a:prstGeom>
+          <a:solidFill>
+            <a:srgbClr val="1C4885"/>
+          </a:solidFill>
+          <a:ln>
+            <a:noFill/>
+          </a:ln>
+        </p:spPr>
+        <p:style>
+          <a:lnRef idx="2">
+            <a:schemeClr val="accent1">
+              <a:shade val="50000"/>
+            </a:schemeClr>
+          </a:lnRef>
+          <a:fillRef idx="1">
+            <a:schemeClr val="accent1"/>
+          </a:fillRef>
+          <a:effectRef idx="0">
+            <a:schemeClr val="accent1"/>
+          </a:effectRef>
+          <a:fontRef idx="minor">
+            <a:schemeClr val="lt1"/>
+          </a:fontRef>
+        </p:style>
+        <p:txBody>
+          <a:bodyPr rtlCol="0" anchor="ctr"/>
+          <a:lstStyle/>
+          <a:p>
+            <a:pPr algn="ctr"/>
+            <a:endParaRPr lang="zh-CN" altLang="en-US"/>
+          </a:p>
+        </p:txBody>
+      </p:sp>
+      <p:sp>
+        <p:nvSpPr>
+          <p:cNvPr id="5" name="矩形 4"/>
+          <p:cNvSpPr/>
+          <p:nvPr/>
+        </p:nvSpPr>
+        <p:spPr>
+          <a:xfrm>
+            <a:off x="245805" y="294968"/>
+            <a:ext cx="1961536" cy="1696064"/>
+          </a:xfrm>
+          <a:prstGeom prst="rect">
+            <a:avLst/>
+          </a:prstGeom>
+          <a:solidFill>
+            <a:srgbClr val="1C4885"/>
+          </a:solidFill>
+          <a:ln>
+            <a:noFill/>
+          </a:ln>
+        </p:spPr>
+        <p:style>
+          <a:lnRef idx="2">
+            <a:schemeClr val="accent1">
+              <a:shade val="50000"/>
+            </a:schemeClr>
+          </a:lnRef>
+          <a:fillRef idx="1">
+            <a:schemeClr val="accent1"/>
+          </a:fillRef>
+          <a:effectRef idx="0">
+            <a:schemeClr val="accent1"/>
+          </a:effectRef>
+          <a:fontRef idx="minor">
+            <a:schemeClr val="lt1"/>
+          </a:fontRef>
+        </p:style>
+        <p:txBody>
+          <a:bodyPr rtlCol="0" anchor="ctr"/>
+          <a:lstStyle/>
+          <a:p>
+            <a:pPr algn="ctr"/>
+            <a:endParaRPr lang="zh-CN" altLang="en-US"/>
+          </a:p>
+        </p:txBody>
+      </p:sp>
+      <p:sp>
+        <p:nvSpPr>
+          <p:cNvPr id="6" name="矩形 5"/>
+          <p:cNvSpPr/>
+          <p:nvPr/>
+        </p:nvSpPr>
+        <p:spPr>
+          <a:xfrm>
+            <a:off x="245805" y="4866967"/>
+            <a:ext cx="1961536" cy="1696064"/>
+          </a:xfrm>
+          <a:prstGeom prst="rect">
+            <a:avLst/>
+          </a:prstGeom>
+          <a:solidFill>
+            <a:srgbClr val="1C4885"/>
+          </a:solidFill>
+          <a:ln>
+            <a:noFill/>
+          </a:ln>
+        </p:spPr>
+        <p:style>
+          <a:lnRef idx="2">
+            <a:schemeClr val="accent1">
+              <a:shade val="50000"/>
+            </a:schemeClr>
+          </a:lnRef>
+          <a:fillRef idx="1">
+            <a:schemeClr val="accent1"/>
+          </a:fillRef>
+          <a:effectRef idx="0">
+            <a:schemeClr val="accent1"/>
+          </a:effectRef>
+          <a:fontRef idx="minor">
+            <a:schemeClr val="lt1"/>
+          </a:fontRef>
+        </p:style>
+        <p:txBody>
+          <a:bodyPr rtlCol="0" anchor="ctr"/>
+          <a:lstStyle/>
+          <a:p>
+            <a:pPr algn="ctr"/>
+            <a:endParaRPr lang="zh-CN" altLang="en-US"/>
+          </a:p>
+        </p:txBody>
+      </p:sp>
+      <p:sp>
+        <p:nvSpPr>
+          <p:cNvPr id="7" name="矩形 6"/>
+          <p:cNvSpPr/>
+          <p:nvPr/>
+        </p:nvSpPr>
+        <p:spPr>
+          <a:xfrm>
+            <a:off x="9984658" y="294968"/>
+            <a:ext cx="1961536" cy="1696064"/>
+          </a:xfrm>
+          <a:prstGeom prst="rect">
+            <a:avLst/>
+          </a:prstGeom>
+          <a:solidFill>
+            <a:srgbClr val="1C4885"/>
+          </a:solidFill>
+          <a:ln>
+            <a:noFill/>
+          </a:ln>
+        </p:spPr>
+        <p:style>
+          <a:lnRef idx="2">
+            <a:schemeClr val="accent1">
+              <a:shade val="50000"/>
+            </a:schemeClr>
+          </a:lnRef>
+          <a:fillRef idx="1">
+            <a:schemeClr val="accent1"/>
+          </a:fillRef>
+          <a:effectRef idx="0">
+            <a:schemeClr val="accent1"/>
+          </a:effectRef>
+          <a:fontRef idx="minor">
+            <a:schemeClr val="lt1"/>
+          </a:fontRef>
+        </p:style>
+        <p:txBody>
+          <a:bodyPr rtlCol="0" anchor="ctr"/>
+          <a:lstStyle/>
+          <a:p>
+            <a:pPr algn="ctr"/>
+            <a:endParaRPr lang="zh-CN" altLang="en-US"/>
+          </a:p>
+        </p:txBody>
+      </p:sp>
+      <p:sp>
+        <p:nvSpPr>
+          <p:cNvPr id="8" name="圆角矩形 7"/>
+          <p:cNvSpPr/>
+          <p:nvPr/>
+        </p:nvSpPr>
+        <p:spPr>
+          <a:xfrm>
+            <a:off x="403122" y="405580"/>
+            <a:ext cx="11385755" cy="5958349"/>
+          </a:xfrm>
+          <a:prstGeom prst="roundRect">
+            <a:avLst>
+              <a:gd name="adj" fmla="val 1568"/>
+            </a:avLst>
+          </a:prstGeom>
+          <a:solidFill>
+            <a:schemeClr val="bg1"/>
+          </a:solidFill>
+          <a:ln>
+            <a:noFill/>
+          </a:ln>
+          <a:effectLst>
+            <a:glow rad="228600">
+              <a:schemeClr val="tx1">
+                <a:alpha val="30000"/>
+              </a:schemeClr>
+            </a:glow>
+          </a:effectLst>
+        </p:spPr>
+        <p:style>
+          <a:lnRef idx="2">
+            <a:schemeClr val="accent1">
+              <a:shade val="50000"/>
+            </a:schemeClr>
+          </a:lnRef>
+          <a:fillRef idx="1">
+            <a:schemeClr val="accent1"/>
+          </a:fillRef>
+          <a:effectRef idx="0">
+            <a:schemeClr val="accent1"/>
+          </a:effectRef>
+          <a:fontRef idx="minor">
+            <a:schemeClr val="lt1"/>
+          </a:fontRef>
+        </p:style>
+        <p:txBody>
+          <a:bodyPr rtlCol="0" anchor="ctr"/>
+          <a:lstStyle/>
+          <a:p>
+            <a:pPr algn="ctr"/>
+            <a:endParaRPr lang="zh-CN" altLang="en-US"/>
+          </a:p>
+        </p:txBody>
+      </p:sp>
+      <p:cxnSp>
+        <p:nvCxnSpPr>
+          <p:cNvPr id="11" name="直接连接符 10"/>
+          <p:cNvCxnSpPr/>
+          <p:nvPr/>
+        </p:nvCxnSpPr>
+        <p:spPr>
+          <a:xfrm>
+            <a:off x="5401597" y="3738717"/>
+            <a:ext cx="1388806" cy="0"/>
+          </a:xfrm>
+          <a:prstGeom prst="line">
+            <a:avLst/>
+          </a:prstGeom>
+          <a:ln w="25400">
+            <a:solidFill>
+              <a:schemeClr val="bg1">
+                <a:lumMod val="50000"/>
+              </a:schemeClr>
+            </a:solidFill>
+          </a:ln>
+        </p:spPr>
+        <p:style>
+          <a:lnRef idx="1">
+            <a:schemeClr val="accent1"/>
+          </a:lnRef>
+          <a:fillRef idx="0">
+            <a:schemeClr val="accent1"/>
+          </a:fillRef>
+          <a:effectRef idx="0">
+            <a:schemeClr val="accent1"/>
+          </a:effectRef>
+          <a:fontRef idx="minor">
+            <a:schemeClr val="tx1"/>
+          </a:fontRef>
+        </p:style>
+      </p:cxnSp>
+      <p:pic>
+        <p:nvPicPr>
+          <p:cNvPr id="12" name="图片 11"/>
+          <p:cNvPicPr>
+            <a:picLocks noChangeAspect="1"/>
+          </p:cNvPicPr>
+          <p:nvPr/>
+        </p:nvPicPr>
+        <p:blipFill>
+          <a:blip r:embed="rId3" cstate="print">
+            <a:extLst>
+              <a:ext uri="{28A0092B-C50C-407E-A947-70E740481C1C}">
+                <a14:useLocalDpi xmlns:a14="http://schemas.microsoft.com/office/drawing/2010/main" val="0"/>
+              </a:ext>
+            </a:extLst>
+          </a:blip>
+          <a:stretch>
+            <a:fillRect/>
+          </a:stretch>
+        </p:blipFill>
+        <p:spPr>
+          <a:xfrm>
+            <a:off x="10557385" y="734960"/>
+            <a:ext cx="816082" cy="816080"/>
+          </a:xfrm>
+          <a:prstGeom prst="rect">
+            <a:avLst/>
+          </a:prstGeom>
+        </p:spPr>
+      </p:pic>
+      <p:sp>
+        <p:nvSpPr>
+          <p:cNvPr id="2" name="文本框 1">
+            <a:extLst>
+              <a:ext uri="{FF2B5EF4-FFF2-40B4-BE49-F238E27FC236}">
+                <a16:creationId xmlns:a16="http://schemas.microsoft.com/office/drawing/2014/main" id="{5A17981D-84D4-8B08-D23A-F72B3D68AFAA}"/>
+              </a:ext>
+            </a:extLst>
+          </p:cNvPr>
+          <p:cNvSpPr txBox="1"/>
+          <p:nvPr/>
+        </p:nvSpPr>
+        <p:spPr>
+          <a:xfrm>
+            <a:off x="5545016" y="2726505"/>
+            <a:ext cx="3118338" cy="523220"/>
+          </a:xfrm>
+          <a:prstGeom prst="rect">
+            <a:avLst/>
+          </a:prstGeom>
+          <a:noFill/>
+        </p:spPr>
+        <p:txBody>
           <a:bodyPr wrap="square" rtlCol="0">
             <a:spAutoFit/>
           </a:bodyPr>
           <a:lstStyle/>
           <a:p>
-            <a:pPr algn="dist"/>
-            <a:r>
-              <a:rPr lang="en-US" altLang="zh-CN" dirty="0">
-                <a:solidFill>
-                  <a:srgbClr val="1C4885"/>
-                </a:solidFill>
-                <a:latin typeface="微软雅黑" panose="020B0503020204020204" pitchFamily="34" charset="-122"/>
-                <a:ea typeface="微软雅黑" panose="020B0503020204020204" pitchFamily="34" charset="-122"/>
-              </a:rPr>
-              <a:t>BLUE THESIS PROPOSAL TEMPLATE</a:t>
-            </a:r>
-            <a:endParaRPr lang="zh-CN" altLang="en-US" dirty="0">
-              <a:solidFill>
-                <a:srgbClr val="1C4885"/>
-              </a:solidFill>
-              <a:latin typeface="微软雅黑" panose="020B0503020204020204" pitchFamily="34" charset="-122"/>
-              <a:ea typeface="微软雅黑" panose="020B0503020204020204" pitchFamily="34" charset="-122"/>
-            </a:endParaRPr>
+            <a:r>
+              <a:rPr kumimoji="1" lang="zh-CN" altLang="en-US" sz="2800" dirty="0"/>
+              <a:t>谢谢！</a:t>
+            </a:r>
           </a:p>
         </p:txBody>
       </p:sp>
@@ -6516,8 +8266,8 @@
         </p:nvSpPr>
         <p:spPr>
           <a:xfrm>
-            <a:off x="1908283" y="3112512"/>
-            <a:ext cx="643774" cy="643774"/>
+            <a:off x="2119299" y="2288994"/>
+            <a:ext cx="764496" cy="643774"/>
           </a:xfrm>
           <a:prstGeom prst="ellipse">
             <a:avLst/>
@@ -6555,7 +8305,9 @@
                 <a:solidFill>
                   <a:schemeClr val="bg1"/>
                 </a:solidFill>
-                <a:latin typeface="FuturaBookC" charset="-52"/>
+                <a:latin typeface="Times New Roman" panose="02020603050405020304" pitchFamily="18" charset="0"/>
+                <a:ea typeface="Menlo" panose="020B0609030804020204" pitchFamily="49" charset="0"/>
+                <a:cs typeface="Times New Roman" panose="02020603050405020304" pitchFamily="18" charset="0"/>
               </a:rPr>
               <a:t>01</a:t>
             </a:r>
@@ -6563,7 +8315,8 @@
               <a:solidFill>
                 <a:schemeClr val="bg1"/>
               </a:solidFill>
-              <a:latin typeface="FuturaBookC" charset="-52"/>
+              <a:latin typeface="Times New Roman" panose="02020603050405020304" pitchFamily="18" charset="0"/>
+              <a:cs typeface="Times New Roman" panose="02020603050405020304" pitchFamily="18" charset="0"/>
             </a:endParaRPr>
           </a:p>
         </p:txBody>
@@ -6576,8 +8329,8 @@
         </p:nvSpPr>
         <p:spPr>
           <a:xfrm>
-            <a:off x="2672779" y="3105175"/>
-            <a:ext cx="3701845" cy="830997"/>
+            <a:off x="2883795" y="2281657"/>
+            <a:ext cx="4396024" cy="830997"/>
           </a:xfrm>
           <a:prstGeom prst="rect">
             <a:avLst/>
@@ -6591,31 +8344,44 @@
           <a:lstStyle/>
           <a:p>
             <a:r>
-              <a:rPr lang="en" altLang="zh-CN" sz="2400" dirty="0">
+              <a:rPr lang="en" altLang="zh-CN" sz="2400" b="1" dirty="0">
                 <a:effectLst/>
+                <a:latin typeface="Times New Roman" panose="02020603050405020304" pitchFamily="18" charset="0"/>
+                <a:ea typeface="Menlo" panose="020B0609030804020204" pitchFamily="49" charset="0"/>
+                <a:cs typeface="Times New Roman" panose="02020603050405020304" pitchFamily="18" charset="0"/>
               </a:rPr>
               <a:t>Odyssey</a:t>
             </a:r>
             <a:r>
-              <a:rPr lang="zh-CN" altLang="en" sz="2400" dirty="0">
+              <a:rPr lang="zh-CN" altLang="en" sz="2400" b="1" dirty="0">
                 <a:effectLst/>
+                <a:latin typeface="Times New Roman" panose="02020603050405020304" pitchFamily="18" charset="0"/>
+                <a:cs typeface="Times New Roman" panose="02020603050405020304" pitchFamily="18" charset="0"/>
               </a:rPr>
               <a:t>概述</a:t>
             </a:r>
             <a:r>
-              <a:rPr lang="zh-CN" altLang="en-US" sz="2400" dirty="0">
+              <a:rPr lang="zh-CN" altLang="en-US" sz="2400" b="1" dirty="0">
                 <a:effectLst/>
+                <a:latin typeface="Times New Roman" panose="02020603050405020304" pitchFamily="18" charset="0"/>
+                <a:cs typeface="Times New Roman" panose="02020603050405020304" pitchFamily="18" charset="0"/>
               </a:rPr>
               <a:t>及检索流程</a:t>
             </a:r>
-            <a:endParaRPr lang="en" altLang="zh-CN" sz="2400" dirty="0">
+            <a:endParaRPr lang="en" altLang="zh-CN" sz="2400" b="1" dirty="0">
               <a:effectLst/>
+              <a:latin typeface="Times New Roman" panose="02020603050405020304" pitchFamily="18" charset="0"/>
+              <a:ea typeface="Menlo" panose="020B0609030804020204" pitchFamily="49" charset="0"/>
+              <a:cs typeface="Times New Roman" panose="02020603050405020304" pitchFamily="18" charset="0"/>
             </a:endParaRPr>
           </a:p>
           <a:p>
             <a:pPr algn="l"/>
-            <a:endParaRPr lang="en" altLang="zh-CN" sz="2400" dirty="0">
+            <a:endParaRPr lang="en" altLang="zh-CN" sz="2400" b="1" dirty="0">
               <a:effectLst/>
+              <a:latin typeface="Times New Roman" panose="02020603050405020304" pitchFamily="18" charset="0"/>
+              <a:ea typeface="Menlo" panose="020B0609030804020204" pitchFamily="49" charset="0"/>
+              <a:cs typeface="Times New Roman" panose="02020603050405020304" pitchFamily="18" charset="0"/>
             </a:endParaRPr>
           </a:p>
         </p:txBody>
@@ -6628,8 +8394,8 @@
         </p:nvSpPr>
         <p:spPr>
           <a:xfrm>
-            <a:off x="6495346" y="3112512"/>
-            <a:ext cx="643774" cy="643774"/>
+            <a:off x="6706362" y="2288994"/>
+            <a:ext cx="764496" cy="643774"/>
           </a:xfrm>
           <a:prstGeom prst="ellipse">
             <a:avLst/>
@@ -6667,7 +8433,9 @@
                 <a:solidFill>
                   <a:schemeClr val="bg1"/>
                 </a:solidFill>
-                <a:latin typeface="FuturaBookC" charset="-52"/>
+                <a:latin typeface="Times New Roman" panose="02020603050405020304" pitchFamily="18" charset="0"/>
+                <a:ea typeface="Menlo" panose="020B0609030804020204" pitchFamily="49" charset="0"/>
+                <a:cs typeface="Times New Roman" panose="02020603050405020304" pitchFamily="18" charset="0"/>
               </a:rPr>
               <a:t>02</a:t>
             </a:r>
@@ -6675,7 +8443,8 @@
               <a:solidFill>
                 <a:schemeClr val="bg1"/>
               </a:solidFill>
-              <a:latin typeface="FuturaBookC" charset="-52"/>
+              <a:latin typeface="Times New Roman" panose="02020603050405020304" pitchFamily="18" charset="0"/>
+              <a:cs typeface="Times New Roman" panose="02020603050405020304" pitchFamily="18" charset="0"/>
             </a:endParaRPr>
           </a:p>
         </p:txBody>
@@ -6688,7 +8457,7 @@
         </p:nvSpPr>
         <p:spPr>
           <a:xfrm>
-            <a:off x="7259842" y="3105175"/>
+            <a:off x="7470858" y="2281657"/>
             <a:ext cx="3701845" cy="830997"/>
           </a:xfrm>
           <a:prstGeom prst="rect">
@@ -6706,18 +8475,23 @@
             <a:r>
               <a:rPr lang="en" altLang="zh-CN" sz="2400" b="1" dirty="0">
                 <a:effectLst/>
+                <a:latin typeface="Times New Roman" panose="02020603050405020304" pitchFamily="18" charset="0"/>
+                <a:cs typeface="Times New Roman" panose="02020603050405020304" pitchFamily="18" charset="0"/>
               </a:rPr>
               <a:t>phantom-server</a:t>
             </a:r>
             <a:endParaRPr lang="en" altLang="zh-CN" sz="2400" dirty="0">
               <a:effectLst/>
+              <a:latin typeface="Times New Roman" panose="02020603050405020304" pitchFamily="18" charset="0"/>
+              <a:cs typeface="Times New Roman" panose="02020603050405020304" pitchFamily="18" charset="0"/>
             </a:endParaRPr>
           </a:p>
           <a:p>
             <a:pPr algn="just"/>
             <a:endParaRPr lang="zh-CN" altLang="en-US" sz="2400" dirty="0">
-              <a:latin typeface="FZZhengHeiS-DB-GB" panose="02000000000000000000" pitchFamily="2" charset="0"/>
+              <a:latin typeface="Times New Roman" panose="02020603050405020304" pitchFamily="18" charset="0"/>
               <a:ea typeface="FZZhengHeiS-DB-GB" panose="02000000000000000000" pitchFamily="2" charset="0"/>
+              <a:cs typeface="Times New Roman" panose="02020603050405020304" pitchFamily="18" charset="0"/>
             </a:endParaRPr>
           </a:p>
         </p:txBody>
@@ -6730,8 +8504,8 @@
         </p:nvSpPr>
         <p:spPr>
           <a:xfrm>
-            <a:off x="1908283" y="4355250"/>
-            <a:ext cx="643774" cy="643774"/>
+            <a:off x="2119299" y="3531732"/>
+            <a:ext cx="764496" cy="643774"/>
           </a:xfrm>
           <a:prstGeom prst="ellipse">
             <a:avLst/>
@@ -6769,7 +8543,9 @@
                 <a:solidFill>
                   <a:schemeClr val="bg1"/>
                 </a:solidFill>
-                <a:latin typeface="FuturaBookC" charset="-52"/>
+                <a:latin typeface="Times New Roman" panose="02020603050405020304" pitchFamily="18" charset="0"/>
+                <a:ea typeface="Menlo" panose="020B0609030804020204" pitchFamily="49" charset="0"/>
+                <a:cs typeface="Times New Roman" panose="02020603050405020304" pitchFamily="18" charset="0"/>
               </a:rPr>
               <a:t>03</a:t>
             </a:r>
@@ -6777,7 +8553,8 @@
               <a:solidFill>
                 <a:schemeClr val="bg1"/>
               </a:solidFill>
-              <a:latin typeface="FuturaBookC" charset="-52"/>
+              <a:latin typeface="Times New Roman" panose="02020603050405020304" pitchFamily="18" charset="0"/>
+              <a:cs typeface="Times New Roman" panose="02020603050405020304" pitchFamily="18" charset="0"/>
             </a:endParaRPr>
           </a:p>
         </p:txBody>
@@ -6790,8 +8567,8 @@
         </p:nvSpPr>
         <p:spPr>
           <a:xfrm>
-            <a:off x="2672779" y="4347913"/>
-            <a:ext cx="3701845" cy="461665"/>
+            <a:off x="2883795" y="3524395"/>
+            <a:ext cx="4396024" cy="461665"/>
           </a:xfrm>
           <a:prstGeom prst="rect">
             <a:avLst/>
@@ -6808,11 +8585,17 @@
             <a:r>
               <a:rPr lang="en" altLang="zh-CN" sz="2400" b="1" dirty="0">
                 <a:effectLst/>
+                <a:latin typeface="Times New Roman" panose="02020603050405020304" pitchFamily="18" charset="0"/>
+                <a:ea typeface="Menlo" panose="020B0609030804020204" pitchFamily="49" charset="0"/>
+                <a:cs typeface="Times New Roman" panose="02020603050405020304" pitchFamily="18" charset="0"/>
               </a:rPr>
               <a:t>vs-search</a:t>
             </a:r>
             <a:endParaRPr lang="en" altLang="zh-CN" sz="2400" dirty="0">
               <a:effectLst/>
+              <a:latin typeface="Times New Roman" panose="02020603050405020304" pitchFamily="18" charset="0"/>
+              <a:ea typeface="Menlo" panose="020B0609030804020204" pitchFamily="49" charset="0"/>
+              <a:cs typeface="Times New Roman" panose="02020603050405020304" pitchFamily="18" charset="0"/>
             </a:endParaRPr>
           </a:p>
         </p:txBody>
@@ -6825,8 +8608,8 @@
         </p:nvSpPr>
         <p:spPr>
           <a:xfrm>
-            <a:off x="6495346" y="4355250"/>
-            <a:ext cx="643774" cy="643774"/>
+            <a:off x="6706362" y="3531732"/>
+            <a:ext cx="764496" cy="643774"/>
           </a:xfrm>
           <a:prstGeom prst="ellipse">
             <a:avLst/>
@@ -6864,7 +8647,9 @@
                 <a:solidFill>
                   <a:schemeClr val="bg1"/>
                 </a:solidFill>
-                <a:latin typeface="FuturaBookC" charset="-52"/>
+                <a:latin typeface="Times New Roman" panose="02020603050405020304" pitchFamily="18" charset="0"/>
+                <a:ea typeface="Menlo" panose="020B0609030804020204" pitchFamily="49" charset="0"/>
+                <a:cs typeface="Times New Roman" panose="02020603050405020304" pitchFamily="18" charset="0"/>
               </a:rPr>
               <a:t>04</a:t>
             </a:r>
@@ -6872,7 +8657,8 @@
               <a:solidFill>
                 <a:schemeClr val="bg1"/>
               </a:solidFill>
-              <a:latin typeface="FuturaBookC" charset="-52"/>
+              <a:latin typeface="Times New Roman" panose="02020603050405020304" pitchFamily="18" charset="0"/>
+              <a:cs typeface="Times New Roman" panose="02020603050405020304" pitchFamily="18" charset="0"/>
             </a:endParaRPr>
           </a:p>
         </p:txBody>
@@ -6885,7 +8671,7 @@
         </p:nvSpPr>
         <p:spPr>
           <a:xfrm>
-            <a:off x="7259842" y="4347913"/>
+            <a:off x="7470858" y="3524395"/>
             <a:ext cx="3701845" cy="461665"/>
           </a:xfrm>
           <a:prstGeom prst="rect">
@@ -6903,11 +8689,15 @@
             <a:r>
               <a:rPr lang="en" altLang="zh-CN" sz="2400" b="1" dirty="0">
                 <a:effectLst/>
+                <a:latin typeface="Times New Roman" panose="02020603050405020304" pitchFamily="18" charset="0"/>
+                <a:cs typeface="Times New Roman" panose="02020603050405020304" pitchFamily="18" charset="0"/>
               </a:rPr>
               <a:t>as</a:t>
             </a:r>
             <a:endParaRPr lang="en" altLang="zh-CN" sz="2400" dirty="0">
               <a:effectLst/>
+              <a:latin typeface="Times New Roman" panose="02020603050405020304" pitchFamily="18" charset="0"/>
+              <a:cs typeface="Times New Roman" panose="02020603050405020304" pitchFamily="18" charset="0"/>
             </a:endParaRPr>
           </a:p>
         </p:txBody>
@@ -6942,6 +8732,127 @@
           </a:prstGeom>
         </p:spPr>
       </p:pic>
+      <p:sp>
+        <p:nvSpPr>
+          <p:cNvPr id="2" name="椭圆 1">
+            <a:extLst>
+              <a:ext uri="{FF2B5EF4-FFF2-40B4-BE49-F238E27FC236}">
+                <a16:creationId xmlns:a16="http://schemas.microsoft.com/office/drawing/2014/main" id="{9587C430-10DB-8CAB-A714-1237B1C31FCD}"/>
+              </a:ext>
+            </a:extLst>
+          </p:cNvPr>
+          <p:cNvSpPr/>
+          <p:nvPr/>
+        </p:nvSpPr>
+        <p:spPr>
+          <a:xfrm>
+            <a:off x="2119299" y="4857831"/>
+            <a:ext cx="764496" cy="643774"/>
+          </a:xfrm>
+          <a:prstGeom prst="ellipse">
+            <a:avLst/>
+          </a:prstGeom>
+          <a:solidFill>
+            <a:srgbClr val="1C4885"/>
+          </a:solidFill>
+          <a:ln>
+            <a:noFill/>
+          </a:ln>
+        </p:spPr>
+        <p:style>
+          <a:lnRef idx="2">
+            <a:schemeClr val="accent1">
+              <a:shade val="50000"/>
+            </a:schemeClr>
+          </a:lnRef>
+          <a:fillRef idx="1">
+            <a:schemeClr val="accent1"/>
+          </a:fillRef>
+          <a:effectRef idx="0">
+            <a:schemeClr val="accent1"/>
+          </a:effectRef>
+          <a:fontRef idx="minor">
+            <a:schemeClr val="lt1"/>
+          </a:fontRef>
+        </p:style>
+        <p:txBody>
+          <a:bodyPr rtlCol="0" anchor="ctr"/>
+          <a:lstStyle/>
+          <a:p>
+            <a:pPr algn="ctr"/>
+            <a:r>
+              <a:rPr lang="en-US" altLang="zh-CN" b="1" dirty="0">
+                <a:solidFill>
+                  <a:schemeClr val="bg1"/>
+                </a:solidFill>
+                <a:latin typeface="Times New Roman" panose="02020603050405020304" pitchFamily="18" charset="0"/>
+                <a:ea typeface="Menlo" panose="020B0609030804020204" pitchFamily="49" charset="0"/>
+                <a:cs typeface="Times New Roman" panose="02020603050405020304" pitchFamily="18" charset="0"/>
+              </a:rPr>
+              <a:t>04</a:t>
+            </a:r>
+            <a:endParaRPr lang="zh-CN" altLang="en-US" sz="1200" b="1" dirty="0">
+              <a:solidFill>
+                <a:schemeClr val="bg1"/>
+              </a:solidFill>
+              <a:latin typeface="Times New Roman" panose="02020603050405020304" pitchFamily="18" charset="0"/>
+              <a:cs typeface="Times New Roman" panose="02020603050405020304" pitchFamily="18" charset="0"/>
+            </a:endParaRPr>
+          </a:p>
+        </p:txBody>
+      </p:sp>
+      <p:sp>
+        <p:nvSpPr>
+          <p:cNvPr id="3" name="文本框 2">
+            <a:extLst>
+              <a:ext uri="{FF2B5EF4-FFF2-40B4-BE49-F238E27FC236}">
+                <a16:creationId xmlns:a16="http://schemas.microsoft.com/office/drawing/2014/main" id="{86AB592E-9A2E-132B-1791-627D9B4B49CB}"/>
+              </a:ext>
+            </a:extLst>
+          </p:cNvPr>
+          <p:cNvSpPr txBox="1"/>
+          <p:nvPr/>
+        </p:nvSpPr>
+        <p:spPr>
+          <a:xfrm>
+            <a:off x="2883795" y="4850494"/>
+            <a:ext cx="3701845" cy="461665"/>
+          </a:xfrm>
+          <a:prstGeom prst="rect">
+            <a:avLst/>
+          </a:prstGeom>
+          <a:noFill/>
+        </p:spPr>
+        <p:txBody>
+          <a:bodyPr wrap="square" rtlCol="0">
+            <a:spAutoFit/>
+          </a:bodyPr>
+          <a:lstStyle/>
+          <a:p>
+            <a:pPr algn="l"/>
+            <a:r>
+              <a:rPr lang="en-US" altLang="zh-CN" sz="2400" b="1" dirty="0">
+                <a:latin typeface="Times New Roman" panose="02020603050405020304" pitchFamily="18" charset="0"/>
+                <a:cs typeface="Times New Roman" panose="02020603050405020304" pitchFamily="18" charset="0"/>
+              </a:rPr>
+              <a:t>b</a:t>
+            </a:r>
+            <a:r>
+              <a:rPr lang="en" altLang="zh-CN" sz="2400" b="1" dirty="0">
+                <a:effectLst/>
+                <a:latin typeface="Times New Roman" panose="02020603050405020304" pitchFamily="18" charset="0"/>
+                <a:cs typeface="Times New Roman" panose="02020603050405020304" pitchFamily="18" charset="0"/>
+              </a:rPr>
+              <a:t>s</a:t>
+            </a:r>
+            <a:endParaRPr lang="en" altLang="zh-CN" sz="2400" dirty="0">
+              <a:effectLst/>
+              <a:latin typeface="Times New Roman" panose="02020603050405020304" pitchFamily="18" charset="0"/>
+              <a:cs typeface="Times New Roman" panose="02020603050405020304" pitchFamily="18" charset="0"/>
+            </a:endParaRPr>
+          </a:p>
+        </p:txBody>
+      </p:sp>
     </p:spTree>
     <p:extLst>
       <p:ext uri="{BB962C8B-B14F-4D97-AF65-F5344CB8AC3E}">
@@ -7213,23 +9124,31 @@
             <a:r>
               <a:rPr lang="en" altLang="zh-CN" sz="4000" dirty="0">
                 <a:effectLst/>
+                <a:latin typeface="Times New Roman" panose="02020603050405020304" pitchFamily="18" charset="0"/>
+                <a:cs typeface="Times New Roman" panose="02020603050405020304" pitchFamily="18" charset="0"/>
               </a:rPr>
               <a:t>Odyssey</a:t>
             </a:r>
             <a:r>
               <a:rPr lang="zh-CN" altLang="en" sz="4000" dirty="0">
                 <a:effectLst/>
+                <a:latin typeface="Times New Roman" panose="02020603050405020304" pitchFamily="18" charset="0"/>
+                <a:cs typeface="Times New Roman" panose="02020603050405020304" pitchFamily="18" charset="0"/>
               </a:rPr>
               <a:t>概述</a:t>
             </a:r>
             <a:r>
               <a:rPr lang="zh-CN" altLang="en-US" sz="4000" dirty="0">
                 <a:effectLst/>
+                <a:latin typeface="Times New Roman" panose="02020603050405020304" pitchFamily="18" charset="0"/>
+                <a:cs typeface="Times New Roman" panose="02020603050405020304" pitchFamily="18" charset="0"/>
               </a:rPr>
               <a:t>及检索流程</a:t>
             </a:r>
             <a:endParaRPr lang="en" altLang="zh-CN" sz="4000" dirty="0">
               <a:effectLst/>
+              <a:latin typeface="Times New Roman" panose="02020603050405020304" pitchFamily="18" charset="0"/>
+              <a:cs typeface="Times New Roman" panose="02020603050405020304" pitchFamily="18" charset="0"/>
             </a:endParaRPr>
           </a:p>
         </p:txBody>
@@ -7461,7 +9380,19 @@
               <a:rPr lang="zh-CN" altLang="en-US" dirty="0">
                 <a:effectLst/>
               </a:rPr>
-              <a:t>正排来获取数据。而指纹系统是</a:t>
+              <a:t>正排来获取数据。</a:t>
+            </a:r>
+            <a:endParaRPr lang="en-US" altLang="zh-CN" dirty="0">
+              <a:effectLst/>
+            </a:endParaRPr>
+          </a:p>
+          <a:p>
+            <a:pPr algn="l"/>
+            <a:r>
+              <a:rPr lang="zh-CN" altLang="en-US" dirty="0">
+                <a:effectLst/>
+              </a:rPr>
+              <a:t>指纹系统是</a:t>
             </a:r>
             <a:r>
               <a:rPr lang="en" altLang="zh-CN" dirty="0">
@@ -7541,115 +9472,6 @@
 </file>
 
 <file path=ppt/slides/slide5.xml><?xml version="1.0" encoding="utf-8"?>
-<p:sld xmlns:a="http://schemas.openxmlformats.org/drawingml/2006/main" xmlns:r="http://schemas.openxmlformats.org/officeDocument/2006/relationships" xmlns:p="http://schemas.openxmlformats.org/presentationml/2006/main">
-  <p:cSld>
-    <p:spTree>
-      <p:nvGrpSpPr>
-        <p:cNvPr id="1" name=""/>
-        <p:cNvGrpSpPr/>
-        <p:nvPr/>
-      </p:nvGrpSpPr>
-      <p:grpSpPr>
-        <a:xfrm>
-          <a:off x="0" y="0"/>
-          <a:ext cx="0" cy="0"/>
-          <a:chOff x="0" y="0"/>
-          <a:chExt cx="0" cy="0"/>
-        </a:xfrm>
-      </p:grpSpPr>
-      <p:pic>
-        <p:nvPicPr>
-          <p:cNvPr id="3" name="图片 2">
-            <a:extLst>
-              <a:ext uri="{FF2B5EF4-FFF2-40B4-BE49-F238E27FC236}">
-                <a16:creationId xmlns:a16="http://schemas.microsoft.com/office/drawing/2014/main" id="{EC69EACA-2FBC-EF10-3251-6C2FBE5F5EF8}"/>
-              </a:ext>
-            </a:extLst>
-          </p:cNvPr>
-          <p:cNvPicPr>
-            <a:picLocks noChangeAspect="1"/>
-          </p:cNvPicPr>
-          <p:nvPr/>
-        </p:nvPicPr>
-        <p:blipFill>
-          <a:blip r:embed="rId3">
-            <a:extLst>
-              <a:ext uri="{28A0092B-C50C-407E-A947-70E740481C1C}">
-                <a14:useLocalDpi xmlns:a14="http://schemas.microsoft.com/office/drawing/2010/main" val="0"/>
-              </a:ext>
-            </a:extLst>
-          </a:blip>
-          <a:stretch>
-            <a:fillRect/>
-          </a:stretch>
-        </p:blipFill>
-        <p:spPr>
-          <a:xfrm>
-            <a:off x="2366010" y="1081382"/>
-            <a:ext cx="6891020" cy="4633617"/>
-          </a:xfrm>
-          <a:prstGeom prst="rect">
-            <a:avLst/>
-          </a:prstGeom>
-        </p:spPr>
-      </p:pic>
-      <p:sp>
-        <p:nvSpPr>
-          <p:cNvPr id="7" name="文本框 6">
-            <a:extLst>
-              <a:ext uri="{FF2B5EF4-FFF2-40B4-BE49-F238E27FC236}">
-                <a16:creationId xmlns:a16="http://schemas.microsoft.com/office/drawing/2014/main" id="{3EC74EEB-6BB7-32A1-3CF4-A684B9F6CF9B}"/>
-              </a:ext>
-            </a:extLst>
-          </p:cNvPr>
-          <p:cNvSpPr txBox="1"/>
-          <p:nvPr/>
-        </p:nvSpPr>
-        <p:spPr>
-          <a:xfrm>
-            <a:off x="388620" y="457200"/>
-            <a:ext cx="3246120" cy="369332"/>
-          </a:xfrm>
-          <a:prstGeom prst="rect">
-            <a:avLst/>
-          </a:prstGeom>
-          <a:noFill/>
-        </p:spPr>
-        <p:txBody>
-          <a:bodyPr wrap="square" rtlCol="0">
-            <a:spAutoFit/>
-          </a:bodyPr>
-          <a:lstStyle/>
-          <a:p>
-            <a:r>
-              <a:rPr kumimoji="1" lang="zh-CN" altLang="en-US" dirty="0"/>
-              <a:t>检索流程</a:t>
-            </a:r>
-          </a:p>
-        </p:txBody>
-      </p:sp>
-    </p:spTree>
-    <p:extLst>
-      <p:ext uri="{BB962C8B-B14F-4D97-AF65-F5344CB8AC3E}">
-        <p14:creationId xmlns:p14="http://schemas.microsoft.com/office/powerpoint/2010/main" val="2922034586"/>
-      </p:ext>
-    </p:extLst>
-  </p:cSld>
-  <p:clrMapOvr>
-    <a:masterClrMapping/>
-  </p:clrMapOvr>
-  <mc:AlternateContent xmlns:mc="http://schemas.openxmlformats.org/markup-compatibility/2006" xmlns:p14="http://schemas.microsoft.com/office/powerpoint/2010/main">
-    <mc:Choice Requires="p14">
-      <p:transition p14:dur="10"/>
-    </mc:Choice>
-    <mc:Fallback xmlns="">
-      <p:transition/>
-    </mc:Fallback>
-  </mc:AlternateContent>
-</p:sld>
-</file>
-
-<file path=ppt/slides/slide6.xml><?xml version="1.0" encoding="utf-8"?>
 <p:sld xmlns:a="http://schemas.openxmlformats.org/drawingml/2006/main" xmlns:r="http://schemas.openxmlformats.org/officeDocument/2006/relationships" xmlns:p="http://schemas.openxmlformats.org/presentationml/2006/main">
   <p:cSld>
     <p:spTree>
@@ -8098,7 +9920,7 @@
                     <a:lstStyle/>
                     <a:p>
                       <a:r>
-                        <a:rPr lang="zh-CN" altLang="en-US">
+                        <a:rPr lang="zh-CN" altLang="en-US" dirty="0">
                           <a:effectLst/>
                         </a:rPr>
                         <a:t>图文</a:t>
@@ -8586,7 +10408,426 @@
 </p:sld>
 </file>
 
+<file path=ppt/slides/slide6.xml><?xml version="1.0" encoding="utf-8"?>
+<p:sld xmlns:a="http://schemas.openxmlformats.org/drawingml/2006/main" xmlns:r="http://schemas.openxmlformats.org/officeDocument/2006/relationships" xmlns:p="http://schemas.openxmlformats.org/presentationml/2006/main">
+  <p:cSld>
+    <p:spTree>
+      <p:nvGrpSpPr>
+        <p:cNvPr id="1" name=""/>
+        <p:cNvGrpSpPr/>
+        <p:nvPr/>
+      </p:nvGrpSpPr>
+      <p:grpSpPr>
+        <a:xfrm>
+          <a:off x="0" y="0"/>
+          <a:ext cx="0" cy="0"/>
+          <a:chOff x="0" y="0"/>
+          <a:chExt cx="0" cy="0"/>
+        </a:xfrm>
+      </p:grpSpPr>
+      <p:sp>
+        <p:nvSpPr>
+          <p:cNvPr id="7" name="文本框 6">
+            <a:extLst>
+              <a:ext uri="{FF2B5EF4-FFF2-40B4-BE49-F238E27FC236}">
+                <a16:creationId xmlns:a16="http://schemas.microsoft.com/office/drawing/2014/main" id="{3EC74EEB-6BB7-32A1-3CF4-A684B9F6CF9B}"/>
+              </a:ext>
+            </a:extLst>
+          </p:cNvPr>
+          <p:cNvSpPr txBox="1"/>
+          <p:nvPr/>
+        </p:nvSpPr>
+        <p:spPr>
+          <a:xfrm>
+            <a:off x="388620" y="457200"/>
+            <a:ext cx="3246120" cy="369332"/>
+          </a:xfrm>
+          <a:prstGeom prst="rect">
+            <a:avLst/>
+          </a:prstGeom>
+          <a:noFill/>
+        </p:spPr>
+        <p:txBody>
+          <a:bodyPr wrap="square" rtlCol="0">
+            <a:spAutoFit/>
+          </a:bodyPr>
+          <a:lstStyle/>
+          <a:p>
+            <a:r>
+              <a:rPr kumimoji="1" lang="zh-CN" altLang="en-US" dirty="0"/>
+              <a:t>检索流程</a:t>
+            </a:r>
+          </a:p>
+        </p:txBody>
+      </p:sp>
+      <p:sp>
+        <p:nvSpPr>
+          <p:cNvPr id="4" name="文本框 3">
+            <a:extLst>
+              <a:ext uri="{FF2B5EF4-FFF2-40B4-BE49-F238E27FC236}">
+                <a16:creationId xmlns:a16="http://schemas.microsoft.com/office/drawing/2014/main" id="{11AC25C7-3DE1-72CC-6AFA-D01EC6076237}"/>
+              </a:ext>
+            </a:extLst>
+          </p:cNvPr>
+          <p:cNvSpPr txBox="1"/>
+          <p:nvPr/>
+        </p:nvSpPr>
+        <p:spPr>
+          <a:xfrm>
+            <a:off x="2541856" y="5368389"/>
+            <a:ext cx="8255098" cy="369332"/>
+          </a:xfrm>
+          <a:prstGeom prst="rect">
+            <a:avLst/>
+          </a:prstGeom>
+          <a:noFill/>
+        </p:spPr>
+        <p:txBody>
+          <a:bodyPr wrap="square">
+            <a:spAutoFit/>
+          </a:bodyPr>
+          <a:lstStyle/>
+          <a:p>
+            <a:pPr algn="l"/>
+            <a:r>
+              <a:rPr lang="zh-CN" altLang="en-US" b="1" i="0" u="none" strike="noStrike" dirty="0">
+                <a:solidFill>
+                  <a:srgbClr val="000000"/>
+                </a:solidFill>
+                <a:effectLst/>
+              </a:rPr>
+              <a:t>检索流程：</a:t>
+            </a:r>
+            <a:r>
+              <a:rPr lang="en" altLang="zh-CN" b="1" i="0" u="none" strike="noStrike" dirty="0">
+                <a:solidFill>
+                  <a:srgbClr val="000000"/>
+                </a:solidFill>
+                <a:effectLst/>
+              </a:rPr>
+              <a:t>phantom-server -&gt; vs-search -&gt; as -&gt; bs/</a:t>
+            </a:r>
+            <a:r>
+              <a:rPr lang="en" altLang="zh-CN" b="1" i="0" u="none" strike="noStrike" dirty="0" err="1">
+                <a:solidFill>
+                  <a:srgbClr val="000000"/>
+                </a:solidFill>
+                <a:effectLst/>
+              </a:rPr>
+              <a:t>rts</a:t>
+            </a:r>
+            <a:endParaRPr lang="en" altLang="zh-CN" b="0" i="0" u="none" strike="noStrike" dirty="0">
+              <a:solidFill>
+                <a:srgbClr val="000000"/>
+              </a:solidFill>
+              <a:effectLst/>
+            </a:endParaRPr>
+          </a:p>
+        </p:txBody>
+      </p:sp>
+      <p:pic>
+        <p:nvPicPr>
+          <p:cNvPr id="6" name="图片 5">
+            <a:extLst>
+              <a:ext uri="{FF2B5EF4-FFF2-40B4-BE49-F238E27FC236}">
+                <a16:creationId xmlns:a16="http://schemas.microsoft.com/office/drawing/2014/main" id="{F3F82D61-36F0-23E2-8DF2-104681156287}"/>
+              </a:ext>
+            </a:extLst>
+          </p:cNvPr>
+          <p:cNvPicPr>
+            <a:picLocks noChangeAspect="1"/>
+          </p:cNvPicPr>
+          <p:nvPr/>
+        </p:nvPicPr>
+        <p:blipFill>
+          <a:blip r:embed="rId3">
+            <a:extLst>
+              <a:ext uri="{28A0092B-C50C-407E-A947-70E740481C1C}">
+                <a14:useLocalDpi xmlns:a14="http://schemas.microsoft.com/office/drawing/2010/main" val="0"/>
+              </a:ext>
+            </a:extLst>
+          </a:blip>
+          <a:stretch>
+            <a:fillRect/>
+          </a:stretch>
+        </p:blipFill>
+        <p:spPr>
+          <a:xfrm>
+            <a:off x="1202008" y="1120279"/>
+            <a:ext cx="10004277" cy="3546971"/>
+          </a:xfrm>
+          <a:prstGeom prst="rect">
+            <a:avLst/>
+          </a:prstGeom>
+        </p:spPr>
+      </p:pic>
+    </p:spTree>
+    <p:extLst>
+      <p:ext uri="{BB962C8B-B14F-4D97-AF65-F5344CB8AC3E}">
+        <p14:creationId xmlns:p14="http://schemas.microsoft.com/office/powerpoint/2010/main" val="2922034586"/>
+      </p:ext>
+    </p:extLst>
+  </p:cSld>
+  <p:clrMapOvr>
+    <a:masterClrMapping/>
+  </p:clrMapOvr>
+  <mc:AlternateContent xmlns:mc="http://schemas.openxmlformats.org/markup-compatibility/2006" xmlns:p14="http://schemas.microsoft.com/office/powerpoint/2010/main">
+    <mc:Choice Requires="p14">
+      <p:transition p14:dur="10"/>
+    </mc:Choice>
+    <mc:Fallback xmlns="">
+      <p:transition/>
+    </mc:Fallback>
+  </mc:AlternateContent>
+</p:sld>
+</file>
+
 <file path=ppt/slides/slide7.xml><?xml version="1.0" encoding="utf-8"?>
+<p:sld xmlns:a="http://schemas.openxmlformats.org/drawingml/2006/main" xmlns:r="http://schemas.openxmlformats.org/officeDocument/2006/relationships" xmlns:p="http://schemas.openxmlformats.org/presentationml/2006/main">
+  <p:cSld>
+    <p:spTree>
+      <p:nvGrpSpPr>
+        <p:cNvPr id="1" name=""/>
+        <p:cNvGrpSpPr/>
+        <p:nvPr/>
+      </p:nvGrpSpPr>
+      <p:grpSpPr>
+        <a:xfrm>
+          <a:off x="0" y="0"/>
+          <a:ext cx="0" cy="0"/>
+          <a:chOff x="0" y="0"/>
+          <a:chExt cx="0" cy="0"/>
+        </a:xfrm>
+      </p:grpSpPr>
+      <p:sp>
+        <p:nvSpPr>
+          <p:cNvPr id="7" name="文本框 6">
+            <a:extLst>
+              <a:ext uri="{FF2B5EF4-FFF2-40B4-BE49-F238E27FC236}">
+                <a16:creationId xmlns:a16="http://schemas.microsoft.com/office/drawing/2014/main" id="{3EC74EEB-6BB7-32A1-3CF4-A684B9F6CF9B}"/>
+              </a:ext>
+            </a:extLst>
+          </p:cNvPr>
+          <p:cNvSpPr txBox="1"/>
+          <p:nvPr/>
+        </p:nvSpPr>
+        <p:spPr>
+          <a:xfrm>
+            <a:off x="388620" y="457200"/>
+            <a:ext cx="3246120" cy="369332"/>
+          </a:xfrm>
+          <a:prstGeom prst="rect">
+            <a:avLst/>
+          </a:prstGeom>
+          <a:noFill/>
+        </p:spPr>
+        <p:txBody>
+          <a:bodyPr wrap="square" rtlCol="0">
+            <a:spAutoFit/>
+          </a:bodyPr>
+          <a:lstStyle/>
+          <a:p>
+            <a:r>
+              <a:rPr kumimoji="1" lang="zh-CN" altLang="en-US" dirty="0"/>
+              <a:t>检索流程的作用</a:t>
+            </a:r>
+          </a:p>
+        </p:txBody>
+      </p:sp>
+      <p:pic>
+        <p:nvPicPr>
+          <p:cNvPr id="6" name="图片 5">
+            <a:extLst>
+              <a:ext uri="{FF2B5EF4-FFF2-40B4-BE49-F238E27FC236}">
+                <a16:creationId xmlns:a16="http://schemas.microsoft.com/office/drawing/2014/main" id="{F3F82D61-36F0-23E2-8DF2-104681156287}"/>
+              </a:ext>
+            </a:extLst>
+          </p:cNvPr>
+          <p:cNvPicPr>
+            <a:picLocks noChangeAspect="1"/>
+          </p:cNvPicPr>
+          <p:nvPr/>
+        </p:nvPicPr>
+        <p:blipFill>
+          <a:blip r:embed="rId3">
+            <a:extLst>
+              <a:ext uri="{28A0092B-C50C-407E-A947-70E740481C1C}">
+                <a14:useLocalDpi xmlns:a14="http://schemas.microsoft.com/office/drawing/2010/main" val="0"/>
+              </a:ext>
+            </a:extLst>
+          </a:blip>
+          <a:stretch>
+            <a:fillRect/>
+          </a:stretch>
+        </p:blipFill>
+        <p:spPr>
+          <a:xfrm>
+            <a:off x="2337190" y="270609"/>
+            <a:ext cx="8664429" cy="3071934"/>
+          </a:xfrm>
+          <a:prstGeom prst="rect">
+            <a:avLst/>
+          </a:prstGeom>
+        </p:spPr>
+      </p:pic>
+      <p:sp>
+        <p:nvSpPr>
+          <p:cNvPr id="3" name="Rectangle 1">
+            <a:extLst>
+              <a:ext uri="{FF2B5EF4-FFF2-40B4-BE49-F238E27FC236}">
+                <a16:creationId xmlns:a16="http://schemas.microsoft.com/office/drawing/2014/main" id="{17F9EC50-91AF-B348-F502-DB53F0E2AB4E}"/>
+              </a:ext>
+            </a:extLst>
+          </p:cNvPr>
+          <p:cNvSpPr>
+            <a:spLocks noChangeArrowheads="1"/>
+          </p:cNvSpPr>
+          <p:nvPr/>
+        </p:nvSpPr>
+        <p:spPr bwMode="auto">
+          <a:xfrm>
+            <a:off x="3448050" y="1825625"/>
+            <a:ext cx="12192000" cy="457200"/>
+          </a:xfrm>
+          <a:prstGeom prst="rect">
+            <a:avLst/>
+          </a:prstGeom>
+          <a:noFill/>
+          <a:ln>
+            <a:noFill/>
+          </a:ln>
+          <a:effectLst/>
+          <a:extLst>
+            <a:ext uri="{909E8E84-426E-40DD-AFC4-6F175D3DCCD1}">
+              <a14:hiddenFill xmlns:a14="http://schemas.microsoft.com/office/drawing/2010/main">
+                <a:solidFill>
+                  <a:schemeClr val="accent1"/>
+                </a:solidFill>
+              </a14:hiddenFill>
+            </a:ext>
+            <a:ext uri="{91240B29-F687-4F45-9708-019B960494DF}">
+              <a14:hiddenLine xmlns:a14="http://schemas.microsoft.com/office/drawing/2010/main" w="9525">
+                <a:solidFill>
+                  <a:schemeClr val="tx1"/>
+                </a:solidFill>
+                <a:miter lim="800000"/>
+                <a:headEnd/>
+                <a:tailEnd/>
+              </a14:hiddenLine>
+            </a:ext>
+            <a:ext uri="{AF507438-7753-43E0-B8FC-AC1667EBCBE1}">
+              <a14:hiddenEffects xmlns:a14="http://schemas.microsoft.com/office/drawing/2010/main">
+                <a:effectLst>
+                  <a:outerShdw dist="35921" dir="2700000" algn="ctr" rotWithShape="0">
+                    <a:schemeClr val="bg2"/>
+                  </a:outerShdw>
+                </a:effectLst>
+              </a14:hiddenEffects>
+            </a:ext>
+          </a:extLst>
+        </p:spPr>
+        <p:txBody>
+          <a:bodyPr vert="horz" wrap="none" lIns="91440" tIns="45720" rIns="91440" bIns="45720" numCol="1" anchor="ctr" anchorCtr="0" compatLnSpc="1">
+            <a:prstTxWarp prst="textNoShape">
+              <a:avLst/>
+            </a:prstTxWarp>
+            <a:spAutoFit/>
+          </a:bodyPr>
+          <a:lstStyle/>
+          <a:p>
+            <a:pPr marL="0" marR="0" lvl="0" indent="0" algn="l" defTabSz="914400" rtl="0" eaLnBrk="0" fontAlgn="base" latinLnBrk="0" hangingPunct="0">
+              <a:lnSpc>
+                <a:spcPct val="100000"/>
+              </a:lnSpc>
+              <a:spcBef>
+                <a:spcPct val="0"/>
+              </a:spcBef>
+              <a:spcAft>
+                <a:spcPct val="0"/>
+              </a:spcAft>
+              <a:buClrTx/>
+              <a:buSzTx/>
+              <a:buFontTx/>
+              <a:buNone/>
+              <a:tabLst/>
+            </a:pPr>
+            <a:br>
+              <a:rPr kumimoji="0" lang="zh-CN" altLang="zh-CN" sz="1800" b="0" i="0" u="none" strike="noStrike" cap="none" normalizeH="0" baseline="0">
+                <a:ln>
+                  <a:noFill/>
+                </a:ln>
+                <a:solidFill>
+                  <a:schemeClr val="tx1"/>
+                </a:solidFill>
+                <a:effectLst/>
+                <a:latin typeface="Arial" panose="020B0604020202020204" pitchFamily="34" charset="0"/>
+              </a:rPr>
+            </a:br>
+            <a:endParaRPr kumimoji="0" lang="zh-CN" altLang="zh-CN" sz="1800" b="0" i="0" u="none" strike="noStrike" cap="none" normalizeH="0" baseline="0">
+              <a:ln>
+                <a:noFill/>
+              </a:ln>
+              <a:solidFill>
+                <a:schemeClr val="tx1"/>
+              </a:solidFill>
+              <a:effectLst/>
+              <a:latin typeface="Arial" panose="020B0604020202020204" pitchFamily="34" charset="0"/>
+            </a:endParaRPr>
+          </a:p>
+        </p:txBody>
+      </p:sp>
+      <p:pic>
+        <p:nvPicPr>
+          <p:cNvPr id="5" name="图片 4">
+            <a:extLst>
+              <a:ext uri="{FF2B5EF4-FFF2-40B4-BE49-F238E27FC236}">
+                <a16:creationId xmlns:a16="http://schemas.microsoft.com/office/drawing/2014/main" id="{1AAC1A9B-A90E-EDC4-346A-BAA753202C33}"/>
+              </a:ext>
+            </a:extLst>
+          </p:cNvPr>
+          <p:cNvPicPr>
+            <a:picLocks noChangeAspect="1"/>
+          </p:cNvPicPr>
+          <p:nvPr/>
+        </p:nvPicPr>
+        <p:blipFill>
+          <a:blip r:embed="rId4"/>
+          <a:stretch>
+            <a:fillRect/>
+          </a:stretch>
+        </p:blipFill>
+        <p:spPr>
+          <a:xfrm>
+            <a:off x="668216" y="2954214"/>
+            <a:ext cx="2133600" cy="3903785"/>
+          </a:xfrm>
+          <a:prstGeom prst="rect">
+            <a:avLst/>
+          </a:prstGeom>
+        </p:spPr>
+      </p:pic>
+    </p:spTree>
+    <p:extLst>
+      <p:ext uri="{BB962C8B-B14F-4D97-AF65-F5344CB8AC3E}">
+        <p14:creationId xmlns:p14="http://schemas.microsoft.com/office/powerpoint/2010/main" val="3938693170"/>
+      </p:ext>
+    </p:extLst>
+  </p:cSld>
+  <p:clrMapOvr>
+    <a:masterClrMapping/>
+  </p:clrMapOvr>
+  <mc:AlternateContent xmlns:mc="http://schemas.openxmlformats.org/markup-compatibility/2006" xmlns:p14="http://schemas.microsoft.com/office/powerpoint/2010/main">
+    <mc:Choice Requires="p14">
+      <p:transition p14:dur="10"/>
+    </mc:Choice>
+    <mc:Fallback xmlns="">
+      <p:transition/>
+    </mc:Fallback>
+  </mc:AlternateContent>
+</p:sld>
+</file>
+
+<file path=ppt/slides/slide8.xml><?xml version="1.0" encoding="utf-8"?>
 <p:sld xmlns:a="http://schemas.openxmlformats.org/drawingml/2006/main" xmlns:r="http://schemas.openxmlformats.org/officeDocument/2006/relationships" xmlns:p="http://schemas.openxmlformats.org/presentationml/2006/main">
   <p:cSld>
     <p:spTree>
@@ -8933,7 +11174,7 @@
 </p:sld>
 </file>
 
-<file path=ppt/slides/slide8.xml><?xml version="1.0" encoding="utf-8"?>
+<file path=ppt/slides/slide9.xml><?xml version="1.0" encoding="utf-8"?>
 <p:sld xmlns:a="http://schemas.openxmlformats.org/drawingml/2006/main" xmlns:r="http://schemas.openxmlformats.org/officeDocument/2006/relationships" xmlns:p="http://schemas.openxmlformats.org/presentationml/2006/main">
   <p:cSld>
     <p:spTree>
@@ -8978,7 +11219,7 @@
         </p:blipFill>
         <p:spPr>
           <a:xfrm>
-            <a:off x="1742921" y="1141267"/>
+            <a:off x="1637413" y="855469"/>
             <a:ext cx="9125707" cy="5629923"/>
           </a:xfrm>
           <a:prstGeom prst="rect">
@@ -9037,226 +11278,6 @@
     <p:extLst>
       <p:ext uri="{BB962C8B-B14F-4D97-AF65-F5344CB8AC3E}">
         <p14:creationId xmlns:p14="http://schemas.microsoft.com/office/powerpoint/2010/main" val="2464770145"/>
-      </p:ext>
-    </p:extLst>
-  </p:cSld>
-  <p:clrMapOvr>
-    <a:masterClrMapping/>
-  </p:clrMapOvr>
-  <mc:AlternateContent xmlns:mc="http://schemas.openxmlformats.org/markup-compatibility/2006" xmlns:p14="http://schemas.microsoft.com/office/powerpoint/2010/main">
-    <mc:Choice Requires="p14">
-      <p:transition p14:dur="10"/>
-    </mc:Choice>
-    <mc:Fallback xmlns="">
-      <p:transition/>
-    </mc:Fallback>
-  </mc:AlternateContent>
-</p:sld>
-</file>
-
-<file path=ppt/slides/slide9.xml><?xml version="1.0" encoding="utf-8"?>
-<p:sld xmlns:a="http://schemas.openxmlformats.org/drawingml/2006/main" xmlns:r="http://schemas.openxmlformats.org/officeDocument/2006/relationships" xmlns:p="http://schemas.openxmlformats.org/presentationml/2006/main">
-  <p:cSld>
-    <p:spTree>
-      <p:nvGrpSpPr>
-        <p:cNvPr id="1" name=""/>
-        <p:cNvGrpSpPr/>
-        <p:nvPr/>
-      </p:nvGrpSpPr>
-      <p:grpSpPr>
-        <a:xfrm>
-          <a:off x="0" y="0"/>
-          <a:ext cx="0" cy="0"/>
-          <a:chOff x="0" y="0"/>
-          <a:chExt cx="0" cy="0"/>
-        </a:xfrm>
-      </p:grpSpPr>
-      <p:sp>
-        <p:nvSpPr>
-          <p:cNvPr id="4" name="矩形 3"/>
-          <p:cNvSpPr/>
-          <p:nvPr/>
-        </p:nvSpPr>
-        <p:spPr>
-          <a:xfrm>
-            <a:off x="245805" y="294968"/>
-            <a:ext cx="1961536" cy="1696064"/>
-          </a:xfrm>
-          <a:prstGeom prst="rect">
-            <a:avLst/>
-          </a:prstGeom>
-          <a:solidFill>
-            <a:srgbClr val="1C4885"/>
-          </a:solidFill>
-          <a:ln>
-            <a:noFill/>
-          </a:ln>
-        </p:spPr>
-        <p:style>
-          <a:lnRef idx="2">
-            <a:schemeClr val="accent1">
-              <a:shade val="50000"/>
-            </a:schemeClr>
-          </a:lnRef>
-          <a:fillRef idx="1">
-            <a:schemeClr val="accent1"/>
-          </a:fillRef>
-          <a:effectRef idx="0">
-            <a:schemeClr val="accent1"/>
-          </a:effectRef>
-          <a:fontRef idx="minor">
-            <a:schemeClr val="lt1"/>
-          </a:fontRef>
-        </p:style>
-        <p:txBody>
-          <a:bodyPr rtlCol="0" anchor="ctr"/>
-          <a:lstStyle/>
-          <a:p>
-            <a:pPr algn="ctr"/>
-            <a:endParaRPr lang="zh-CN" altLang="en-US"/>
-          </a:p>
-        </p:txBody>
-      </p:sp>
-      <p:sp>
-        <p:nvSpPr>
-          <p:cNvPr id="5" name="矩形 4"/>
-          <p:cNvSpPr/>
-          <p:nvPr/>
-        </p:nvSpPr>
-        <p:spPr>
-          <a:xfrm>
-            <a:off x="9984658" y="4866967"/>
-            <a:ext cx="1961536" cy="1696064"/>
-          </a:xfrm>
-          <a:prstGeom prst="rect">
-            <a:avLst/>
-          </a:prstGeom>
-          <a:solidFill>
-            <a:srgbClr val="1C4885"/>
-          </a:solidFill>
-          <a:ln>
-            <a:noFill/>
-          </a:ln>
-        </p:spPr>
-        <p:style>
-          <a:lnRef idx="2">
-            <a:schemeClr val="accent1">
-              <a:shade val="50000"/>
-            </a:schemeClr>
-          </a:lnRef>
-          <a:fillRef idx="1">
-            <a:schemeClr val="accent1"/>
-          </a:fillRef>
-          <a:effectRef idx="0">
-            <a:schemeClr val="accent1"/>
-          </a:effectRef>
-          <a:fontRef idx="minor">
-            <a:schemeClr val="lt1"/>
-          </a:fontRef>
-        </p:style>
-        <p:txBody>
-          <a:bodyPr rtlCol="0" anchor="ctr"/>
-          <a:lstStyle/>
-          <a:p>
-            <a:pPr algn="ctr"/>
-            <a:endParaRPr lang="zh-CN" altLang="en-US"/>
-          </a:p>
-        </p:txBody>
-      </p:sp>
-      <p:sp>
-        <p:nvSpPr>
-          <p:cNvPr id="6" name="圆角矩形 5"/>
-          <p:cNvSpPr/>
-          <p:nvPr/>
-        </p:nvSpPr>
-        <p:spPr>
-          <a:xfrm>
-            <a:off x="245805" y="449824"/>
-            <a:ext cx="11385755" cy="5958349"/>
-          </a:xfrm>
-          <a:prstGeom prst="roundRect">
-            <a:avLst>
-              <a:gd name="adj" fmla="val 1568"/>
-            </a:avLst>
-          </a:prstGeom>
-          <a:solidFill>
-            <a:schemeClr val="bg1"/>
-          </a:solidFill>
-          <a:ln>
-            <a:noFill/>
-          </a:ln>
-          <a:effectLst>
-            <a:glow rad="228600">
-              <a:srgbClr val="02615A">
-                <a:alpha val="30000"/>
-              </a:srgbClr>
-            </a:glow>
-          </a:effectLst>
-        </p:spPr>
-        <p:style>
-          <a:lnRef idx="2">
-            <a:schemeClr val="accent1">
-              <a:shade val="50000"/>
-            </a:schemeClr>
-          </a:lnRef>
-          <a:fillRef idx="1">
-            <a:schemeClr val="accent1"/>
-          </a:fillRef>
-          <a:effectRef idx="0">
-            <a:schemeClr val="accent1"/>
-          </a:effectRef>
-          <a:fontRef idx="minor">
-            <a:schemeClr val="lt1"/>
-          </a:fontRef>
-        </p:style>
-        <p:txBody>
-          <a:bodyPr rtlCol="0" anchor="ctr"/>
-          <a:lstStyle/>
-          <a:p>
-            <a:pPr algn="ctr"/>
-            <a:endParaRPr lang="zh-CN" altLang="en-US"/>
-          </a:p>
-        </p:txBody>
-      </p:sp>
-      <p:sp>
-        <p:nvSpPr>
-          <p:cNvPr id="3" name="文本框 2">
-            <a:extLst>
-              <a:ext uri="{FF2B5EF4-FFF2-40B4-BE49-F238E27FC236}">
-                <a16:creationId xmlns:a16="http://schemas.microsoft.com/office/drawing/2014/main" id="{08604199-1046-760F-AD7D-B6851DB53CB1}"/>
-              </a:ext>
-            </a:extLst>
-          </p:cNvPr>
-          <p:cNvSpPr txBox="1"/>
-          <p:nvPr/>
-        </p:nvSpPr>
-        <p:spPr>
-          <a:xfrm>
-            <a:off x="834390" y="1428750"/>
-            <a:ext cx="2823210" cy="369332"/>
-          </a:xfrm>
-          <a:prstGeom prst="rect">
-            <a:avLst/>
-          </a:prstGeom>
-          <a:noFill/>
-        </p:spPr>
-        <p:txBody>
-          <a:bodyPr wrap="square" rtlCol="0">
-            <a:spAutoFit/>
-          </a:bodyPr>
-          <a:lstStyle/>
-          <a:p>
-            <a:r>
-              <a:rPr kumimoji="1" lang="zh-CN" altLang="en-US" dirty="0"/>
-              <a:t>指纹系统例子：</a:t>
-            </a:r>
-          </a:p>
-        </p:txBody>
-      </p:sp>
-    </p:spTree>
-    <p:extLst>
-      <p:ext uri="{BB962C8B-B14F-4D97-AF65-F5344CB8AC3E}">
-        <p14:creationId xmlns:p14="http://schemas.microsoft.com/office/powerpoint/2010/main" val="1461477084"/>
       </p:ext>
     </p:extLst>
   </p:cSld>
@@ -9283,7 +11304,7 @@
 <file path=ppt/theme/theme1.xml><?xml version="1.0" encoding="utf-8"?>
 <a:theme xmlns:a="http://schemas.openxmlformats.org/drawingml/2006/main" name="Office 主题​​">
   <a:themeElements>
-    <a:clrScheme name="Office">
+    <a:clrScheme name="Office 主题​​">
       <a:dk1>
         <a:sysClr val="windowText" lastClr="000000"/>
       </a:dk1>
@@ -9297,7 +11318,7 @@
         <a:srgbClr val="E7E6E6"/>
       </a:lt2>
       <a:accent1>
-        <a:srgbClr val="5B9BD5"/>
+        <a:srgbClr val="4472C4"/>
       </a:accent1>
       <a:accent2>
         <a:srgbClr val="ED7D31"/>
@@ -9309,7 +11330,7 @@
         <a:srgbClr val="FFC000"/>
       </a:accent4>
       <a:accent5>
-        <a:srgbClr val="4472C4"/>
+        <a:srgbClr val="5B9BD5"/>
       </a:accent5>
       <a:accent6>
         <a:srgbClr val="70AD47"/>
@@ -9356,6 +11377,23 @@
         <a:font script="Viet" typeface="Times New Roman"/>
         <a:font script="Uigh" typeface="Microsoft Uighur"/>
         <a:font script="Geor" typeface="Sylfaen"/>
+        <a:font script="Armn" typeface="Arial"/>
+        <a:font script="Bugi" typeface="Leelawadee UI"/>
+        <a:font script="Bopo" typeface="Microsoft JhengHei"/>
+        <a:font script="Java" typeface="Javanese Text"/>
+        <a:font script="Lisu" typeface="Segoe UI"/>
+        <a:font script="Mymr" typeface="Myanmar Text"/>
+        <a:font script="Nkoo" typeface="Ebrima"/>
+        <a:font script="Olck" typeface="Nirmala UI"/>
+        <a:font script="Osma" typeface="Ebrima"/>
+        <a:font script="Phag" typeface="Phagspa"/>
+        <a:font script="Syrn" typeface="Estrangelo Edessa"/>
+        <a:font script="Syrj" typeface="Estrangelo Edessa"/>
+        <a:font script="Syre" typeface="Estrangelo Edessa"/>
+        <a:font script="Sora" typeface="Nirmala UI"/>
+        <a:font script="Tale" typeface="Microsoft Tai Le"/>
+        <a:font script="Talu" typeface="Microsoft New Tai Lue"/>
+        <a:font script="Tfng" typeface="Ebrima"/>
       </a:majorFont>
       <a:minorFont>
         <a:latin typeface="等线" panose="020F0502020204030204"/>
@@ -9391,9 +11429,26 @@
         <a:font script="Viet" typeface="Arial"/>
         <a:font script="Uigh" typeface="Microsoft Uighur"/>
         <a:font script="Geor" typeface="Sylfaen"/>
+        <a:font script="Armn" typeface="Arial"/>
+        <a:font script="Bugi" typeface="Leelawadee UI"/>
+        <a:font script="Bopo" typeface="Microsoft JhengHei"/>
+        <a:font script="Java" typeface="Javanese Text"/>
+        <a:font script="Lisu" typeface="Segoe UI"/>
+        <a:font script="Mymr" typeface="Myanmar Text"/>
+        <a:font script="Nkoo" typeface="Ebrima"/>
+        <a:font script="Olck" typeface="Nirmala UI"/>
+        <a:font script="Osma" typeface="Ebrima"/>
+        <a:font script="Phag" typeface="Phagspa"/>
+        <a:font script="Syrn" typeface="Estrangelo Edessa"/>
+        <a:font script="Syrj" typeface="Estrangelo Edessa"/>
+        <a:font script="Syre" typeface="Estrangelo Edessa"/>
+        <a:font script="Sora" typeface="Nirmala UI"/>
+        <a:font script="Tale" typeface="Microsoft Tai Le"/>
+        <a:font script="Talu" typeface="Microsoft New Tai Lue"/>
+        <a:font script="Tfng" typeface="Ebrima"/>
       </a:minorFont>
     </a:fontScheme>
-    <a:fmtScheme name="Office">
+    <a:fmtScheme name="Office 主题​​">
       <a:fillStyleLst>
         <a:solidFill>
           <a:schemeClr val="phClr"/>
@@ -9535,7 +11590,7 @@
   <a:extraClrSchemeLst/>
   <a:extLst>
     <a:ext uri="{05A4C25C-085E-4340-85A3-A5531E510DB2}">
-      <thm15:themeFamily xmlns:thm15="http://schemas.microsoft.com/office/thememl/2012/main" name="Office Theme" id="{62F939B6-93AF-4DB8-9C6B-D6C7DFDC589F}" vid="{4A3C46E8-61CC-4603-A589-7422A47A8E4A}"/>
+      <thm15:themeFamily xmlns:thm15="http://schemas.microsoft.com/office/thememl/2012/main" name="Office Theme 2013 - 2022" id="{62F939B6-93AF-4DB8-9C6B-D6C7DFDC589F}" vid="{4A3C46E8-61CC-4603-A589-7422A47A8E4A}"/>
     </a:ext>
   </a:extLst>
 </a:theme>

--- a/串讲.pptx
+++ b/串讲.pptx
@@ -5,7 +5,7 @@
     <p:sldMasterId id="2147483660" r:id="rId1"/>
   </p:sldMasterIdLst>
   <p:notesMasterIdLst>
-    <p:notesMasterId r:id="rId20"/>
+    <p:notesMasterId r:id="rId21"/>
   </p:notesMasterIdLst>
   <p:sldIdLst>
     <p:sldId id="256" r:id="rId2"/>
@@ -19,18 +19,19 @@
     <p:sldId id="278" r:id="rId10"/>
     <p:sldId id="280" r:id="rId11"/>
     <p:sldId id="283" r:id="rId12"/>
-    <p:sldId id="281" r:id="rId13"/>
-    <p:sldId id="279" r:id="rId14"/>
-    <p:sldId id="282" r:id="rId15"/>
-    <p:sldId id="284" r:id="rId16"/>
-    <p:sldId id="285" r:id="rId17"/>
-    <p:sldId id="286" r:id="rId18"/>
-    <p:sldId id="274" r:id="rId19"/>
+    <p:sldId id="288" r:id="rId13"/>
+    <p:sldId id="281" r:id="rId14"/>
+    <p:sldId id="279" r:id="rId15"/>
+    <p:sldId id="282" r:id="rId16"/>
+    <p:sldId id="284" r:id="rId17"/>
+    <p:sldId id="285" r:id="rId18"/>
+    <p:sldId id="286" r:id="rId19"/>
+    <p:sldId id="274" r:id="rId20"/>
   </p:sldIdLst>
   <p:sldSz cx="12192000" cy="6858000"/>
   <p:notesSz cx="6858000" cy="9144000"/>
   <p:custDataLst>
-    <p:tags r:id="rId21"/>
+    <p:tags r:id="rId22"/>
   </p:custDataLst>
   <p:defaultTextStyle>
     <a:defPPr>
@@ -821,7 +822,7 @@
     </p:spTree>
     <p:extLst>
       <p:ext uri="{BB962C8B-B14F-4D97-AF65-F5344CB8AC3E}">
-        <p14:creationId xmlns:p14="http://schemas.microsoft.com/office/powerpoint/2010/main" val="1843613943"/>
+        <p14:creationId xmlns:p14="http://schemas.microsoft.com/office/powerpoint/2010/main" val="3264911663"/>
       </p:ext>
     </p:extLst>
   </p:cSld>
@@ -905,7 +906,7 @@
     </p:spTree>
     <p:extLst>
       <p:ext uri="{BB962C8B-B14F-4D97-AF65-F5344CB8AC3E}">
-        <p14:creationId xmlns:p14="http://schemas.microsoft.com/office/powerpoint/2010/main" val="761671077"/>
+        <p14:creationId xmlns:p14="http://schemas.microsoft.com/office/powerpoint/2010/main" val="1843613943"/>
       </p:ext>
     </p:extLst>
   </p:cSld>
@@ -989,7 +990,7 @@
     </p:spTree>
     <p:extLst>
       <p:ext uri="{BB962C8B-B14F-4D97-AF65-F5344CB8AC3E}">
-        <p14:creationId xmlns:p14="http://schemas.microsoft.com/office/powerpoint/2010/main" val="1270974953"/>
+        <p14:creationId xmlns:p14="http://schemas.microsoft.com/office/powerpoint/2010/main" val="761671077"/>
       </p:ext>
     </p:extLst>
   </p:cSld>
@@ -1073,7 +1074,7 @@
     </p:spTree>
     <p:extLst>
       <p:ext uri="{BB962C8B-B14F-4D97-AF65-F5344CB8AC3E}">
-        <p14:creationId xmlns:p14="http://schemas.microsoft.com/office/powerpoint/2010/main" val="38259470"/>
+        <p14:creationId xmlns:p14="http://schemas.microsoft.com/office/powerpoint/2010/main" val="1270974953"/>
       </p:ext>
     </p:extLst>
   </p:cSld>
@@ -1157,7 +1158,7 @@
     </p:spTree>
     <p:extLst>
       <p:ext uri="{BB962C8B-B14F-4D97-AF65-F5344CB8AC3E}">
-        <p14:creationId xmlns:p14="http://schemas.microsoft.com/office/powerpoint/2010/main" val="3722588687"/>
+        <p14:creationId xmlns:p14="http://schemas.microsoft.com/office/powerpoint/2010/main" val="38259470"/>
       </p:ext>
     </p:extLst>
   </p:cSld>
@@ -1241,7 +1242,7 @@
     </p:spTree>
     <p:extLst>
       <p:ext uri="{BB962C8B-B14F-4D97-AF65-F5344CB8AC3E}">
-        <p14:creationId xmlns:p14="http://schemas.microsoft.com/office/powerpoint/2010/main" val="2089825264"/>
+        <p14:creationId xmlns:p14="http://schemas.microsoft.com/office/powerpoint/2010/main" val="3722588687"/>
       </p:ext>
     </p:extLst>
   </p:cSld>
@@ -1317,6 +1318,90 @@
             <a:fld id="{B9BCC932-0C1F-4C94-8B9A-3944ABBB4E30}" type="slidenum">
               <a:rPr lang="zh-CN" altLang="en-US" smtClean="0"/>
               <a:t>18</a:t>
+            </a:fld>
+            <a:endParaRPr lang="zh-CN" altLang="en-US"/>
+          </a:p>
+        </p:txBody>
+      </p:sp>
+    </p:spTree>
+    <p:extLst>
+      <p:ext uri="{BB962C8B-B14F-4D97-AF65-F5344CB8AC3E}">
+        <p14:creationId xmlns:p14="http://schemas.microsoft.com/office/powerpoint/2010/main" val="2089825264"/>
+      </p:ext>
+    </p:extLst>
+  </p:cSld>
+  <p:clrMapOvr>
+    <a:masterClrMapping/>
+  </p:clrMapOvr>
+</p:notes>
+</file>
+
+<file path=ppt/notesSlides/notesSlide19.xml><?xml version="1.0" encoding="utf-8"?>
+<p:notes xmlns:a="http://schemas.openxmlformats.org/drawingml/2006/main" xmlns:r="http://schemas.openxmlformats.org/officeDocument/2006/relationships" xmlns:p="http://schemas.openxmlformats.org/presentationml/2006/main">
+  <p:cSld>
+    <p:spTree>
+      <p:nvGrpSpPr>
+        <p:cNvPr id="1" name=""/>
+        <p:cNvGrpSpPr/>
+        <p:nvPr/>
+      </p:nvGrpSpPr>
+      <p:grpSpPr>
+        <a:xfrm>
+          <a:off x="0" y="0"/>
+          <a:ext cx="0" cy="0"/>
+          <a:chOff x="0" y="0"/>
+          <a:chExt cx="0" cy="0"/>
+        </a:xfrm>
+      </p:grpSpPr>
+      <p:sp>
+        <p:nvSpPr>
+          <p:cNvPr id="2" name="幻灯片图像占位符 1"/>
+          <p:cNvSpPr>
+            <a:spLocks noGrp="1" noRot="1" noChangeAspect="1"/>
+          </p:cNvSpPr>
+          <p:nvPr>
+            <p:ph type="sldImg"/>
+          </p:nvPr>
+        </p:nvSpPr>
+        <p:spPr/>
+      </p:sp>
+      <p:sp>
+        <p:nvSpPr>
+          <p:cNvPr id="3" name="备注占位符 2"/>
+          <p:cNvSpPr>
+            <a:spLocks noGrp="1"/>
+          </p:cNvSpPr>
+          <p:nvPr>
+            <p:ph type="body" idx="1"/>
+          </p:nvPr>
+        </p:nvSpPr>
+        <p:spPr/>
+        <p:txBody>
+          <a:bodyPr/>
+          <a:lstStyle/>
+          <a:p>
+            <a:endParaRPr lang="zh-CN" altLang="en-US"/>
+          </a:p>
+        </p:txBody>
+      </p:sp>
+      <p:sp>
+        <p:nvSpPr>
+          <p:cNvPr id="4" name="灯片编号占位符 3"/>
+          <p:cNvSpPr>
+            <a:spLocks noGrp="1"/>
+          </p:cNvSpPr>
+          <p:nvPr>
+            <p:ph type="sldNum" sz="quarter" idx="10"/>
+          </p:nvPr>
+        </p:nvSpPr>
+        <p:spPr/>
+        <p:txBody>
+          <a:bodyPr/>
+          <a:lstStyle/>
+          <a:p>
+            <a:fld id="{B9BCC932-0C1F-4C94-8B9A-3944ABBB4E30}" type="slidenum">
+              <a:rPr lang="zh-CN" altLang="en-US" smtClean="0"/>
+              <a:t>19</a:t>
             </a:fld>
             <a:endParaRPr lang="zh-CN" altLang="en-US"/>
           </a:p>
@@ -5174,14 +5259,12 @@
           <a:p>
             <a:pPr algn="l"/>
             <a:r>
-              <a:rPr lang="en" altLang="zh-CN" sz="1800" dirty="0">
-                <a:effectLst/>
-              </a:rPr>
-              <a:t>Odyssey</a:t>
+              <a:rPr lang="zh-CN" altLang="en" dirty="0"/>
+              <a:t>短小</a:t>
             </a:r>
             <a:r>
               <a:rPr lang="zh-CN" altLang="en-US" dirty="0"/>
-              <a:t>检索系统新人串讲</a:t>
+              <a:t>视频检索系统新人串讲</a:t>
             </a:r>
             <a:endParaRPr lang="en" altLang="zh-CN" sz="1800" dirty="0">
               <a:effectLst/>
@@ -6022,129 +6105,20 @@
       </p:sp>
       <p:sp>
         <p:nvSpPr>
-          <p:cNvPr id="6" name="圆角矩形 5"/>
-          <p:cNvSpPr/>
-          <p:nvPr/>
-        </p:nvSpPr>
-        <p:spPr>
-          <a:xfrm>
-            <a:off x="403122" y="449825"/>
-            <a:ext cx="11385755" cy="5958349"/>
-          </a:xfrm>
-          <a:prstGeom prst="roundRect">
-            <a:avLst>
-              <a:gd name="adj" fmla="val 1568"/>
-            </a:avLst>
-          </a:prstGeom>
-          <a:solidFill>
-            <a:schemeClr val="bg1"/>
-          </a:solidFill>
-          <a:ln>
-            <a:noFill/>
-          </a:ln>
-          <a:effectLst>
-            <a:glow rad="228600">
-              <a:srgbClr val="02615A">
-                <a:alpha val="30000"/>
-              </a:srgbClr>
-            </a:glow>
-          </a:effectLst>
-        </p:spPr>
-        <p:style>
-          <a:lnRef idx="2">
-            <a:schemeClr val="accent1">
-              <a:shade val="50000"/>
-            </a:schemeClr>
-          </a:lnRef>
-          <a:fillRef idx="1">
-            <a:schemeClr val="accent1"/>
-          </a:fillRef>
-          <a:effectRef idx="0">
-            <a:schemeClr val="accent1"/>
-          </a:effectRef>
-          <a:fontRef idx="minor">
-            <a:schemeClr val="lt1"/>
-          </a:fontRef>
-        </p:style>
-        <p:txBody>
-          <a:bodyPr rtlCol="0" anchor="ctr"/>
-          <a:lstStyle/>
-          <a:p>
-            <a:pPr algn="ctr"/>
-            <a:endParaRPr lang="zh-CN" altLang="en-US"/>
-          </a:p>
-        </p:txBody>
-      </p:sp>
-      <p:sp>
-        <p:nvSpPr>
-          <p:cNvPr id="7" name="椭圆 6"/>
-          <p:cNvSpPr/>
-          <p:nvPr/>
-        </p:nvSpPr>
-        <p:spPr>
-          <a:xfrm>
-            <a:off x="1887301" y="2420811"/>
-            <a:ext cx="1592179" cy="1592179"/>
-          </a:xfrm>
-          <a:prstGeom prst="ellipse">
-            <a:avLst/>
-          </a:prstGeom>
-          <a:solidFill>
-            <a:srgbClr val="1C4885"/>
-          </a:solidFill>
-          <a:ln>
-            <a:noFill/>
-          </a:ln>
-        </p:spPr>
-        <p:style>
-          <a:lnRef idx="2">
-            <a:schemeClr val="accent1">
-              <a:shade val="50000"/>
-            </a:schemeClr>
-          </a:lnRef>
-          <a:fillRef idx="1">
-            <a:schemeClr val="accent1"/>
-          </a:fillRef>
-          <a:effectRef idx="0">
-            <a:schemeClr val="accent1"/>
-          </a:effectRef>
-          <a:fontRef idx="minor">
-            <a:schemeClr val="lt1"/>
-          </a:fontRef>
-        </p:style>
-        <p:txBody>
-          <a:bodyPr rtlCol="0" anchor="ctr"/>
-          <a:lstStyle/>
-          <a:p>
-            <a:pPr algn="ctr"/>
-            <a:r>
-              <a:rPr lang="en-US" altLang="zh-CN" sz="13800" b="1" dirty="0">
-                <a:solidFill>
-                  <a:schemeClr val="bg1"/>
-                </a:solidFill>
-                <a:latin typeface="FuturaBookC" pitchFamily="2" charset="-52"/>
-              </a:rPr>
-              <a:t>4</a:t>
-            </a:r>
-            <a:endParaRPr lang="zh-CN" altLang="en-US" sz="13800" b="1" dirty="0">
-              <a:solidFill>
-                <a:schemeClr val="bg1"/>
-              </a:solidFill>
-              <a:latin typeface="FuturaBookC" pitchFamily="2" charset="-52"/>
-            </a:endParaRPr>
-          </a:p>
-        </p:txBody>
-      </p:sp>
-      <p:sp>
-        <p:nvSpPr>
-          <p:cNvPr id="8" name="文本框 7"/>
+          <p:cNvPr id="3" name="文本框 2">
+            <a:extLst>
+              <a:ext uri="{FF2B5EF4-FFF2-40B4-BE49-F238E27FC236}">
+                <a16:creationId xmlns:a16="http://schemas.microsoft.com/office/drawing/2014/main" id="{08604199-1046-760F-AD7D-B6851DB53CB1}"/>
+              </a:ext>
+            </a:extLst>
+          </p:cNvPr>
           <p:cNvSpPr txBox="1"/>
           <p:nvPr/>
         </p:nvSpPr>
         <p:spPr>
           <a:xfrm>
-            <a:off x="4476985" y="2420811"/>
-            <a:ext cx="5760360" cy="769441"/>
+            <a:off x="834390" y="1428750"/>
+            <a:ext cx="2823210" cy="369332"/>
           </a:xfrm>
           <a:prstGeom prst="rect">
             <a:avLst/>
@@ -6157,88 +6131,65 @@
           </a:bodyPr>
           <a:lstStyle/>
           <a:p>
-            <a:pPr algn="just"/>
-            <a:r>
-              <a:rPr lang="en-US" altLang="zh-CN" sz="4400" b="1" dirty="0"/>
-              <a:t>as</a:t>
-            </a:r>
-            <a:endParaRPr lang="en" altLang="zh-CN" sz="4400" dirty="0">
-              <a:effectLst/>
-            </a:endParaRPr>
-          </a:p>
-        </p:txBody>
-      </p:sp>
-      <p:cxnSp>
-        <p:nvCxnSpPr>
-          <p:cNvPr id="9" name="直接连接符 8"/>
-          <p:cNvCxnSpPr/>
-          <p:nvPr/>
-        </p:nvCxnSpPr>
-        <p:spPr>
-          <a:xfrm>
-            <a:off x="4663554" y="3428999"/>
-            <a:ext cx="1112406" cy="0"/>
-          </a:xfrm>
-          <a:prstGeom prst="line">
-            <a:avLst/>
-          </a:prstGeom>
-          <a:ln w="25400">
-            <a:solidFill>
-              <a:schemeClr val="bg1">
-                <a:lumMod val="50000"/>
-              </a:schemeClr>
-            </a:solidFill>
-          </a:ln>
-        </p:spPr>
-        <p:style>
-          <a:lnRef idx="1">
-            <a:schemeClr val="accent1"/>
-          </a:lnRef>
-          <a:fillRef idx="0">
-            <a:schemeClr val="accent1"/>
-          </a:fillRef>
-          <a:effectRef idx="0">
-            <a:schemeClr val="accent1"/>
-          </a:effectRef>
-          <a:fontRef idx="minor">
-            <a:schemeClr val="tx1"/>
-          </a:fontRef>
-        </p:style>
-      </p:cxnSp>
-      <p:pic>
-        <p:nvPicPr>
-          <p:cNvPr id="12" name="图片 11"/>
-          <p:cNvPicPr>
-            <a:picLocks noChangeAspect="1"/>
-          </p:cNvPicPr>
-          <p:nvPr/>
-        </p:nvPicPr>
-        <p:blipFill>
-          <a:blip r:embed="rId3" cstate="print">
+            <a:r>
+              <a:rPr kumimoji="1" lang="zh-CN" altLang="en-US" dirty="0"/>
+              <a:t>流程：</a:t>
+            </a:r>
+          </a:p>
+        </p:txBody>
+      </p:sp>
+      <p:sp>
+        <p:nvSpPr>
+          <p:cNvPr id="7" name="文本框 6">
             <a:extLst>
-              <a:ext uri="{28A0092B-C50C-407E-A947-70E740481C1C}">
-                <a14:useLocalDpi xmlns:a14="http://schemas.microsoft.com/office/drawing/2010/main" val="0"/>
+              <a:ext uri="{FF2B5EF4-FFF2-40B4-BE49-F238E27FC236}">
+                <a16:creationId xmlns:a16="http://schemas.microsoft.com/office/drawing/2014/main" id="{2E74D27E-C230-3C9E-FF01-143380E04D6A}"/>
               </a:ext>
             </a:extLst>
-          </a:blip>
-          <a:stretch>
-            <a:fillRect/>
-          </a:stretch>
-        </p:blipFill>
-        <p:spPr>
-          <a:xfrm>
-            <a:off x="10557385" y="734960"/>
-            <a:ext cx="816082" cy="816080"/>
+          </p:cNvPr>
+          <p:cNvSpPr txBox="1"/>
+          <p:nvPr/>
+        </p:nvSpPr>
+        <p:spPr>
+          <a:xfrm>
+            <a:off x="1448743" y="2592342"/>
+            <a:ext cx="8979877" cy="369332"/>
           </a:xfrm>
           <a:prstGeom prst="rect">
             <a:avLst/>
           </a:prstGeom>
-        </p:spPr>
-      </p:pic>
+          <a:noFill/>
+        </p:spPr>
+        <p:txBody>
+          <a:bodyPr wrap="square" rtlCol="0">
+            <a:spAutoFit/>
+          </a:bodyPr>
+          <a:lstStyle/>
+          <a:p>
+            <a:r>
+              <a:rPr kumimoji="1" lang="zh-CN" altLang="en-US" dirty="0"/>
+              <a:t>链接：</a:t>
+            </a:r>
+            <a:r>
+              <a:rPr kumimoji="1" lang="en" altLang="zh-CN" dirty="0">
+                <a:hlinkClick r:id="rId3"/>
+              </a:rPr>
+              <a:t>vs</a:t>
+            </a:r>
+            <a:r>
+              <a:rPr kumimoji="1" lang="zh-CN" altLang="en-US" dirty="0">
+                <a:hlinkClick r:id="rId3"/>
+              </a:rPr>
+              <a:t>流程</a:t>
+            </a:r>
+            <a:endParaRPr kumimoji="1" lang="en" altLang="zh-CN" dirty="0"/>
+          </a:p>
+        </p:txBody>
+      </p:sp>
     </p:spTree>
     <p:extLst>
       <p:ext uri="{BB962C8B-B14F-4D97-AF65-F5344CB8AC3E}">
-        <p14:creationId xmlns:p14="http://schemas.microsoft.com/office/powerpoint/2010/main" val="811270111"/>
+        <p14:creationId xmlns:p14="http://schemas.microsoft.com/office/powerpoint/2010/main" val="3713708310"/>
       </p:ext>
     </p:extLst>
   </p:cSld>
@@ -6373,7 +6324,7 @@
         </p:nvSpPr>
         <p:spPr>
           <a:xfrm>
-            <a:off x="245805" y="449824"/>
+            <a:off x="403122" y="449825"/>
             <a:ext cx="11385755" cy="5958349"/>
           </a:xfrm>
           <a:prstGeom prst="roundRect">
@@ -6416,26 +6367,80 @@
           <a:lstStyle/>
           <a:p>
             <a:pPr algn="ctr"/>
-            <a:endParaRPr lang="zh-CN" altLang="en-US" dirty="0"/>
-          </a:p>
-        </p:txBody>
-      </p:sp>
-      <p:sp>
-        <p:nvSpPr>
-          <p:cNvPr id="3" name="文本框 2">
-            <a:extLst>
-              <a:ext uri="{FF2B5EF4-FFF2-40B4-BE49-F238E27FC236}">
-                <a16:creationId xmlns:a16="http://schemas.microsoft.com/office/drawing/2014/main" id="{08604199-1046-760F-AD7D-B6851DB53CB1}"/>
-              </a:ext>
-            </a:extLst>
-          </p:cNvPr>
+            <a:endParaRPr lang="zh-CN" altLang="en-US"/>
+          </a:p>
+        </p:txBody>
+      </p:sp>
+      <p:sp>
+        <p:nvSpPr>
+          <p:cNvPr id="7" name="椭圆 6"/>
+          <p:cNvSpPr/>
+          <p:nvPr/>
+        </p:nvSpPr>
+        <p:spPr>
+          <a:xfrm>
+            <a:off x="1887301" y="2420811"/>
+            <a:ext cx="1592179" cy="1592179"/>
+          </a:xfrm>
+          <a:prstGeom prst="ellipse">
+            <a:avLst/>
+          </a:prstGeom>
+          <a:solidFill>
+            <a:srgbClr val="1C4885"/>
+          </a:solidFill>
+          <a:ln>
+            <a:noFill/>
+          </a:ln>
+        </p:spPr>
+        <p:style>
+          <a:lnRef idx="2">
+            <a:schemeClr val="accent1">
+              <a:shade val="50000"/>
+            </a:schemeClr>
+          </a:lnRef>
+          <a:fillRef idx="1">
+            <a:schemeClr val="accent1"/>
+          </a:fillRef>
+          <a:effectRef idx="0">
+            <a:schemeClr val="accent1"/>
+          </a:effectRef>
+          <a:fontRef idx="minor">
+            <a:schemeClr val="lt1"/>
+          </a:fontRef>
+        </p:style>
+        <p:txBody>
+          <a:bodyPr rtlCol="0" anchor="ctr"/>
+          <a:lstStyle/>
+          <a:p>
+            <a:pPr algn="ctr"/>
+            <a:r>
+              <a:rPr lang="en-US" altLang="zh-CN" sz="13800" b="1" dirty="0">
+                <a:solidFill>
+                  <a:schemeClr val="bg1"/>
+                </a:solidFill>
+                <a:latin typeface="FuturaBookC" pitchFamily="2" charset="-52"/>
+              </a:rPr>
+              <a:t>4</a:t>
+            </a:r>
+            <a:endParaRPr lang="zh-CN" altLang="en-US" sz="13800" b="1" dirty="0">
+              <a:solidFill>
+                <a:schemeClr val="bg1"/>
+              </a:solidFill>
+              <a:latin typeface="FuturaBookC" pitchFamily="2" charset="-52"/>
+            </a:endParaRPr>
+          </a:p>
+        </p:txBody>
+      </p:sp>
+      <p:sp>
+        <p:nvSpPr>
+          <p:cNvPr id="8" name="文本框 7"/>
           <p:cNvSpPr txBox="1"/>
           <p:nvPr/>
         </p:nvSpPr>
         <p:spPr>
           <a:xfrm>
-            <a:off x="834390" y="1428750"/>
-            <a:ext cx="2823210" cy="369332"/>
+            <a:off x="4476985" y="2420811"/>
+            <a:ext cx="5760360" cy="769441"/>
           </a:xfrm>
           <a:prstGeom prst="rect">
             <a:avLst/>
@@ -6448,37 +6453,78 @@
           </a:bodyPr>
           <a:lstStyle/>
           <a:p>
-            <a:r>
-              <a:rPr kumimoji="1" lang="zh-CN" altLang="en-US" dirty="0"/>
-              <a:t>流程：</a:t>
-            </a:r>
-          </a:p>
-        </p:txBody>
-      </p:sp>
+            <a:pPr algn="just"/>
+            <a:r>
+              <a:rPr lang="en-US" altLang="zh-CN" sz="4400" b="1" dirty="0"/>
+              <a:t>as</a:t>
+            </a:r>
+            <a:endParaRPr lang="en" altLang="zh-CN" sz="4400" dirty="0">
+              <a:effectLst/>
+            </a:endParaRPr>
+          </a:p>
+        </p:txBody>
+      </p:sp>
+      <p:cxnSp>
+        <p:nvCxnSpPr>
+          <p:cNvPr id="9" name="直接连接符 8"/>
+          <p:cNvCxnSpPr/>
+          <p:nvPr/>
+        </p:nvCxnSpPr>
+        <p:spPr>
+          <a:xfrm>
+            <a:off x="4663554" y="3428999"/>
+            <a:ext cx="1112406" cy="0"/>
+          </a:xfrm>
+          <a:prstGeom prst="line">
+            <a:avLst/>
+          </a:prstGeom>
+          <a:ln w="25400">
+            <a:solidFill>
+              <a:schemeClr val="bg1">
+                <a:lumMod val="50000"/>
+              </a:schemeClr>
+            </a:solidFill>
+          </a:ln>
+        </p:spPr>
+        <p:style>
+          <a:lnRef idx="1">
+            <a:schemeClr val="accent1"/>
+          </a:lnRef>
+          <a:fillRef idx="0">
+            <a:schemeClr val="accent1"/>
+          </a:fillRef>
+          <a:effectRef idx="0">
+            <a:schemeClr val="accent1"/>
+          </a:effectRef>
+          <a:fontRef idx="minor">
+            <a:schemeClr val="tx1"/>
+          </a:fontRef>
+        </p:style>
+      </p:cxnSp>
       <p:pic>
         <p:nvPicPr>
-          <p:cNvPr id="2" name="图片 1">
-            <a:extLst>
-              <a:ext uri="{FF2B5EF4-FFF2-40B4-BE49-F238E27FC236}">
-                <a16:creationId xmlns:a16="http://schemas.microsoft.com/office/drawing/2014/main" id="{BC0C22CC-4A9F-61A7-0069-5F6840ED42DC}"/>
-              </a:ext>
-            </a:extLst>
-          </p:cNvPr>
+          <p:cNvPr id="12" name="图片 11"/>
           <p:cNvPicPr>
             <a:picLocks noChangeAspect="1"/>
           </p:cNvPicPr>
           <p:nvPr/>
         </p:nvPicPr>
         <p:blipFill>
-          <a:blip r:embed="rId3"/>
+          <a:blip r:embed="rId3" cstate="print">
+            <a:extLst>
+              <a:ext uri="{28A0092B-C50C-407E-A947-70E740481C1C}">
+                <a14:useLocalDpi xmlns:a14="http://schemas.microsoft.com/office/drawing/2010/main" val="0"/>
+              </a:ext>
+            </a:extLst>
+          </a:blip>
           <a:stretch>
             <a:fillRect/>
           </a:stretch>
         </p:blipFill>
         <p:spPr>
           <a:xfrm>
-            <a:off x="2768600" y="520700"/>
-            <a:ext cx="6654800" cy="5816600"/>
+            <a:off x="10557385" y="734960"/>
+            <a:ext cx="816082" cy="816080"/>
           </a:xfrm>
           <a:prstGeom prst="rect">
             <a:avLst/>
@@ -6488,7 +6534,7 @@
     </p:spTree>
     <p:extLst>
       <p:ext uri="{BB962C8B-B14F-4D97-AF65-F5344CB8AC3E}">
-        <p14:creationId xmlns:p14="http://schemas.microsoft.com/office/powerpoint/2010/main" val="1461477084"/>
+        <p14:creationId xmlns:p14="http://schemas.microsoft.com/office/powerpoint/2010/main" val="811270111"/>
       </p:ext>
     </p:extLst>
   </p:cSld>
@@ -6525,13 +6571,13 @@
       </p:grpSpPr>
       <p:sp>
         <p:nvSpPr>
-          <p:cNvPr id="5" name="矩形 4"/>
+          <p:cNvPr id="4" name="矩形 3"/>
           <p:cNvSpPr/>
           <p:nvPr/>
         </p:nvSpPr>
         <p:spPr>
           <a:xfrm>
-            <a:off x="9984658" y="4866967"/>
+            <a:off x="245805" y="294968"/>
             <a:ext cx="1961536" cy="1696064"/>
           </a:xfrm>
           <a:prstGeom prst="rect">
@@ -6571,6 +6617,107 @@
       </p:sp>
       <p:sp>
         <p:nvSpPr>
+          <p:cNvPr id="5" name="矩形 4"/>
+          <p:cNvSpPr/>
+          <p:nvPr/>
+        </p:nvSpPr>
+        <p:spPr>
+          <a:xfrm>
+            <a:off x="9984658" y="4866967"/>
+            <a:ext cx="1961536" cy="1696064"/>
+          </a:xfrm>
+          <a:prstGeom prst="rect">
+            <a:avLst/>
+          </a:prstGeom>
+          <a:solidFill>
+            <a:srgbClr val="1C4885"/>
+          </a:solidFill>
+          <a:ln>
+            <a:noFill/>
+          </a:ln>
+        </p:spPr>
+        <p:style>
+          <a:lnRef idx="2">
+            <a:schemeClr val="accent1">
+              <a:shade val="50000"/>
+            </a:schemeClr>
+          </a:lnRef>
+          <a:fillRef idx="1">
+            <a:schemeClr val="accent1"/>
+          </a:fillRef>
+          <a:effectRef idx="0">
+            <a:schemeClr val="accent1"/>
+          </a:effectRef>
+          <a:fontRef idx="minor">
+            <a:schemeClr val="lt1"/>
+          </a:fontRef>
+        </p:style>
+        <p:txBody>
+          <a:bodyPr rtlCol="0" anchor="ctr"/>
+          <a:lstStyle/>
+          <a:p>
+            <a:pPr algn="ctr"/>
+            <a:endParaRPr lang="zh-CN" altLang="en-US"/>
+          </a:p>
+        </p:txBody>
+      </p:sp>
+      <p:sp>
+        <p:nvSpPr>
+          <p:cNvPr id="6" name="圆角矩形 5"/>
+          <p:cNvSpPr/>
+          <p:nvPr/>
+        </p:nvSpPr>
+        <p:spPr>
+          <a:xfrm>
+            <a:off x="245805" y="449824"/>
+            <a:ext cx="11385755" cy="5958349"/>
+          </a:xfrm>
+          <a:prstGeom prst="roundRect">
+            <a:avLst>
+              <a:gd name="adj" fmla="val 1568"/>
+            </a:avLst>
+          </a:prstGeom>
+          <a:solidFill>
+            <a:schemeClr val="bg1"/>
+          </a:solidFill>
+          <a:ln>
+            <a:noFill/>
+          </a:ln>
+          <a:effectLst>
+            <a:glow rad="228600">
+              <a:srgbClr val="02615A">
+                <a:alpha val="30000"/>
+              </a:srgbClr>
+            </a:glow>
+          </a:effectLst>
+        </p:spPr>
+        <p:style>
+          <a:lnRef idx="2">
+            <a:schemeClr val="accent1">
+              <a:shade val="50000"/>
+            </a:schemeClr>
+          </a:lnRef>
+          <a:fillRef idx="1">
+            <a:schemeClr val="accent1"/>
+          </a:fillRef>
+          <a:effectRef idx="0">
+            <a:schemeClr val="accent1"/>
+          </a:effectRef>
+          <a:fontRef idx="minor">
+            <a:schemeClr val="lt1"/>
+          </a:fontRef>
+        </p:style>
+        <p:txBody>
+          <a:bodyPr rtlCol="0" anchor="ctr"/>
+          <a:lstStyle/>
+          <a:p>
+            <a:pPr algn="ctr"/>
+            <a:endParaRPr lang="zh-CN" altLang="en-US" dirty="0"/>
+          </a:p>
+        </p:txBody>
+      </p:sp>
+      <p:sp>
+        <p:nvSpPr>
           <p:cNvPr id="3" name="文本框 2">
             <a:extLst>
               <a:ext uri="{FF2B5EF4-FFF2-40B4-BE49-F238E27FC236}">
@@ -6583,8 +6730,8 @@
         </p:nvSpPr>
         <p:spPr>
           <a:xfrm>
-            <a:off x="454931" y="294969"/>
-            <a:ext cx="6234625" cy="369332"/>
+            <a:off x="834390" y="1428750"/>
+            <a:ext cx="2823210" cy="369332"/>
           </a:xfrm>
           <a:prstGeom prst="rect">
             <a:avLst/>
@@ -6598,100 +6745,18 @@
           <a:lstStyle/>
           <a:p>
             <a:r>
-              <a:rPr lang="en" altLang="zh-CN" b="1" i="0" u="none" strike="noStrike" dirty="0" err="1">
-                <a:solidFill>
-                  <a:srgbClr val="333333"/>
-                </a:solidFill>
-                <a:effectLst/>
-                <a:latin typeface="Open Sans" panose="020F0502020204030204" pitchFamily="34" charset="0"/>
-              </a:rPr>
-              <a:t>MultiIndexManager</a:t>
-            </a:r>
-            <a:r>
-              <a:rPr lang="en" altLang="zh-CN" b="1" i="0" u="none" strike="noStrike" dirty="0">
-                <a:solidFill>
-                  <a:srgbClr val="333333"/>
-                </a:solidFill>
-                <a:effectLst/>
-                <a:latin typeface="Open Sans" panose="020F0502020204030204" pitchFamily="34" charset="0"/>
-              </a:rPr>
-              <a:t>::</a:t>
-            </a:r>
-            <a:r>
-              <a:rPr lang="en" altLang="zh-CN" b="1" i="0" u="none" strike="noStrike" dirty="0" err="1">
-                <a:solidFill>
-                  <a:srgbClr val="333333"/>
-                </a:solidFill>
-                <a:effectLst/>
-                <a:latin typeface="Open Sans" panose="020F0502020204030204" pitchFamily="34" charset="0"/>
-              </a:rPr>
-              <a:t>batch_search_async</a:t>
-            </a:r>
-            <a:r>
               <a:rPr kumimoji="1" lang="zh-CN" altLang="en-US" dirty="0"/>
               <a:t>流程：</a:t>
             </a:r>
           </a:p>
         </p:txBody>
       </p:sp>
-      <p:sp>
-        <p:nvSpPr>
-          <p:cNvPr id="10" name="矩形 9">
+      <p:pic>
+        <p:nvPicPr>
+          <p:cNvPr id="2" name="图片 1">
             <a:extLst>
               <a:ext uri="{FF2B5EF4-FFF2-40B4-BE49-F238E27FC236}">
-                <a16:creationId xmlns:a16="http://schemas.microsoft.com/office/drawing/2014/main" id="{2C76E364-D80C-7F59-59D2-358BBA703CBF}"/>
-              </a:ext>
-            </a:extLst>
-          </p:cNvPr>
-          <p:cNvSpPr/>
-          <p:nvPr/>
-        </p:nvSpPr>
-        <p:spPr>
-          <a:xfrm>
-            <a:off x="1049311" y="1079292"/>
-            <a:ext cx="3582650" cy="5778708"/>
-          </a:xfrm>
-          <a:prstGeom prst="rect">
-            <a:avLst/>
-          </a:prstGeom>
-          <a:noFill/>
-          <a:ln w="38100">
-            <a:solidFill>
-              <a:srgbClr val="FF0000"/>
-            </a:solidFill>
-          </a:ln>
-        </p:spPr>
-        <p:style>
-          <a:lnRef idx="2">
-            <a:schemeClr val="accent1">
-              <a:shade val="50000"/>
-            </a:schemeClr>
-          </a:lnRef>
-          <a:fillRef idx="1">
-            <a:schemeClr val="accent1"/>
-          </a:fillRef>
-          <a:effectRef idx="0">
-            <a:schemeClr val="accent1"/>
-          </a:effectRef>
-          <a:fontRef idx="minor">
-            <a:schemeClr val="lt1"/>
-          </a:fontRef>
-        </p:style>
-        <p:txBody>
-          <a:bodyPr rtlCol="0" anchor="ctr"/>
-          <a:lstStyle/>
-          <a:p>
-            <a:pPr algn="ctr"/>
-            <a:endParaRPr kumimoji="1" lang="zh-CN" altLang="en-US"/>
-          </a:p>
-        </p:txBody>
-      </p:sp>
-      <p:pic>
-        <p:nvPicPr>
-          <p:cNvPr id="12" name="图片 11">
-            <a:extLst>
-              <a:ext uri="{FF2B5EF4-FFF2-40B4-BE49-F238E27FC236}">
-                <a16:creationId xmlns:a16="http://schemas.microsoft.com/office/drawing/2014/main" id="{CFAEC4DF-4237-5233-E1FE-3B4044FD78D4}"/>
+                <a16:creationId xmlns:a16="http://schemas.microsoft.com/office/drawing/2014/main" id="{BC0C22CC-4A9F-61A7-0069-5F6840ED42DC}"/>
               </a:ext>
             </a:extLst>
           </p:cNvPr>
@@ -6701,159 +6766,25 @@
           <p:nvPr/>
         </p:nvPicPr>
         <p:blipFill>
-          <a:blip r:embed="rId3">
-            <a:extLst>
-              <a:ext uri="{28A0092B-C50C-407E-A947-70E740481C1C}">
-                <a14:useLocalDpi xmlns:a14="http://schemas.microsoft.com/office/drawing/2010/main" val="0"/>
-              </a:ext>
-            </a:extLst>
-          </a:blip>
+          <a:blip r:embed="rId3"/>
           <a:stretch>
             <a:fillRect/>
           </a:stretch>
         </p:blipFill>
         <p:spPr>
           <a:xfrm>
-            <a:off x="1049311" y="479635"/>
-            <a:ext cx="10896883" cy="6581274"/>
+            <a:off x="2768600" y="520700"/>
+            <a:ext cx="6654800" cy="5816600"/>
           </a:xfrm>
           <a:prstGeom prst="rect">
             <a:avLst/>
           </a:prstGeom>
         </p:spPr>
       </p:pic>
-      <p:sp>
-        <p:nvSpPr>
-          <p:cNvPr id="13" name="文本框 12">
-            <a:extLst>
-              <a:ext uri="{FF2B5EF4-FFF2-40B4-BE49-F238E27FC236}">
-                <a16:creationId xmlns:a16="http://schemas.microsoft.com/office/drawing/2014/main" id="{C9C5E23B-8A0F-229B-8DE2-8AE9CC86425C}"/>
-              </a:ext>
-            </a:extLst>
-          </p:cNvPr>
-          <p:cNvSpPr txBox="1"/>
-          <p:nvPr/>
-        </p:nvSpPr>
-        <p:spPr>
-          <a:xfrm>
-            <a:off x="4783015" y="5263662"/>
-            <a:ext cx="2953062" cy="369332"/>
-          </a:xfrm>
-          <a:prstGeom prst="rect">
-            <a:avLst/>
-          </a:prstGeom>
-          <a:noFill/>
-        </p:spPr>
-        <p:txBody>
-          <a:bodyPr wrap="square" rtlCol="0">
-            <a:spAutoFit/>
-          </a:bodyPr>
-          <a:lstStyle/>
-          <a:p>
-            <a:r>
-              <a:rPr kumimoji="1" lang="en-US" altLang="zh-CN" dirty="0" err="1"/>
-              <a:t>search_show_video</a:t>
-            </a:r>
-            <a:endParaRPr kumimoji="1" lang="zh-CN" altLang="en-US" dirty="0"/>
-          </a:p>
-        </p:txBody>
-      </p:sp>
-      <p:sp>
-        <p:nvSpPr>
-          <p:cNvPr id="15" name="矩形 14">
-            <a:extLst>
-              <a:ext uri="{FF2B5EF4-FFF2-40B4-BE49-F238E27FC236}">
-                <a16:creationId xmlns:a16="http://schemas.microsoft.com/office/drawing/2014/main" id="{015DDC07-BA1C-924F-1BEC-826584333AD6}"/>
-              </a:ext>
-            </a:extLst>
-          </p:cNvPr>
-          <p:cNvSpPr/>
-          <p:nvPr/>
-        </p:nvSpPr>
-        <p:spPr>
-          <a:xfrm>
-            <a:off x="4783015" y="1594338"/>
-            <a:ext cx="6799385" cy="1418493"/>
-          </a:xfrm>
-          <a:prstGeom prst="rect">
-            <a:avLst/>
-          </a:prstGeom>
-          <a:noFill/>
-          <a:ln w="38100">
-            <a:solidFill>
-              <a:srgbClr val="7030A0"/>
-            </a:solidFill>
-          </a:ln>
-        </p:spPr>
-        <p:style>
-          <a:lnRef idx="2">
-            <a:schemeClr val="accent1">
-              <a:shade val="50000"/>
-            </a:schemeClr>
-          </a:lnRef>
-          <a:fillRef idx="1">
-            <a:schemeClr val="accent1"/>
-          </a:fillRef>
-          <a:effectRef idx="0">
-            <a:schemeClr val="accent1"/>
-          </a:effectRef>
-          <a:fontRef idx="minor">
-            <a:schemeClr val="lt1"/>
-          </a:fontRef>
-        </p:style>
-        <p:txBody>
-          <a:bodyPr rtlCol="0" anchor="ctr"/>
-          <a:lstStyle/>
-          <a:p>
-            <a:pPr algn="ctr"/>
-            <a:endParaRPr kumimoji="1" lang="zh-CN" altLang="en-US"/>
-          </a:p>
-        </p:txBody>
-      </p:sp>
-      <p:sp>
-        <p:nvSpPr>
-          <p:cNvPr id="16" name="文本框 15">
-            <a:extLst>
-              <a:ext uri="{FF2B5EF4-FFF2-40B4-BE49-F238E27FC236}">
-                <a16:creationId xmlns:a16="http://schemas.microsoft.com/office/drawing/2014/main" id="{9AEDA665-6D5F-335E-60F4-240C829036EC}"/>
-              </a:ext>
-            </a:extLst>
-          </p:cNvPr>
-          <p:cNvSpPr txBox="1"/>
-          <p:nvPr/>
-        </p:nvSpPr>
-        <p:spPr>
-          <a:xfrm>
-            <a:off x="8844196" y="1094282"/>
-            <a:ext cx="2563318" cy="369332"/>
-          </a:xfrm>
-          <a:prstGeom prst="rect">
-            <a:avLst/>
-          </a:prstGeom>
-          <a:noFill/>
-        </p:spPr>
-        <p:txBody>
-          <a:bodyPr wrap="square" rtlCol="0">
-            <a:spAutoFit/>
-          </a:bodyPr>
-          <a:lstStyle/>
-          <a:p>
-            <a:r>
-              <a:rPr kumimoji="1" lang="zh-CN" altLang="en-US" dirty="0"/>
-              <a:t>如果需要访问</a:t>
-            </a:r>
-            <a:r>
-              <a:rPr kumimoji="1" lang="en-US" altLang="zh-CN" dirty="0" err="1"/>
-              <a:t>urs</a:t>
-            </a:r>
-            <a:endParaRPr kumimoji="1" lang="zh-CN" altLang="en-US" dirty="0"/>
-          </a:p>
-        </p:txBody>
-      </p:sp>
     </p:spTree>
     <p:extLst>
       <p:ext uri="{BB962C8B-B14F-4D97-AF65-F5344CB8AC3E}">
-        <p14:creationId xmlns:p14="http://schemas.microsoft.com/office/powerpoint/2010/main" val="3577868744"/>
+        <p14:creationId xmlns:p14="http://schemas.microsoft.com/office/powerpoint/2010/main" val="1461477084"/>
       </p:ext>
     </p:extLst>
   </p:cSld>
@@ -6890,13 +6821,13 @@
       </p:grpSpPr>
       <p:sp>
         <p:nvSpPr>
-          <p:cNvPr id="4" name="矩形 3"/>
+          <p:cNvPr id="5" name="矩形 4"/>
           <p:cNvSpPr/>
           <p:nvPr/>
         </p:nvSpPr>
         <p:spPr>
           <a:xfrm>
-            <a:off x="10004402" y="5031860"/>
+            <a:off x="9984658" y="4866967"/>
             <a:ext cx="1961536" cy="1696064"/>
           </a:xfrm>
           <a:prstGeom prst="rect">
@@ -6939,7 +6870,7 @@
           <p:cNvPr id="3" name="文本框 2">
             <a:extLst>
               <a:ext uri="{FF2B5EF4-FFF2-40B4-BE49-F238E27FC236}">
-                <a16:creationId xmlns:a16="http://schemas.microsoft.com/office/drawing/2014/main" id="{D7D7297B-773A-E841-B179-879FA0CEF0A4}"/>
+                <a16:creationId xmlns:a16="http://schemas.microsoft.com/office/drawing/2014/main" id="{08604199-1046-760F-AD7D-B6851DB53CB1}"/>
               </a:ext>
             </a:extLst>
           </p:cNvPr>
@@ -6948,8 +6879,8 @@
         </p:nvSpPr>
         <p:spPr>
           <a:xfrm>
-            <a:off x="172387" y="175096"/>
-            <a:ext cx="6378314" cy="461665"/>
+            <a:off x="454931" y="294969"/>
+            <a:ext cx="6234625" cy="369332"/>
           </a:xfrm>
           <a:prstGeom prst="rect">
             <a:avLst/>
@@ -6957,56 +6888,268 @@
           <a:noFill/>
         </p:spPr>
         <p:txBody>
-          <a:bodyPr wrap="square">
+          <a:bodyPr wrap="square" rtlCol="0">
             <a:spAutoFit/>
           </a:bodyPr>
           <a:lstStyle/>
           <a:p>
-            <a:pPr algn="l"/>
-            <a:r>
-              <a:rPr lang="en" altLang="zh-CN" sz="2400" b="1" i="0" u="none" strike="noStrike" dirty="0" err="1">
+            <a:r>
+              <a:rPr lang="en" altLang="zh-CN" b="1" i="0" u="none" strike="noStrike" dirty="0" err="1">
                 <a:solidFill>
                   <a:srgbClr val="333333"/>
                 </a:solidFill>
                 <a:effectLst/>
-                <a:latin typeface="Open Sans" panose="020B0606030504020204" pitchFamily="34" charset="0"/>
+                <a:latin typeface="Open Sans" panose="020F0502020204030204" pitchFamily="34" charset="0"/>
               </a:rPr>
-              <a:t>ParallelManager</a:t>
-            </a:r>
-            <a:r>
-              <a:rPr lang="en" altLang="zh-CN" sz="2400" b="1" i="0" u="none" strike="noStrike" dirty="0">
+              <a:t>MultiIndexManager</a:t>
+            </a:r>
+            <a:r>
+              <a:rPr lang="en" altLang="zh-CN" b="1" i="0" u="none" strike="noStrike" dirty="0">
                 <a:solidFill>
                   <a:srgbClr val="333333"/>
                 </a:solidFill>
                 <a:effectLst/>
-                <a:latin typeface="Open Sans" panose="020B0606030504020204" pitchFamily="34" charset="0"/>
+                <a:latin typeface="Open Sans" panose="020F0502020204030204" pitchFamily="34" charset="0"/>
               </a:rPr>
               <a:t>::</a:t>
             </a:r>
             <a:r>
-              <a:rPr lang="en" altLang="zh-CN" sz="2400" b="1" i="0" u="none" strike="noStrike" dirty="0" err="1">
+              <a:rPr lang="en" altLang="zh-CN" b="1" i="0" u="none" strike="noStrike" dirty="0" err="1">
                 <a:solidFill>
                   <a:srgbClr val="333333"/>
                 </a:solidFill>
                 <a:effectLst/>
-                <a:latin typeface="Open Sans" panose="020B0606030504020204" pitchFamily="34" charset="0"/>
+                <a:latin typeface="Open Sans" panose="020F0502020204030204" pitchFamily="34" charset="0"/>
               </a:rPr>
               <a:t>batch_search_async</a:t>
             </a:r>
-            <a:endParaRPr lang="en" altLang="zh-CN" sz="2400" b="1" i="0" u="none" strike="noStrike" dirty="0">
-              <a:solidFill>
-                <a:srgbClr val="333333"/>
-              </a:solidFill>
-              <a:effectLst/>
-              <a:latin typeface="Open Sans" panose="020B0606030504020204" pitchFamily="34" charset="0"/>
-            </a:endParaRPr>
+            <a:r>
+              <a:rPr kumimoji="1" lang="zh-CN" altLang="en-US" dirty="0"/>
+              <a:t>流程：</a:t>
+            </a:r>
+          </a:p>
+        </p:txBody>
+      </p:sp>
+      <p:sp>
+        <p:nvSpPr>
+          <p:cNvPr id="10" name="矩形 9">
+            <a:extLst>
+              <a:ext uri="{FF2B5EF4-FFF2-40B4-BE49-F238E27FC236}">
+                <a16:creationId xmlns:a16="http://schemas.microsoft.com/office/drawing/2014/main" id="{2C76E364-D80C-7F59-59D2-358BBA703CBF}"/>
+              </a:ext>
+            </a:extLst>
+          </p:cNvPr>
+          <p:cNvSpPr/>
+          <p:nvPr/>
+        </p:nvSpPr>
+        <p:spPr>
+          <a:xfrm>
+            <a:off x="1049311" y="1079292"/>
+            <a:ext cx="3582650" cy="5778708"/>
+          </a:xfrm>
+          <a:prstGeom prst="rect">
+            <a:avLst/>
+          </a:prstGeom>
+          <a:noFill/>
+          <a:ln w="38100">
+            <a:solidFill>
+              <a:srgbClr val="FF0000"/>
+            </a:solidFill>
+          </a:ln>
+        </p:spPr>
+        <p:style>
+          <a:lnRef idx="2">
+            <a:schemeClr val="accent1">
+              <a:shade val="50000"/>
+            </a:schemeClr>
+          </a:lnRef>
+          <a:fillRef idx="1">
+            <a:schemeClr val="accent1"/>
+          </a:fillRef>
+          <a:effectRef idx="0">
+            <a:schemeClr val="accent1"/>
+          </a:effectRef>
+          <a:fontRef idx="minor">
+            <a:schemeClr val="lt1"/>
+          </a:fontRef>
+        </p:style>
+        <p:txBody>
+          <a:bodyPr rtlCol="0" anchor="ctr"/>
+          <a:lstStyle/>
+          <a:p>
+            <a:pPr algn="ctr"/>
+            <a:endParaRPr kumimoji="1" lang="zh-CN" altLang="en-US"/>
+          </a:p>
+        </p:txBody>
+      </p:sp>
+      <p:pic>
+        <p:nvPicPr>
+          <p:cNvPr id="12" name="图片 11">
+            <a:extLst>
+              <a:ext uri="{FF2B5EF4-FFF2-40B4-BE49-F238E27FC236}">
+                <a16:creationId xmlns:a16="http://schemas.microsoft.com/office/drawing/2014/main" id="{CFAEC4DF-4237-5233-E1FE-3B4044FD78D4}"/>
+              </a:ext>
+            </a:extLst>
+          </p:cNvPr>
+          <p:cNvPicPr>
+            <a:picLocks noChangeAspect="1"/>
+          </p:cNvPicPr>
+          <p:nvPr/>
+        </p:nvPicPr>
+        <p:blipFill>
+          <a:blip r:embed="rId3">
+            <a:extLst>
+              <a:ext uri="{28A0092B-C50C-407E-A947-70E740481C1C}">
+                <a14:useLocalDpi xmlns:a14="http://schemas.microsoft.com/office/drawing/2010/main" val="0"/>
+              </a:ext>
+            </a:extLst>
+          </a:blip>
+          <a:stretch>
+            <a:fillRect/>
+          </a:stretch>
+        </p:blipFill>
+        <p:spPr>
+          <a:xfrm>
+            <a:off x="1049311" y="479635"/>
+            <a:ext cx="10896883" cy="6581274"/>
+          </a:xfrm>
+          <a:prstGeom prst="rect">
+            <a:avLst/>
+          </a:prstGeom>
+        </p:spPr>
+      </p:pic>
+      <p:sp>
+        <p:nvSpPr>
+          <p:cNvPr id="13" name="文本框 12">
+            <a:extLst>
+              <a:ext uri="{FF2B5EF4-FFF2-40B4-BE49-F238E27FC236}">
+                <a16:creationId xmlns:a16="http://schemas.microsoft.com/office/drawing/2014/main" id="{C9C5E23B-8A0F-229B-8DE2-8AE9CC86425C}"/>
+              </a:ext>
+            </a:extLst>
+          </p:cNvPr>
+          <p:cNvSpPr txBox="1"/>
+          <p:nvPr/>
+        </p:nvSpPr>
+        <p:spPr>
+          <a:xfrm>
+            <a:off x="4783015" y="5263662"/>
+            <a:ext cx="2953062" cy="369332"/>
+          </a:xfrm>
+          <a:prstGeom prst="rect">
+            <a:avLst/>
+          </a:prstGeom>
+          <a:noFill/>
+        </p:spPr>
+        <p:txBody>
+          <a:bodyPr wrap="square" rtlCol="0">
+            <a:spAutoFit/>
+          </a:bodyPr>
+          <a:lstStyle/>
+          <a:p>
+            <a:r>
+              <a:rPr kumimoji="1" lang="en-US" altLang="zh-CN" dirty="0" err="1"/>
+              <a:t>search_urs_single</a:t>
+            </a:r>
+            <a:endParaRPr kumimoji="1" lang="zh-CN" altLang="en-US" dirty="0"/>
+          </a:p>
+        </p:txBody>
+      </p:sp>
+      <p:sp>
+        <p:nvSpPr>
+          <p:cNvPr id="15" name="矩形 14">
+            <a:extLst>
+              <a:ext uri="{FF2B5EF4-FFF2-40B4-BE49-F238E27FC236}">
+                <a16:creationId xmlns:a16="http://schemas.microsoft.com/office/drawing/2014/main" id="{015DDC07-BA1C-924F-1BEC-826584333AD6}"/>
+              </a:ext>
+            </a:extLst>
+          </p:cNvPr>
+          <p:cNvSpPr/>
+          <p:nvPr/>
+        </p:nvSpPr>
+        <p:spPr>
+          <a:xfrm>
+            <a:off x="4783015" y="1594338"/>
+            <a:ext cx="6799385" cy="1418493"/>
+          </a:xfrm>
+          <a:prstGeom prst="rect">
+            <a:avLst/>
+          </a:prstGeom>
+          <a:noFill/>
+          <a:ln w="38100">
+            <a:solidFill>
+              <a:srgbClr val="7030A0"/>
+            </a:solidFill>
+          </a:ln>
+        </p:spPr>
+        <p:style>
+          <a:lnRef idx="2">
+            <a:schemeClr val="accent1">
+              <a:shade val="50000"/>
+            </a:schemeClr>
+          </a:lnRef>
+          <a:fillRef idx="1">
+            <a:schemeClr val="accent1"/>
+          </a:fillRef>
+          <a:effectRef idx="0">
+            <a:schemeClr val="accent1"/>
+          </a:effectRef>
+          <a:fontRef idx="minor">
+            <a:schemeClr val="lt1"/>
+          </a:fontRef>
+        </p:style>
+        <p:txBody>
+          <a:bodyPr rtlCol="0" anchor="ctr"/>
+          <a:lstStyle/>
+          <a:p>
+            <a:pPr algn="ctr"/>
+            <a:endParaRPr kumimoji="1" lang="zh-CN" altLang="en-US"/>
+          </a:p>
+        </p:txBody>
+      </p:sp>
+      <p:sp>
+        <p:nvSpPr>
+          <p:cNvPr id="16" name="文本框 15">
+            <a:extLst>
+              <a:ext uri="{FF2B5EF4-FFF2-40B4-BE49-F238E27FC236}">
+                <a16:creationId xmlns:a16="http://schemas.microsoft.com/office/drawing/2014/main" id="{9AEDA665-6D5F-335E-60F4-240C829036EC}"/>
+              </a:ext>
+            </a:extLst>
+          </p:cNvPr>
+          <p:cNvSpPr txBox="1"/>
+          <p:nvPr/>
+        </p:nvSpPr>
+        <p:spPr>
+          <a:xfrm>
+            <a:off x="8844196" y="1094282"/>
+            <a:ext cx="2563318" cy="369332"/>
+          </a:xfrm>
+          <a:prstGeom prst="rect">
+            <a:avLst/>
+          </a:prstGeom>
+          <a:noFill/>
+        </p:spPr>
+        <p:txBody>
+          <a:bodyPr wrap="square" rtlCol="0">
+            <a:spAutoFit/>
+          </a:bodyPr>
+          <a:lstStyle/>
+          <a:p>
+            <a:r>
+              <a:rPr kumimoji="1" lang="zh-CN" altLang="en-US" dirty="0"/>
+              <a:t>如果需要访问</a:t>
+            </a:r>
+            <a:r>
+              <a:rPr kumimoji="1" lang="en-US" altLang="zh-CN" dirty="0" err="1"/>
+              <a:t>urs</a:t>
+            </a:r>
+            <a:endParaRPr kumimoji="1" lang="zh-CN" altLang="en-US" dirty="0"/>
           </a:p>
         </p:txBody>
       </p:sp>
     </p:spTree>
     <p:extLst>
       <p:ext uri="{BB962C8B-B14F-4D97-AF65-F5344CB8AC3E}">
-        <p14:creationId xmlns:p14="http://schemas.microsoft.com/office/powerpoint/2010/main" val="3390179024"/>
+        <p14:creationId xmlns:p14="http://schemas.microsoft.com/office/powerpoint/2010/main" val="3577868744"/>
       </p:ext>
     </p:extLst>
   </p:cSld>
@@ -7049,7 +7192,7 @@
         </p:nvSpPr>
         <p:spPr>
           <a:xfrm>
-            <a:off x="245805" y="294968"/>
+            <a:off x="10004402" y="5031860"/>
             <a:ext cx="1961536" cy="1696064"/>
           </a:xfrm>
           <a:prstGeom prst="rect">
@@ -7089,175 +7232,20 @@
       </p:sp>
       <p:sp>
         <p:nvSpPr>
-          <p:cNvPr id="5" name="矩形 4"/>
-          <p:cNvSpPr/>
-          <p:nvPr/>
-        </p:nvSpPr>
-        <p:spPr>
-          <a:xfrm>
-            <a:off x="9984658" y="4866967"/>
-            <a:ext cx="1961536" cy="1696064"/>
-          </a:xfrm>
-          <a:prstGeom prst="rect">
-            <a:avLst/>
-          </a:prstGeom>
-          <a:solidFill>
-            <a:srgbClr val="1C4885"/>
-          </a:solidFill>
-          <a:ln>
-            <a:noFill/>
-          </a:ln>
-        </p:spPr>
-        <p:style>
-          <a:lnRef idx="2">
-            <a:schemeClr val="accent1">
-              <a:shade val="50000"/>
-            </a:schemeClr>
-          </a:lnRef>
-          <a:fillRef idx="1">
-            <a:schemeClr val="accent1"/>
-          </a:fillRef>
-          <a:effectRef idx="0">
-            <a:schemeClr val="accent1"/>
-          </a:effectRef>
-          <a:fontRef idx="minor">
-            <a:schemeClr val="lt1"/>
-          </a:fontRef>
-        </p:style>
-        <p:txBody>
-          <a:bodyPr rtlCol="0" anchor="ctr"/>
-          <a:lstStyle/>
-          <a:p>
-            <a:pPr algn="ctr"/>
-            <a:endParaRPr lang="zh-CN" altLang="en-US"/>
-          </a:p>
-        </p:txBody>
-      </p:sp>
-      <p:sp>
-        <p:nvSpPr>
-          <p:cNvPr id="6" name="圆角矩形 5"/>
-          <p:cNvSpPr/>
-          <p:nvPr/>
-        </p:nvSpPr>
-        <p:spPr>
-          <a:xfrm>
-            <a:off x="403122" y="449825"/>
-            <a:ext cx="11385755" cy="5958349"/>
-          </a:xfrm>
-          <a:prstGeom prst="roundRect">
-            <a:avLst>
-              <a:gd name="adj" fmla="val 1568"/>
-            </a:avLst>
-          </a:prstGeom>
-          <a:solidFill>
-            <a:schemeClr val="bg1"/>
-          </a:solidFill>
-          <a:ln>
-            <a:noFill/>
-          </a:ln>
-          <a:effectLst>
-            <a:glow rad="228600">
-              <a:srgbClr val="02615A">
-                <a:alpha val="30000"/>
-              </a:srgbClr>
-            </a:glow>
-          </a:effectLst>
-        </p:spPr>
-        <p:style>
-          <a:lnRef idx="2">
-            <a:schemeClr val="accent1">
-              <a:shade val="50000"/>
-            </a:schemeClr>
-          </a:lnRef>
-          <a:fillRef idx="1">
-            <a:schemeClr val="accent1"/>
-          </a:fillRef>
-          <a:effectRef idx="0">
-            <a:schemeClr val="accent1"/>
-          </a:effectRef>
-          <a:fontRef idx="minor">
-            <a:schemeClr val="lt1"/>
-          </a:fontRef>
-        </p:style>
-        <p:txBody>
-          <a:bodyPr rtlCol="0" anchor="ctr"/>
-          <a:lstStyle/>
-          <a:p>
-            <a:pPr algn="ctr"/>
-            <a:endParaRPr lang="zh-CN" altLang="en-US"/>
-          </a:p>
-        </p:txBody>
-      </p:sp>
-      <p:sp>
-        <p:nvSpPr>
-          <p:cNvPr id="7" name="椭圆 6"/>
-          <p:cNvSpPr/>
-          <p:nvPr/>
-        </p:nvSpPr>
-        <p:spPr>
-          <a:xfrm>
-            <a:off x="1887301" y="2420811"/>
-            <a:ext cx="1592179" cy="1592179"/>
-          </a:xfrm>
-          <a:prstGeom prst="ellipse">
-            <a:avLst/>
-          </a:prstGeom>
-          <a:solidFill>
-            <a:srgbClr val="1C4885"/>
-          </a:solidFill>
-          <a:ln>
-            <a:noFill/>
-          </a:ln>
-        </p:spPr>
-        <p:style>
-          <a:lnRef idx="2">
-            <a:schemeClr val="accent1">
-              <a:shade val="50000"/>
-            </a:schemeClr>
-          </a:lnRef>
-          <a:fillRef idx="1">
-            <a:schemeClr val="accent1"/>
-          </a:fillRef>
-          <a:effectRef idx="0">
-            <a:schemeClr val="accent1"/>
-          </a:effectRef>
-          <a:fontRef idx="minor">
-            <a:schemeClr val="lt1"/>
-          </a:fontRef>
-        </p:style>
-        <p:txBody>
-          <a:bodyPr rtlCol="0" anchor="ctr"/>
-          <a:lstStyle/>
-          <a:p>
-            <a:pPr algn="ctr"/>
-            <a:r>
-              <a:rPr lang="en-US" altLang="zh-CN" sz="13800" b="1" dirty="0">
-                <a:solidFill>
-                  <a:schemeClr val="bg1"/>
-                </a:solidFill>
-                <a:latin typeface="FuturaBookC" pitchFamily="2" charset="-52"/>
-              </a:rPr>
-              <a:t>4</a:t>
-            </a:r>
-            <a:endParaRPr lang="zh-CN" altLang="en-US" sz="13800" b="1" dirty="0">
-              <a:solidFill>
-                <a:schemeClr val="bg1"/>
-              </a:solidFill>
-              <a:latin typeface="FuturaBookC" pitchFamily="2" charset="-52"/>
-            </a:endParaRPr>
-          </a:p>
-        </p:txBody>
-      </p:sp>
-      <p:sp>
-        <p:nvSpPr>
-          <p:cNvPr id="8" name="文本框 7"/>
+          <p:cNvPr id="3" name="文本框 2">
+            <a:extLst>
+              <a:ext uri="{FF2B5EF4-FFF2-40B4-BE49-F238E27FC236}">
+                <a16:creationId xmlns:a16="http://schemas.microsoft.com/office/drawing/2014/main" id="{D7D7297B-773A-E841-B179-879FA0CEF0A4}"/>
+              </a:ext>
+            </a:extLst>
+          </p:cNvPr>
           <p:cNvSpPr txBox="1"/>
           <p:nvPr/>
         </p:nvSpPr>
         <p:spPr>
           <a:xfrm>
-            <a:off x="4476985" y="2420811"/>
-            <a:ext cx="5760360" cy="769441"/>
+            <a:off x="172387" y="175096"/>
+            <a:ext cx="7084198" cy="461665"/>
           </a:xfrm>
           <a:prstGeom prst="rect">
             <a:avLst/>
@@ -7265,71 +7253,78 @@
           <a:noFill/>
         </p:spPr>
         <p:txBody>
-          <a:bodyPr wrap="square" rtlCol="0">
+          <a:bodyPr wrap="square">
             <a:spAutoFit/>
           </a:bodyPr>
           <a:lstStyle/>
           <a:p>
-            <a:pPr algn="just"/>
-            <a:r>
-              <a:rPr lang="en-US" altLang="zh-CN" sz="4400" b="1" dirty="0">
+            <a:pPr algn="l"/>
+            <a:r>
+              <a:rPr lang="en" altLang="zh-CN" sz="2400" b="1" i="0" u="none" strike="noStrike" dirty="0" err="1">
+                <a:solidFill>
+                  <a:srgbClr val="333333"/>
+                </a:solidFill>
                 <a:effectLst/>
+                <a:latin typeface="Open Sans" panose="020B0606030504020204" pitchFamily="34" charset="0"/>
               </a:rPr>
-              <a:t>bs</a:t>
-            </a:r>
-            <a:endParaRPr lang="en" altLang="zh-CN" sz="4400" dirty="0">
+              <a:t>ParallelManager</a:t>
+            </a:r>
+            <a:r>
+              <a:rPr lang="en" altLang="zh-CN" sz="2400" b="1" i="0" u="none" strike="noStrike" dirty="0">
+                <a:solidFill>
+                  <a:srgbClr val="333333"/>
+                </a:solidFill>
+                <a:effectLst/>
+                <a:latin typeface="Open Sans" panose="020B0606030504020204" pitchFamily="34" charset="0"/>
+              </a:rPr>
+              <a:t>::</a:t>
+            </a:r>
+            <a:r>
+              <a:rPr lang="en" altLang="zh-CN" sz="2400" b="1" i="0" u="none" strike="noStrike" dirty="0" err="1">
+                <a:solidFill>
+                  <a:srgbClr val="333333"/>
+                </a:solidFill>
+                <a:effectLst/>
+                <a:latin typeface="Open Sans" panose="020B0606030504020204" pitchFamily="34" charset="0"/>
+              </a:rPr>
+              <a:t>batch_search_async</a:t>
+            </a:r>
+            <a:r>
+              <a:rPr lang="zh-CN" altLang="en" sz="2400" b="1" i="0" u="none" strike="noStrike" dirty="0">
+                <a:solidFill>
+                  <a:srgbClr val="333333"/>
+                </a:solidFill>
+                <a:effectLst/>
+                <a:latin typeface="Open Sans" panose="020B0606030504020204" pitchFamily="34" charset="0"/>
+              </a:rPr>
+              <a:t>流程</a:t>
+            </a:r>
+            <a:endParaRPr lang="en" altLang="zh-CN" sz="2400" b="1" i="0" u="none" strike="noStrike" dirty="0">
+              <a:solidFill>
+                <a:srgbClr val="333333"/>
+              </a:solidFill>
               <a:effectLst/>
+              <a:latin typeface="Open Sans" panose="020B0606030504020204" pitchFamily="34" charset="0"/>
             </a:endParaRPr>
           </a:p>
         </p:txBody>
       </p:sp>
-      <p:cxnSp>
-        <p:nvCxnSpPr>
-          <p:cNvPr id="9" name="直接连接符 8"/>
-          <p:cNvCxnSpPr/>
-          <p:nvPr/>
-        </p:nvCxnSpPr>
-        <p:spPr>
-          <a:xfrm>
-            <a:off x="4663554" y="3428999"/>
-            <a:ext cx="1112406" cy="0"/>
-          </a:xfrm>
-          <a:prstGeom prst="line">
-            <a:avLst/>
-          </a:prstGeom>
-          <a:ln w="25400">
-            <a:solidFill>
-              <a:schemeClr val="bg1">
-                <a:lumMod val="50000"/>
-              </a:schemeClr>
-            </a:solidFill>
-          </a:ln>
-        </p:spPr>
-        <p:style>
-          <a:lnRef idx="1">
-            <a:schemeClr val="accent1"/>
-          </a:lnRef>
-          <a:fillRef idx="0">
-            <a:schemeClr val="accent1"/>
-          </a:fillRef>
-          <a:effectRef idx="0">
-            <a:schemeClr val="accent1"/>
-          </a:effectRef>
-          <a:fontRef idx="minor">
-            <a:schemeClr val="tx1"/>
-          </a:fontRef>
-        </p:style>
-      </p:cxnSp>
       <p:pic>
         <p:nvPicPr>
-          <p:cNvPr id="12" name="图片 11"/>
+          <p:cNvPr id="5" name="图片 4">
+            <a:extLst>
+              <a:ext uri="{FF2B5EF4-FFF2-40B4-BE49-F238E27FC236}">
+                <a16:creationId xmlns:a16="http://schemas.microsoft.com/office/drawing/2014/main" id="{EF4C1006-20B8-8AC4-2CE5-B8EFF1F30A1E}"/>
+              </a:ext>
+            </a:extLst>
+          </p:cNvPr>
           <p:cNvPicPr>
             <a:picLocks noChangeAspect="1"/>
           </p:cNvPicPr>
           <p:nvPr/>
         </p:nvPicPr>
         <p:blipFill>
-          <a:blip r:embed="rId3" cstate="print">
+          <a:blip r:embed="rId3">
             <a:extLst>
               <a:ext uri="{28A0092B-C50C-407E-A947-70E740481C1C}">
                 <a14:useLocalDpi xmlns:a14="http://schemas.microsoft.com/office/drawing/2010/main" val="0"/>
@@ -7342,8 +7337,8 @@
         </p:blipFill>
         <p:spPr>
           <a:xfrm>
-            <a:off x="10557385" y="734960"/>
-            <a:ext cx="816082" cy="816080"/>
+            <a:off x="3977952" y="1371599"/>
+            <a:ext cx="3139909" cy="4552869"/>
           </a:xfrm>
           <a:prstGeom prst="rect">
             <a:avLst/>
@@ -7353,7 +7348,7 @@
     </p:spTree>
     <p:extLst>
       <p:ext uri="{BB962C8B-B14F-4D97-AF65-F5344CB8AC3E}">
-        <p14:creationId xmlns:p14="http://schemas.microsoft.com/office/powerpoint/2010/main" val="252043003"/>
+        <p14:creationId xmlns:p14="http://schemas.microsoft.com/office/powerpoint/2010/main" val="3390179024"/>
       </p:ext>
     </p:extLst>
   </p:cSld>
@@ -7396,6 +7391,353 @@
         </p:nvSpPr>
         <p:spPr>
           <a:xfrm>
+            <a:off x="245805" y="294968"/>
+            <a:ext cx="1961536" cy="1696064"/>
+          </a:xfrm>
+          <a:prstGeom prst="rect">
+            <a:avLst/>
+          </a:prstGeom>
+          <a:solidFill>
+            <a:srgbClr val="1C4885"/>
+          </a:solidFill>
+          <a:ln>
+            <a:noFill/>
+          </a:ln>
+        </p:spPr>
+        <p:style>
+          <a:lnRef idx="2">
+            <a:schemeClr val="accent1">
+              <a:shade val="50000"/>
+            </a:schemeClr>
+          </a:lnRef>
+          <a:fillRef idx="1">
+            <a:schemeClr val="accent1"/>
+          </a:fillRef>
+          <a:effectRef idx="0">
+            <a:schemeClr val="accent1"/>
+          </a:effectRef>
+          <a:fontRef idx="minor">
+            <a:schemeClr val="lt1"/>
+          </a:fontRef>
+        </p:style>
+        <p:txBody>
+          <a:bodyPr rtlCol="0" anchor="ctr"/>
+          <a:lstStyle/>
+          <a:p>
+            <a:pPr algn="ctr"/>
+            <a:endParaRPr lang="zh-CN" altLang="en-US"/>
+          </a:p>
+        </p:txBody>
+      </p:sp>
+      <p:sp>
+        <p:nvSpPr>
+          <p:cNvPr id="5" name="矩形 4"/>
+          <p:cNvSpPr/>
+          <p:nvPr/>
+        </p:nvSpPr>
+        <p:spPr>
+          <a:xfrm>
+            <a:off x="9984658" y="4866967"/>
+            <a:ext cx="1961536" cy="1696064"/>
+          </a:xfrm>
+          <a:prstGeom prst="rect">
+            <a:avLst/>
+          </a:prstGeom>
+          <a:solidFill>
+            <a:srgbClr val="1C4885"/>
+          </a:solidFill>
+          <a:ln>
+            <a:noFill/>
+          </a:ln>
+        </p:spPr>
+        <p:style>
+          <a:lnRef idx="2">
+            <a:schemeClr val="accent1">
+              <a:shade val="50000"/>
+            </a:schemeClr>
+          </a:lnRef>
+          <a:fillRef idx="1">
+            <a:schemeClr val="accent1"/>
+          </a:fillRef>
+          <a:effectRef idx="0">
+            <a:schemeClr val="accent1"/>
+          </a:effectRef>
+          <a:fontRef idx="minor">
+            <a:schemeClr val="lt1"/>
+          </a:fontRef>
+        </p:style>
+        <p:txBody>
+          <a:bodyPr rtlCol="0" anchor="ctr"/>
+          <a:lstStyle/>
+          <a:p>
+            <a:pPr algn="ctr"/>
+            <a:endParaRPr lang="zh-CN" altLang="en-US"/>
+          </a:p>
+        </p:txBody>
+      </p:sp>
+      <p:sp>
+        <p:nvSpPr>
+          <p:cNvPr id="6" name="圆角矩形 5"/>
+          <p:cNvSpPr/>
+          <p:nvPr/>
+        </p:nvSpPr>
+        <p:spPr>
+          <a:xfrm>
+            <a:off x="403122" y="449825"/>
+            <a:ext cx="11385755" cy="5958349"/>
+          </a:xfrm>
+          <a:prstGeom prst="roundRect">
+            <a:avLst>
+              <a:gd name="adj" fmla="val 1568"/>
+            </a:avLst>
+          </a:prstGeom>
+          <a:solidFill>
+            <a:schemeClr val="bg1"/>
+          </a:solidFill>
+          <a:ln>
+            <a:noFill/>
+          </a:ln>
+          <a:effectLst>
+            <a:glow rad="228600">
+              <a:srgbClr val="02615A">
+                <a:alpha val="30000"/>
+              </a:srgbClr>
+            </a:glow>
+          </a:effectLst>
+        </p:spPr>
+        <p:style>
+          <a:lnRef idx="2">
+            <a:schemeClr val="accent1">
+              <a:shade val="50000"/>
+            </a:schemeClr>
+          </a:lnRef>
+          <a:fillRef idx="1">
+            <a:schemeClr val="accent1"/>
+          </a:fillRef>
+          <a:effectRef idx="0">
+            <a:schemeClr val="accent1"/>
+          </a:effectRef>
+          <a:fontRef idx="minor">
+            <a:schemeClr val="lt1"/>
+          </a:fontRef>
+        </p:style>
+        <p:txBody>
+          <a:bodyPr rtlCol="0" anchor="ctr"/>
+          <a:lstStyle/>
+          <a:p>
+            <a:pPr algn="ctr"/>
+            <a:endParaRPr lang="zh-CN" altLang="en-US"/>
+          </a:p>
+        </p:txBody>
+      </p:sp>
+      <p:sp>
+        <p:nvSpPr>
+          <p:cNvPr id="7" name="椭圆 6"/>
+          <p:cNvSpPr/>
+          <p:nvPr/>
+        </p:nvSpPr>
+        <p:spPr>
+          <a:xfrm>
+            <a:off x="1887301" y="2420811"/>
+            <a:ext cx="1592179" cy="1592179"/>
+          </a:xfrm>
+          <a:prstGeom prst="ellipse">
+            <a:avLst/>
+          </a:prstGeom>
+          <a:solidFill>
+            <a:srgbClr val="1C4885"/>
+          </a:solidFill>
+          <a:ln>
+            <a:noFill/>
+          </a:ln>
+        </p:spPr>
+        <p:style>
+          <a:lnRef idx="2">
+            <a:schemeClr val="accent1">
+              <a:shade val="50000"/>
+            </a:schemeClr>
+          </a:lnRef>
+          <a:fillRef idx="1">
+            <a:schemeClr val="accent1"/>
+          </a:fillRef>
+          <a:effectRef idx="0">
+            <a:schemeClr val="accent1"/>
+          </a:effectRef>
+          <a:fontRef idx="minor">
+            <a:schemeClr val="lt1"/>
+          </a:fontRef>
+        </p:style>
+        <p:txBody>
+          <a:bodyPr rtlCol="0" anchor="ctr"/>
+          <a:lstStyle/>
+          <a:p>
+            <a:pPr algn="ctr"/>
+            <a:r>
+              <a:rPr lang="en-US" altLang="zh-CN" sz="13800" b="1" dirty="0">
+                <a:solidFill>
+                  <a:schemeClr val="bg1"/>
+                </a:solidFill>
+                <a:latin typeface="FuturaBookC" pitchFamily="2" charset="-52"/>
+              </a:rPr>
+              <a:t>4</a:t>
+            </a:r>
+            <a:endParaRPr lang="zh-CN" altLang="en-US" sz="13800" b="1" dirty="0">
+              <a:solidFill>
+                <a:schemeClr val="bg1"/>
+              </a:solidFill>
+              <a:latin typeface="FuturaBookC" pitchFamily="2" charset="-52"/>
+            </a:endParaRPr>
+          </a:p>
+        </p:txBody>
+      </p:sp>
+      <p:sp>
+        <p:nvSpPr>
+          <p:cNvPr id="8" name="文本框 7"/>
+          <p:cNvSpPr txBox="1"/>
+          <p:nvPr/>
+        </p:nvSpPr>
+        <p:spPr>
+          <a:xfrm>
+            <a:off x="4476985" y="2420811"/>
+            <a:ext cx="5760360" cy="769441"/>
+          </a:xfrm>
+          <a:prstGeom prst="rect">
+            <a:avLst/>
+          </a:prstGeom>
+          <a:noFill/>
+        </p:spPr>
+        <p:txBody>
+          <a:bodyPr wrap="square" rtlCol="0">
+            <a:spAutoFit/>
+          </a:bodyPr>
+          <a:lstStyle/>
+          <a:p>
+            <a:pPr algn="just"/>
+            <a:r>
+              <a:rPr lang="en-US" altLang="zh-CN" sz="4400" b="1" dirty="0">
+                <a:effectLst/>
+              </a:rPr>
+              <a:t>bs</a:t>
+            </a:r>
+            <a:endParaRPr lang="en" altLang="zh-CN" sz="4400" dirty="0">
+              <a:effectLst/>
+            </a:endParaRPr>
+          </a:p>
+        </p:txBody>
+      </p:sp>
+      <p:cxnSp>
+        <p:nvCxnSpPr>
+          <p:cNvPr id="9" name="直接连接符 8"/>
+          <p:cNvCxnSpPr/>
+          <p:nvPr/>
+        </p:nvCxnSpPr>
+        <p:spPr>
+          <a:xfrm>
+            <a:off x="4663554" y="3428999"/>
+            <a:ext cx="1112406" cy="0"/>
+          </a:xfrm>
+          <a:prstGeom prst="line">
+            <a:avLst/>
+          </a:prstGeom>
+          <a:ln w="25400">
+            <a:solidFill>
+              <a:schemeClr val="bg1">
+                <a:lumMod val="50000"/>
+              </a:schemeClr>
+            </a:solidFill>
+          </a:ln>
+        </p:spPr>
+        <p:style>
+          <a:lnRef idx="1">
+            <a:schemeClr val="accent1"/>
+          </a:lnRef>
+          <a:fillRef idx="0">
+            <a:schemeClr val="accent1"/>
+          </a:fillRef>
+          <a:effectRef idx="0">
+            <a:schemeClr val="accent1"/>
+          </a:effectRef>
+          <a:fontRef idx="minor">
+            <a:schemeClr val="tx1"/>
+          </a:fontRef>
+        </p:style>
+      </p:cxnSp>
+      <p:pic>
+        <p:nvPicPr>
+          <p:cNvPr id="12" name="图片 11"/>
+          <p:cNvPicPr>
+            <a:picLocks noChangeAspect="1"/>
+          </p:cNvPicPr>
+          <p:nvPr/>
+        </p:nvPicPr>
+        <p:blipFill>
+          <a:blip r:embed="rId3" cstate="print">
+            <a:extLst>
+              <a:ext uri="{28A0092B-C50C-407E-A947-70E740481C1C}">
+                <a14:useLocalDpi xmlns:a14="http://schemas.microsoft.com/office/drawing/2010/main" val="0"/>
+              </a:ext>
+            </a:extLst>
+          </a:blip>
+          <a:stretch>
+            <a:fillRect/>
+          </a:stretch>
+        </p:blipFill>
+        <p:spPr>
+          <a:xfrm>
+            <a:off x="10557385" y="734960"/>
+            <a:ext cx="816082" cy="816080"/>
+          </a:xfrm>
+          <a:prstGeom prst="rect">
+            <a:avLst/>
+          </a:prstGeom>
+        </p:spPr>
+      </p:pic>
+    </p:spTree>
+    <p:extLst>
+      <p:ext uri="{BB962C8B-B14F-4D97-AF65-F5344CB8AC3E}">
+        <p14:creationId xmlns:p14="http://schemas.microsoft.com/office/powerpoint/2010/main" val="252043003"/>
+      </p:ext>
+    </p:extLst>
+  </p:cSld>
+  <p:clrMapOvr>
+    <a:masterClrMapping/>
+  </p:clrMapOvr>
+  <mc:AlternateContent xmlns:mc="http://schemas.openxmlformats.org/markup-compatibility/2006" xmlns:p14="http://schemas.microsoft.com/office/powerpoint/2010/main">
+    <mc:Choice Requires="p14">
+      <p:transition p14:dur="10"/>
+    </mc:Choice>
+    <mc:Fallback xmlns="">
+      <p:transition/>
+    </mc:Fallback>
+  </mc:AlternateContent>
+</p:sld>
+</file>
+
+<file path=ppt/slides/slide18.xml><?xml version="1.0" encoding="utf-8"?>
+<p:sld xmlns:a="http://schemas.openxmlformats.org/drawingml/2006/main" xmlns:r="http://schemas.openxmlformats.org/officeDocument/2006/relationships" xmlns:p="http://schemas.openxmlformats.org/presentationml/2006/main">
+  <p:cSld>
+    <p:spTree>
+      <p:nvGrpSpPr>
+        <p:cNvPr id="1" name=""/>
+        <p:cNvGrpSpPr/>
+        <p:nvPr/>
+      </p:nvGrpSpPr>
+      <p:grpSpPr>
+        <a:xfrm>
+          <a:off x="0" y="0"/>
+          <a:ext cx="0" cy="0"/>
+          <a:chOff x="0" y="0"/>
+          <a:chExt cx="0" cy="0"/>
+        </a:xfrm>
+      </p:grpSpPr>
+      <p:sp>
+        <p:nvSpPr>
+          <p:cNvPr id="4" name="矩形 3"/>
+          <p:cNvSpPr/>
+          <p:nvPr/>
+        </p:nvSpPr>
+        <p:spPr>
+          <a:xfrm>
             <a:off x="10004402" y="5031860"/>
             <a:ext cx="1961536" cy="1696064"/>
           </a:xfrm>
@@ -7706,6 +8048,122 @@
           </a:p>
         </p:txBody>
       </p:sp>
+      <p:sp>
+        <p:nvSpPr>
+          <p:cNvPr id="2" name="文本框 1">
+            <a:extLst>
+              <a:ext uri="{FF2B5EF4-FFF2-40B4-BE49-F238E27FC236}">
+                <a16:creationId xmlns:a16="http://schemas.microsoft.com/office/drawing/2014/main" id="{24396E37-5FC3-9549-C1AE-D44559E79821}"/>
+              </a:ext>
+            </a:extLst>
+          </p:cNvPr>
+          <p:cNvSpPr txBox="1"/>
+          <p:nvPr/>
+        </p:nvSpPr>
+        <p:spPr>
+          <a:xfrm>
+            <a:off x="914400" y="3238500"/>
+            <a:ext cx="3247292" cy="923330"/>
+          </a:xfrm>
+          <a:prstGeom prst="rect">
+            <a:avLst/>
+          </a:prstGeom>
+          <a:noFill/>
+        </p:spPr>
+        <p:txBody>
+          <a:bodyPr wrap="square" rtlCol="0">
+            <a:spAutoFit/>
+          </a:bodyPr>
+          <a:lstStyle/>
+          <a:p>
+            <a:r>
+              <a:rPr kumimoji="1" lang="zh-CN" altLang="en-US" dirty="0"/>
+              <a:t>两种方法：</a:t>
+            </a:r>
+            <a:endParaRPr kumimoji="1" lang="en-US" altLang="zh-CN" dirty="0"/>
+          </a:p>
+          <a:p>
+            <a:r>
+              <a:rPr kumimoji="1" lang="en-US" altLang="zh-CN" dirty="0"/>
+              <a:t>n2(</a:t>
+            </a:r>
+            <a:r>
+              <a:rPr kumimoji="1" lang="en-US" altLang="zh-CN" dirty="0" err="1"/>
+              <a:t>cnn</a:t>
+            </a:r>
+            <a:r>
+              <a:rPr kumimoji="1" lang="zh-CN" altLang="en-US" dirty="0"/>
+              <a:t>特征</a:t>
+            </a:r>
+            <a:r>
+              <a:rPr kumimoji="1" lang="en-US" altLang="zh-CN" dirty="0"/>
+              <a:t>)</a:t>
+            </a:r>
+          </a:p>
+          <a:p>
+            <a:r>
+              <a:rPr kumimoji="1" lang="en-US" altLang="zh-CN" dirty="0" err="1"/>
+              <a:t>HammingMatcher</a:t>
+            </a:r>
+            <a:r>
+              <a:rPr kumimoji="1" lang="en-US" altLang="zh-CN" dirty="0"/>
+              <a:t>(</a:t>
+            </a:r>
+            <a:r>
+              <a:rPr kumimoji="1" lang="zh-CN" altLang="en-US" dirty="0"/>
+              <a:t>召回校验</a:t>
+            </a:r>
+            <a:r>
+              <a:rPr kumimoji="1" lang="en-US" altLang="zh-CN" dirty="0"/>
+              <a:t>)</a:t>
+            </a:r>
+            <a:endParaRPr kumimoji="1" lang="zh-CN" altLang="en-US" dirty="0"/>
+          </a:p>
+        </p:txBody>
+      </p:sp>
+      <p:sp>
+        <p:nvSpPr>
+          <p:cNvPr id="7" name="文本框 6">
+            <a:extLst>
+              <a:ext uri="{FF2B5EF4-FFF2-40B4-BE49-F238E27FC236}">
+                <a16:creationId xmlns:a16="http://schemas.microsoft.com/office/drawing/2014/main" id="{05CD28B4-5A23-BD1E-34F1-A6DFAA0304E5}"/>
+              </a:ext>
+            </a:extLst>
+          </p:cNvPr>
+          <p:cNvSpPr txBox="1"/>
+          <p:nvPr/>
+        </p:nvSpPr>
+        <p:spPr>
+          <a:xfrm>
+            <a:off x="9579567" y="4161830"/>
+            <a:ext cx="2110154" cy="923330"/>
+          </a:xfrm>
+          <a:prstGeom prst="rect">
+            <a:avLst/>
+          </a:prstGeom>
+          <a:noFill/>
+        </p:spPr>
+        <p:txBody>
+          <a:bodyPr wrap="square" rtlCol="0">
+            <a:spAutoFit/>
+          </a:bodyPr>
+          <a:lstStyle/>
+          <a:p>
+            <a:r>
+              <a:rPr kumimoji="1" lang="zh-CN" altLang="en-US" dirty="0"/>
+              <a:t>一个用内存，一个用</a:t>
+            </a:r>
+            <a:r>
+              <a:rPr kumimoji="1" lang="en-US" altLang="zh-CN" dirty="0" err="1"/>
+              <a:t>kv-db</a:t>
+            </a:r>
+            <a:r>
+              <a:rPr kumimoji="1" lang="zh-CN" altLang="en-US" dirty="0"/>
+              <a:t>，现在在内存了</a:t>
+            </a:r>
+          </a:p>
+        </p:txBody>
+      </p:sp>
     </p:spTree>
     <p:extLst>
       <p:ext uri="{BB962C8B-B14F-4D97-AF65-F5344CB8AC3E}">
@@ -7727,7 +8185,7 @@
 </p:sld>
 </file>
 
-<file path=ppt/slides/slide18.xml><?xml version="1.0" encoding="utf-8"?>
+<file path=ppt/slides/slide19.xml><?xml version="1.0" encoding="utf-8"?>
 <p:sld xmlns:a="http://schemas.openxmlformats.org/drawingml/2006/main" xmlns:r="http://schemas.openxmlformats.org/officeDocument/2006/relationships" xmlns:p="http://schemas.openxmlformats.org/presentationml/2006/main">
   <p:cSld>
     <p:spTree>
@@ -8330,7 +8788,7 @@
         <p:spPr>
           <a:xfrm>
             <a:off x="2883795" y="2281657"/>
-            <a:ext cx="4396024" cy="830997"/>
+            <a:ext cx="4396024" cy="1200329"/>
           </a:xfrm>
           <a:prstGeom prst="rect">
             <a:avLst/>
@@ -8366,7 +8824,7 @@
                 <a:latin typeface="Times New Roman" panose="02020603050405020304" pitchFamily="18" charset="0"/>
                 <a:cs typeface="Times New Roman" panose="02020603050405020304" pitchFamily="18" charset="0"/>
               </a:rPr>
-              <a:t>及检索流程</a:t>
+              <a:t>及短小视频检索流程</a:t>
             </a:r>
             <a:endParaRPr lang="en" altLang="zh-CN" sz="2400" b="1" dirty="0">
               <a:effectLst/>
@@ -8394,7 +8852,7 @@
         </p:nvSpPr>
         <p:spPr>
           <a:xfrm>
-            <a:off x="6706362" y="2288994"/>
+            <a:off x="7479853" y="2288994"/>
             <a:ext cx="764496" cy="643774"/>
           </a:xfrm>
           <a:prstGeom prst="ellipse">
@@ -8457,7 +8915,7 @@
         </p:nvSpPr>
         <p:spPr>
           <a:xfrm>
-            <a:off x="7470858" y="2281657"/>
+            <a:off x="8244349" y="2281657"/>
             <a:ext cx="3701845" cy="830997"/>
           </a:xfrm>
           <a:prstGeom prst="rect">
@@ -8608,7 +9066,7 @@
         </p:nvSpPr>
         <p:spPr>
           <a:xfrm>
-            <a:off x="6706362" y="3531732"/>
+            <a:off x="7479853" y="3531732"/>
             <a:ext cx="764496" cy="643774"/>
           </a:xfrm>
           <a:prstGeom prst="ellipse">
@@ -8671,7 +9129,7 @@
         </p:nvSpPr>
         <p:spPr>
           <a:xfrm>
-            <a:off x="7470858" y="3524395"/>
+            <a:off x="8244349" y="3524395"/>
             <a:ext cx="3701845" cy="461665"/>
           </a:xfrm>
           <a:prstGeom prst="rect">
@@ -8702,36 +9160,6 @@
           </a:p>
         </p:txBody>
       </p:sp>
-      <p:pic>
-        <p:nvPicPr>
-          <p:cNvPr id="21" name="图片 20"/>
-          <p:cNvPicPr>
-            <a:picLocks noChangeAspect="1"/>
-          </p:cNvPicPr>
-          <p:nvPr/>
-        </p:nvPicPr>
-        <p:blipFill>
-          <a:blip r:embed="rId3" cstate="print">
-            <a:extLst>
-              <a:ext uri="{28A0092B-C50C-407E-A947-70E740481C1C}">
-                <a14:useLocalDpi xmlns:a14="http://schemas.microsoft.com/office/drawing/2010/main" val="0"/>
-              </a:ext>
-            </a:extLst>
-          </a:blip>
-          <a:stretch>
-            <a:fillRect/>
-          </a:stretch>
-        </p:blipFill>
-        <p:spPr>
-          <a:xfrm>
-            <a:off x="10557385" y="734960"/>
-            <a:ext cx="816082" cy="816080"/>
-          </a:xfrm>
-          <a:prstGeom prst="rect">
-            <a:avLst/>
-          </a:prstGeom>
-        </p:spPr>
-      </p:pic>
       <p:sp>
         <p:nvSpPr>
           <p:cNvPr id="2" name="椭圆 1">
@@ -9193,98 +9621,6 @@
       </p:grpSpPr>
       <p:sp>
         <p:nvSpPr>
-          <p:cNvPr id="4" name="矩形 3"/>
-          <p:cNvSpPr/>
-          <p:nvPr/>
-        </p:nvSpPr>
-        <p:spPr>
-          <a:xfrm>
-            <a:off x="245805" y="294968"/>
-            <a:ext cx="1961536" cy="1696064"/>
-          </a:xfrm>
-          <a:prstGeom prst="rect">
-            <a:avLst/>
-          </a:prstGeom>
-          <a:solidFill>
-            <a:srgbClr val="1C4885"/>
-          </a:solidFill>
-          <a:ln>
-            <a:noFill/>
-          </a:ln>
-        </p:spPr>
-        <p:style>
-          <a:lnRef idx="2">
-            <a:schemeClr val="accent1">
-              <a:shade val="50000"/>
-            </a:schemeClr>
-          </a:lnRef>
-          <a:fillRef idx="1">
-            <a:schemeClr val="accent1"/>
-          </a:fillRef>
-          <a:effectRef idx="0">
-            <a:schemeClr val="accent1"/>
-          </a:effectRef>
-          <a:fontRef idx="minor">
-            <a:schemeClr val="lt1"/>
-          </a:fontRef>
-        </p:style>
-        <p:txBody>
-          <a:bodyPr rtlCol="0" anchor="ctr"/>
-          <a:lstStyle/>
-          <a:p>
-            <a:pPr algn="ctr"/>
-            <a:endParaRPr lang="zh-CN" altLang="en-US"/>
-          </a:p>
-        </p:txBody>
-      </p:sp>
-      <p:sp>
-        <p:nvSpPr>
-          <p:cNvPr id="5" name="矩形 4"/>
-          <p:cNvSpPr/>
-          <p:nvPr/>
-        </p:nvSpPr>
-        <p:spPr>
-          <a:xfrm>
-            <a:off x="9984658" y="4866967"/>
-            <a:ext cx="1961536" cy="1696064"/>
-          </a:xfrm>
-          <a:prstGeom prst="rect">
-            <a:avLst/>
-          </a:prstGeom>
-          <a:solidFill>
-            <a:srgbClr val="1C4885"/>
-          </a:solidFill>
-          <a:ln>
-            <a:noFill/>
-          </a:ln>
-        </p:spPr>
-        <p:style>
-          <a:lnRef idx="2">
-            <a:schemeClr val="accent1">
-              <a:shade val="50000"/>
-            </a:schemeClr>
-          </a:lnRef>
-          <a:fillRef idx="1">
-            <a:schemeClr val="accent1"/>
-          </a:fillRef>
-          <a:effectRef idx="0">
-            <a:schemeClr val="accent1"/>
-          </a:effectRef>
-          <a:fontRef idx="minor">
-            <a:schemeClr val="lt1"/>
-          </a:fontRef>
-        </p:style>
-        <p:txBody>
-          <a:bodyPr rtlCol="0" anchor="ctr"/>
-          <a:lstStyle/>
-          <a:p>
-            <a:pPr algn="ctr"/>
-            <a:endParaRPr lang="zh-CN" altLang="en-US"/>
-          </a:p>
-        </p:txBody>
-      </p:sp>
-      <p:sp>
-        <p:nvSpPr>
           <p:cNvPr id="3" name="文本框 2">
             <a:extLst>
               <a:ext uri="{FF2B5EF4-FFF2-40B4-BE49-F238E27FC236}">
@@ -9297,8 +9633,8 @@
         </p:nvSpPr>
         <p:spPr>
           <a:xfrm>
-            <a:off x="3127058" y="2690336"/>
-            <a:ext cx="6097904" cy="1477328"/>
+            <a:off x="220380" y="1338322"/>
+            <a:ext cx="2886236" cy="1754326"/>
           </a:xfrm>
           <a:prstGeom prst="rect">
             <a:avLst/>
@@ -9355,36 +9691,6 @@
               <a:t>正排</a:t>
             </a:r>
             <a:endParaRPr lang="en-US" altLang="zh-CN" dirty="0"/>
-          </a:p>
-          <a:p>
-            <a:pPr algn="l"/>
-            <a:r>
-              <a:rPr lang="en" altLang="zh-CN" dirty="0">
-                <a:effectLst/>
-              </a:rPr>
-              <a:t>C</a:t>
-            </a:r>
-            <a:r>
-              <a:rPr lang="zh-CN" altLang="en-US" dirty="0">
-                <a:effectLst/>
-              </a:rPr>
-              <a:t>端用户通过访问物料库</a:t>
-            </a:r>
-            <a:r>
-              <a:rPr lang="en-US" altLang="zh-CN" dirty="0">
-                <a:effectLst/>
-              </a:rPr>
-              <a:t>/</a:t>
-            </a:r>
-            <a:r>
-              <a:rPr lang="zh-CN" altLang="en-US" dirty="0">
-                <a:effectLst/>
-              </a:rPr>
-              <a:t>正排来获取数据。</a:t>
-            </a:r>
-            <a:endParaRPr lang="en-US" altLang="zh-CN" dirty="0">
-              <a:effectLst/>
-            </a:endParaRPr>
           </a:p>
           <a:p>
             <a:pPr algn="l"/>
@@ -9423,7 +9729,7 @@
         </p:nvSpPr>
         <p:spPr>
           <a:xfrm>
-            <a:off x="2526030" y="1085850"/>
+            <a:off x="695692" y="479634"/>
             <a:ext cx="1463040" cy="369332"/>
           </a:xfrm>
           <a:prstGeom prst="rect">
@@ -9450,6 +9756,42 @@
           </a:p>
         </p:txBody>
       </p:sp>
+      <p:pic>
+        <p:nvPicPr>
+          <p:cNvPr id="6" name="图片 5">
+            <a:extLst>
+              <a:ext uri="{FF2B5EF4-FFF2-40B4-BE49-F238E27FC236}">
+                <a16:creationId xmlns:a16="http://schemas.microsoft.com/office/drawing/2014/main" id="{69FFAD42-A086-CC4A-43FC-4CC0342B5772}"/>
+              </a:ext>
+            </a:extLst>
+          </p:cNvPr>
+          <p:cNvPicPr>
+            <a:picLocks noChangeAspect="1"/>
+          </p:cNvPicPr>
+          <p:nvPr/>
+        </p:nvPicPr>
+        <p:blipFill>
+          <a:blip r:embed="rId3">
+            <a:extLst>
+              <a:ext uri="{28A0092B-C50C-407E-A947-70E740481C1C}">
+                <a14:useLocalDpi xmlns:a14="http://schemas.microsoft.com/office/drawing/2010/main" val="0"/>
+              </a:ext>
+            </a:extLst>
+          </a:blip>
+          <a:stretch>
+            <a:fillRect/>
+          </a:stretch>
+        </p:blipFill>
+        <p:spPr>
+          <a:xfrm>
+            <a:off x="3974122" y="49950"/>
+            <a:ext cx="7385539" cy="6208184"/>
+          </a:xfrm>
+          <a:prstGeom prst="rect">
+            <a:avLst/>
+          </a:prstGeom>
+        </p:spPr>
+      </p:pic>
     </p:spTree>
     <p:extLst>
       <p:ext uri="{BB962C8B-B14F-4D97-AF65-F5344CB8AC3E}">
@@ -10527,10 +10869,10 @@
       </p:sp>
       <p:pic>
         <p:nvPicPr>
-          <p:cNvPr id="6" name="图片 5">
+          <p:cNvPr id="5" name="图片 4">
             <a:extLst>
               <a:ext uri="{FF2B5EF4-FFF2-40B4-BE49-F238E27FC236}">
-                <a16:creationId xmlns:a16="http://schemas.microsoft.com/office/drawing/2014/main" id="{F3F82D61-36F0-23E2-8DF2-104681156287}"/>
+                <a16:creationId xmlns:a16="http://schemas.microsoft.com/office/drawing/2014/main" id="{6664D914-B2C1-F141-8362-08F63A1434F1}"/>
               </a:ext>
             </a:extLst>
           </p:cNvPr>
@@ -10553,8 +10895,8 @@
         </p:blipFill>
         <p:spPr>
           <a:xfrm>
-            <a:off x="1202008" y="1120279"/>
-            <a:ext cx="10004277" cy="3546971"/>
+            <a:off x="1402172" y="316523"/>
+            <a:ext cx="10039550" cy="4737371"/>
           </a:xfrm>
           <a:prstGeom prst="rect">
             <a:avLst/>
@@ -10634,42 +10976,6 @@
           </a:p>
         </p:txBody>
       </p:sp>
-      <p:pic>
-        <p:nvPicPr>
-          <p:cNvPr id="6" name="图片 5">
-            <a:extLst>
-              <a:ext uri="{FF2B5EF4-FFF2-40B4-BE49-F238E27FC236}">
-                <a16:creationId xmlns:a16="http://schemas.microsoft.com/office/drawing/2014/main" id="{F3F82D61-36F0-23E2-8DF2-104681156287}"/>
-              </a:ext>
-            </a:extLst>
-          </p:cNvPr>
-          <p:cNvPicPr>
-            <a:picLocks noChangeAspect="1"/>
-          </p:cNvPicPr>
-          <p:nvPr/>
-        </p:nvPicPr>
-        <p:blipFill>
-          <a:blip r:embed="rId3">
-            <a:extLst>
-              <a:ext uri="{28A0092B-C50C-407E-A947-70E740481C1C}">
-                <a14:useLocalDpi xmlns:a14="http://schemas.microsoft.com/office/drawing/2010/main" val="0"/>
-              </a:ext>
-            </a:extLst>
-          </a:blip>
-          <a:stretch>
-            <a:fillRect/>
-          </a:stretch>
-        </p:blipFill>
-        <p:spPr>
-          <a:xfrm>
-            <a:off x="2337190" y="270609"/>
-            <a:ext cx="8664429" cy="3071934"/>
-          </a:xfrm>
-          <a:prstGeom prst="rect">
-            <a:avLst/>
-          </a:prstGeom>
-        </p:spPr>
-      </p:pic>
       <p:sp>
         <p:nvSpPr>
           <p:cNvPr id="3" name="Rectangle 1">
@@ -10791,7 +11097,7 @@
           <p:nvPr/>
         </p:nvPicPr>
         <p:blipFill>
-          <a:blip r:embed="rId4"/>
+          <a:blip r:embed="rId3"/>
           <a:stretch>
             <a:fillRect/>
           </a:stretch>
@@ -10800,6 +11106,42 @@
           <a:xfrm>
             <a:off x="668216" y="2954214"/>
             <a:ext cx="2133600" cy="3903785"/>
+          </a:xfrm>
+          <a:prstGeom prst="rect">
+            <a:avLst/>
+          </a:prstGeom>
+        </p:spPr>
+      </p:pic>
+      <p:pic>
+        <p:nvPicPr>
+          <p:cNvPr id="10" name="图片 9">
+            <a:extLst>
+              <a:ext uri="{FF2B5EF4-FFF2-40B4-BE49-F238E27FC236}">
+                <a16:creationId xmlns:a16="http://schemas.microsoft.com/office/drawing/2014/main" id="{E72958C7-E5F8-987F-68CB-519360C88C90}"/>
+              </a:ext>
+            </a:extLst>
+          </p:cNvPr>
+          <p:cNvPicPr>
+            <a:picLocks noChangeAspect="1"/>
+          </p:cNvPicPr>
+          <p:nvPr/>
+        </p:nvPicPr>
+        <p:blipFill>
+          <a:blip r:embed="rId4">
+            <a:extLst>
+              <a:ext uri="{28A0092B-C50C-407E-A947-70E740481C1C}">
+                <a14:useLocalDpi xmlns:a14="http://schemas.microsoft.com/office/drawing/2010/main" val="0"/>
+              </a:ext>
+            </a:extLst>
+          </a:blip>
+          <a:stretch>
+            <a:fillRect/>
+          </a:stretch>
+        </p:blipFill>
+        <p:spPr>
+          <a:xfrm>
+            <a:off x="1484234" y="0"/>
+            <a:ext cx="10039550" cy="4737371"/>
           </a:xfrm>
           <a:prstGeom prst="rect">
             <a:avLst/>
@@ -11219,8 +11561,8 @@
         </p:blipFill>
         <p:spPr>
           <a:xfrm>
-            <a:off x="1637413" y="855469"/>
-            <a:ext cx="9125707" cy="5629923"/>
+            <a:off x="844063" y="855469"/>
+            <a:ext cx="9919058" cy="5629923"/>
           </a:xfrm>
           <a:prstGeom prst="rect">
             <a:avLst/>
